--- a/Section B App Viz 1 Pager.pptx
+++ b/Section B App Viz 1 Pager.pptx
@@ -9,9 +9,6 @@
   </p:sldIdLst>
   <p:sldSz cx="12192000" cy="6858000"/>
   <p:notesSz cx="6858000" cy="9144000"/>
-  <p:custDataLst>
-    <p:tags r:id="rId3"/>
-  </p:custDataLst>
   <p:defaultTextStyle>
     <a:defPPr>
       <a:defRPr lang="en-US"/>
@@ -107,11 +104,6 @@
       </a:defRPr>
     </a:lvl9pPr>
   </p:defaultTextStyle>
-  <p:extLst>
-    <p:ext uri="{EFAFB233-063F-42B5-8137-9DF3F51BA10A}">
-      <p15:sldGuideLst xmlns:p15="http://schemas.microsoft.com/office/powerpoint/2012/main"/>
-    </p:ext>
-  </p:extLst>
 </p:presentation>
 </file>
 
@@ -266,7 +258,7 @@
           <a:p>
             <a:fld id="{23FEA57E-7C1A-457B-A4CD-5DCEB057B502}" type="datetime1">
               <a:rPr lang="en-US" smtClean="0"/>
-              <a:t>10/25/2021</a:t>
+              <a:t>2/10/2022</a:t>
             </a:fld>
             <a:endParaRPr lang="en-US" dirty="0"/>
           </a:p>
@@ -332,7 +324,7 @@
     </p:spTree>
     <p:extLst>
       <p:ext uri="{BB962C8B-B14F-4D97-AF65-F5344CB8AC3E}">
-        <p14:creationId xmlns:p14="http://schemas.microsoft.com/office/powerpoint/2010/main" val="2174852188"/>
+        <p14:creationId xmlns:p14="http://schemas.microsoft.com/office/powerpoint/2010/main" val="2060878514"/>
       </p:ext>
     </p:extLst>
   </p:cSld>
@@ -469,7 +461,7 @@
           <a:p>
             <a:fld id="{11789749-A4CD-447F-8298-2B7988C91CEA}" type="datetime1">
               <a:rPr lang="en-US" smtClean="0"/>
-              <a:t>10/25/2021</a:t>
+              <a:t>2/10/2022</a:t>
             </a:fld>
             <a:endParaRPr lang="en-US"/>
           </a:p>
@@ -535,7 +527,7 @@
     </p:spTree>
     <p:extLst>
       <p:ext uri="{BB962C8B-B14F-4D97-AF65-F5344CB8AC3E}">
-        <p14:creationId xmlns:p14="http://schemas.microsoft.com/office/powerpoint/2010/main" val="164831518"/>
+        <p14:creationId xmlns:p14="http://schemas.microsoft.com/office/powerpoint/2010/main" val="302760301"/>
       </p:ext>
     </p:extLst>
   </p:cSld>
@@ -680,7 +672,7 @@
           <a:p>
             <a:fld id="{BA0444D3-C0BA-4587-A56C-581AB9F841BE}" type="datetime1">
               <a:rPr lang="en-US" smtClean="0"/>
-              <a:t>10/25/2021</a:t>
+              <a:t>2/10/2022</a:t>
             </a:fld>
             <a:endParaRPr lang="en-US"/>
           </a:p>
@@ -746,7 +738,7 @@
     </p:spTree>
     <p:extLst>
       <p:ext uri="{BB962C8B-B14F-4D97-AF65-F5344CB8AC3E}">
-        <p14:creationId xmlns:p14="http://schemas.microsoft.com/office/powerpoint/2010/main" val="4202988056"/>
+        <p14:creationId xmlns:p14="http://schemas.microsoft.com/office/powerpoint/2010/main" val="512074438"/>
       </p:ext>
     </p:extLst>
   </p:cSld>
@@ -894,7 +886,7 @@
           <a:p>
             <a:fld id="{201AF2CE-4F37-411C-A3EE-BBBE223265BF}" type="datetime1">
               <a:rPr lang="en-US" smtClean="0"/>
-              <a:t>10/25/2021</a:t>
+              <a:t>2/10/2022</a:t>
             </a:fld>
             <a:endParaRPr lang="en-US"/>
           </a:p>
@@ -960,7 +952,7 @@
     </p:spTree>
     <p:extLst>
       <p:ext uri="{BB962C8B-B14F-4D97-AF65-F5344CB8AC3E}">
-        <p14:creationId xmlns:p14="http://schemas.microsoft.com/office/powerpoint/2010/main" val="3875149026"/>
+        <p14:creationId xmlns:p14="http://schemas.microsoft.com/office/powerpoint/2010/main" val="3126947642"/>
       </p:ext>
     </p:extLst>
   </p:cSld>
@@ -1175,7 +1167,7 @@
           <a:p>
             <a:fld id="{C96083D4-708C-4BB5-B4FD-30CE9FA12FD5}" type="datetime1">
               <a:rPr lang="en-US" smtClean="0"/>
-              <a:t>10/25/2021</a:t>
+              <a:t>2/10/2022</a:t>
             </a:fld>
             <a:endParaRPr lang="en-US"/>
           </a:p>
@@ -1241,7 +1233,7 @@
     </p:spTree>
     <p:extLst>
       <p:ext uri="{BB962C8B-B14F-4D97-AF65-F5344CB8AC3E}">
-        <p14:creationId xmlns:p14="http://schemas.microsoft.com/office/powerpoint/2010/main" val="1742361997"/>
+        <p14:creationId xmlns:p14="http://schemas.microsoft.com/office/powerpoint/2010/main" val="1271722816"/>
       </p:ext>
     </p:extLst>
   </p:cSld>
@@ -1455,7 +1447,7 @@
           <a:p>
             <a:fld id="{D0D239B2-65BC-4C2A-A62B-3EABFE9590E4}" type="datetime1">
               <a:rPr lang="en-US" smtClean="0"/>
-              <a:t>10/25/2021</a:t>
+              <a:t>2/10/2022</a:t>
             </a:fld>
             <a:endParaRPr lang="en-US"/>
           </a:p>
@@ -1521,7 +1513,7 @@
     </p:spTree>
     <p:extLst>
       <p:ext uri="{BB962C8B-B14F-4D97-AF65-F5344CB8AC3E}">
-        <p14:creationId xmlns:p14="http://schemas.microsoft.com/office/powerpoint/2010/main" val="739707559"/>
+        <p14:creationId xmlns:p14="http://schemas.microsoft.com/office/powerpoint/2010/main" val="2682870326"/>
       </p:ext>
     </p:extLst>
   </p:cSld>
@@ -1877,7 +1869,7 @@
           <a:p>
             <a:fld id="{85E05F5A-E4A3-476F-A89E-C2B73F2431E4}" type="datetime1">
               <a:rPr lang="en-US" smtClean="0"/>
-              <a:t>10/25/2021</a:t>
+              <a:t>2/10/2022</a:t>
             </a:fld>
             <a:endParaRPr lang="en-US"/>
           </a:p>
@@ -1943,7 +1935,7 @@
     </p:spTree>
     <p:extLst>
       <p:ext uri="{BB962C8B-B14F-4D97-AF65-F5344CB8AC3E}">
-        <p14:creationId xmlns:p14="http://schemas.microsoft.com/office/powerpoint/2010/main" val="303748548"/>
+        <p14:creationId xmlns:p14="http://schemas.microsoft.com/office/powerpoint/2010/main" val="3151753393"/>
       </p:ext>
     </p:extLst>
   </p:cSld>
@@ -2022,7 +2014,7 @@
           <a:p>
             <a:fld id="{E3761515-4A26-4F31-9F61-5A10B1FABBFC}" type="datetime1">
               <a:rPr lang="en-US" smtClean="0"/>
-              <a:t>10/25/2021</a:t>
+              <a:t>2/10/2022</a:t>
             </a:fld>
             <a:endParaRPr lang="en-US"/>
           </a:p>
@@ -2088,7 +2080,7 @@
     </p:spTree>
     <p:extLst>
       <p:ext uri="{BB962C8B-B14F-4D97-AF65-F5344CB8AC3E}">
-        <p14:creationId xmlns:p14="http://schemas.microsoft.com/office/powerpoint/2010/main" val="1021125445"/>
+        <p14:creationId xmlns:p14="http://schemas.microsoft.com/office/powerpoint/2010/main" val="4179393643"/>
       </p:ext>
     </p:extLst>
   </p:cSld>
@@ -2138,7 +2130,7 @@
           <a:p>
             <a:fld id="{4A75DC65-7D1F-4BAB-9695-F7E734143E14}" type="datetime1">
               <a:rPr lang="en-US" smtClean="0"/>
-              <a:t>10/25/2021</a:t>
+              <a:t>2/10/2022</a:t>
             </a:fld>
             <a:endParaRPr lang="en-US"/>
           </a:p>
@@ -2204,7 +2196,7 @@
     </p:spTree>
     <p:extLst>
       <p:ext uri="{BB962C8B-B14F-4D97-AF65-F5344CB8AC3E}">
-        <p14:creationId xmlns:p14="http://schemas.microsoft.com/office/powerpoint/2010/main" val="3748761134"/>
+        <p14:creationId xmlns:p14="http://schemas.microsoft.com/office/powerpoint/2010/main" val="1952634200"/>
       </p:ext>
     </p:extLst>
   </p:cSld>
@@ -2452,7 +2444,7 @@
           <a:p>
             <a:fld id="{7E624077-BD55-4036-8E92-6558FDF3B653}" type="datetime1">
               <a:rPr lang="en-US" smtClean="0"/>
-              <a:t>10/25/2021</a:t>
+              <a:t>2/10/2022</a:t>
             </a:fld>
             <a:endParaRPr lang="en-US"/>
           </a:p>
@@ -2518,7 +2510,7 @@
     </p:spTree>
     <p:extLst>
       <p:ext uri="{BB962C8B-B14F-4D97-AF65-F5344CB8AC3E}">
-        <p14:creationId xmlns:p14="http://schemas.microsoft.com/office/powerpoint/2010/main" val="3723335014"/>
+        <p14:creationId xmlns:p14="http://schemas.microsoft.com/office/powerpoint/2010/main" val="1031183447"/>
       </p:ext>
     </p:extLst>
   </p:cSld>
@@ -2746,7 +2738,7 @@
           <a:p>
             <a:fld id="{804225F2-7107-4609-BCC2-77C63064A5E8}" type="datetime1">
               <a:rPr lang="en-US" smtClean="0"/>
-              <a:t>10/25/2021</a:t>
+              <a:t>2/10/2022</a:t>
             </a:fld>
             <a:endParaRPr lang="en-US"/>
           </a:p>
@@ -2812,7 +2804,7 @@
     </p:spTree>
     <p:extLst>
       <p:ext uri="{BB962C8B-B14F-4D97-AF65-F5344CB8AC3E}">
-        <p14:creationId xmlns:p14="http://schemas.microsoft.com/office/powerpoint/2010/main" val="1279755123"/>
+        <p14:creationId xmlns:p14="http://schemas.microsoft.com/office/powerpoint/2010/main" val="952365385"/>
       </p:ext>
     </p:extLst>
   </p:cSld>
@@ -2875,7 +2867,7 @@
           <a:graphicData uri="http://schemas.openxmlformats.org/presentationml/2006/ole">
             <mc:AlternateContent xmlns:mc="http://schemas.openxmlformats.org/markup-compatibility/2006">
               <mc:Choice xmlns:v="urn:schemas-microsoft-com:vml" Requires="v">
-                <p:oleObj spid="_x0000_s1029" name="think-cell Slide" r:id="rId15" imgW="395" imgH="396" progId="TCLayout.ActiveDocument.1">
+                <p:oleObj spid="_x0000_s1026" name="think-cell Slide" r:id="rId15" imgW="395" imgH="396" progId="TCLayout.ActiveDocument.1">
                   <p:embed/>
                 </p:oleObj>
               </mc:Choice>
@@ -2884,7 +2876,13 @@
                   <p:embed/>
                   <p:pic>
                     <p:nvPicPr>
-                      <p:cNvPr id="0" name=""/>
+                      <p:cNvPr id="8" name="Object 7" hidden="1">
+                        <a:extLst>
+                          <a:ext uri="{FF2B5EF4-FFF2-40B4-BE49-F238E27FC236}">
+                            <a16:creationId xmlns:a16="http://schemas.microsoft.com/office/drawing/2014/main" id="{C7FA32AA-2BE3-4CB8-BE3C-8A2D589E55B5}"/>
+                          </a:ext>
+                        </a:extLst>
+                      </p:cNvPr>
                       <p:cNvPicPr/>
                       <p:nvPr/>
                     </p:nvPicPr>
@@ -2942,10 +2940,9 @@
           <a:lstStyle/>
           <a:p>
             <a:r>
-              <a:rPr lang="en-US"/>
+              <a:rPr lang="en-US" dirty="0"/>
               <a:t>Click to edit Master title style</a:t>
             </a:r>
-            <a:endParaRPr lang="en-US" dirty="0"/>
           </a:p>
         </p:txBody>
       </p:sp>
@@ -2982,38 +2979,37 @@
           <a:p>
             <a:pPr lvl="0"/>
             <a:r>
-              <a:rPr lang="en-US"/>
+              <a:rPr lang="en-US" dirty="0"/>
               <a:t>Click to edit Master text styles</a:t>
             </a:r>
           </a:p>
           <a:p>
             <a:pPr lvl="1"/>
             <a:r>
-              <a:rPr lang="en-US"/>
+              <a:rPr lang="en-US" dirty="0"/>
               <a:t>Second level</a:t>
             </a:r>
           </a:p>
           <a:p>
             <a:pPr lvl="2"/>
             <a:r>
-              <a:rPr lang="en-US"/>
+              <a:rPr lang="en-US" dirty="0"/>
               <a:t>Third level</a:t>
             </a:r>
           </a:p>
           <a:p>
             <a:pPr lvl="3"/>
             <a:r>
-              <a:rPr lang="en-US"/>
+              <a:rPr lang="en-US" dirty="0"/>
               <a:t>Fourth level</a:t>
             </a:r>
           </a:p>
           <a:p>
             <a:pPr lvl="4"/>
             <a:r>
-              <a:rPr lang="en-US"/>
+              <a:rPr lang="en-US" dirty="0"/>
               <a:t>Fifth level</a:t>
             </a:r>
-            <a:endParaRPr lang="en-US" dirty="0"/>
           </a:p>
         </p:txBody>
       </p:sp>
@@ -3060,9 +3056,9 @@
           <a:p>
             <a:fld id="{D3FE42E8-8B57-452D-A122-4DCE9AC771EF}" type="datetime1">
               <a:rPr lang="en-US" smtClean="0"/>
-              <a:t>10/25/2021</a:t>
+              <a:t>2/10/2022</a:t>
             </a:fld>
-            <a:endParaRPr lang="en-US"/>
+            <a:endParaRPr lang="en-US" dirty="0"/>
           </a:p>
         </p:txBody>
       </p:sp>
@@ -3160,30 +3156,30 @@
               <a:pPr/>
               <a:t>‹#›</a:t>
             </a:fld>
-            <a:endParaRPr lang="en-US"/>
+            <a:endParaRPr lang="en-US" dirty="0"/>
           </a:p>
         </p:txBody>
       </p:sp>
     </p:spTree>
     <p:extLst>
       <p:ext uri="{BB962C8B-B14F-4D97-AF65-F5344CB8AC3E}">
-        <p14:creationId xmlns:p14="http://schemas.microsoft.com/office/powerpoint/2010/main" val="579913139"/>
+        <p14:creationId xmlns:p14="http://schemas.microsoft.com/office/powerpoint/2010/main" val="798159632"/>
       </p:ext>
     </p:extLst>
   </p:cSld>
   <p:clrMap bg1="lt1" tx1="dk1" bg2="lt2" tx2="dk2" accent1="accent1" accent2="accent2" accent3="accent3" accent4="accent4" accent5="accent5" accent6="accent6" hlink="hlink" folHlink="folHlink"/>
   <p:sldLayoutIdLst>
-    <p:sldLayoutId id="2147483671" r:id="rId1"/>
-    <p:sldLayoutId id="2147483670" r:id="rId2"/>
-    <p:sldLayoutId id="2147483669" r:id="rId3"/>
-    <p:sldLayoutId id="2147483668" r:id="rId4"/>
-    <p:sldLayoutId id="2147483667" r:id="rId5"/>
+    <p:sldLayoutId id="2147483661" r:id="rId1"/>
+    <p:sldLayoutId id="2147483662" r:id="rId2"/>
+    <p:sldLayoutId id="2147483663" r:id="rId3"/>
+    <p:sldLayoutId id="2147483664" r:id="rId4"/>
+    <p:sldLayoutId id="2147483665" r:id="rId5"/>
     <p:sldLayoutId id="2147483666" r:id="rId6"/>
-    <p:sldLayoutId id="2147483665" r:id="rId7"/>
-    <p:sldLayoutId id="2147483664" r:id="rId8"/>
-    <p:sldLayoutId id="2147483663" r:id="rId9"/>
-    <p:sldLayoutId id="2147483662" r:id="rId10"/>
-    <p:sldLayoutId id="2147483661" r:id="rId11"/>
+    <p:sldLayoutId id="2147483667" r:id="rId7"/>
+    <p:sldLayoutId id="2147483668" r:id="rId8"/>
+    <p:sldLayoutId id="2147483669" r:id="rId9"/>
+    <p:sldLayoutId id="2147483670" r:id="rId10"/>
+    <p:sldLayoutId id="2147483671" r:id="rId11"/>
   </p:sldLayoutIdLst>
   <p:hf sldNum="0" hdr="0" ftr="0" dt="0"/>
   <p:txStyles>
@@ -3493,10 +3489,10 @@
       </p:grpSpPr>
       <p:sp>
         <p:nvSpPr>
-          <p:cNvPr id="14" name="Rectangle: Rounded Corners 13">
+          <p:cNvPr id="20" name="Rectangle 19">
             <a:extLst>
               <a:ext uri="{FF2B5EF4-FFF2-40B4-BE49-F238E27FC236}">
-                <a16:creationId xmlns:a16="http://schemas.microsoft.com/office/drawing/2014/main" id="{0BB34B5A-535A-44B6-89E8-48C067C8B29B}"/>
+                <a16:creationId xmlns:a16="http://schemas.microsoft.com/office/drawing/2014/main" id="{6376A467-4708-4D38-A4BE-4B7CE94FA934}"/>
               </a:ext>
             </a:extLst>
           </p:cNvPr>
@@ -3505,40 +3501,443 @@
         </p:nvSpPr>
         <p:spPr>
           <a:xfrm>
-            <a:off x="0" y="3544389"/>
-            <a:ext cx="12192000" cy="346995"/>
+            <a:off x="5298324" y="4238997"/>
+            <a:ext cx="3749422" cy="2520021"/>
           </a:xfrm>
-          <a:prstGeom prst="roundRect">
+          <a:prstGeom prst="rect">
             <a:avLst/>
           </a:prstGeom>
-          <a:solidFill>
-            <a:srgbClr val="E729BC">
-              <a:alpha val="21176"/>
-            </a:srgbClr>
-          </a:solidFill>
         </p:spPr>
         <p:style>
-          <a:lnRef idx="2">
-            <a:schemeClr val="accent5">
-              <a:shade val="50000"/>
-            </a:schemeClr>
+          <a:lnRef idx="1">
+            <a:schemeClr val="accent1"/>
           </a:lnRef>
-          <a:fillRef idx="1">
-            <a:schemeClr val="accent5"/>
+          <a:fillRef idx="2">
+            <a:schemeClr val="accent1"/>
           </a:fillRef>
-          <a:effectRef idx="0">
-            <a:schemeClr val="accent5"/>
+          <a:effectRef idx="1">
+            <a:schemeClr val="accent1"/>
           </a:effectRef>
           <a:fontRef idx="minor">
-            <a:schemeClr val="lt1"/>
+            <a:schemeClr val="dk1"/>
           </a:fontRef>
         </p:style>
         <p:txBody>
           <a:bodyPr rtlCol="0" anchor="ctr"/>
           <a:lstStyle/>
           <a:p>
-            <a:pPr algn="ctr"/>
-            <a:endParaRPr lang="en-US"/>
+            <a:pPr marL="0" marR="0" lvl="0" indent="0" algn="ctr" defTabSz="914400" rtl="0" eaLnBrk="1" fontAlgn="auto" latinLnBrk="0" hangingPunct="1">
+              <a:lnSpc>
+                <a:spcPct val="100000"/>
+              </a:lnSpc>
+              <a:spcBef>
+                <a:spcPts val="0"/>
+              </a:spcBef>
+              <a:spcAft>
+                <a:spcPts val="0"/>
+              </a:spcAft>
+              <a:buClrTx/>
+              <a:buSzTx/>
+              <a:buFontTx/>
+              <a:buNone/>
+              <a:tabLst/>
+              <a:defRPr/>
+            </a:pPr>
+            <a:endParaRPr kumimoji="0" lang="en-US" sz="1800" b="0" i="0" u="none" strike="noStrike" kern="1200" cap="none" spc="0" normalizeH="0" baseline="0" noProof="0">
+              <a:ln>
+                <a:noFill/>
+              </a:ln>
+              <a:solidFill>
+                <a:srgbClr val="000000"/>
+              </a:solidFill>
+              <a:effectLst/>
+              <a:uLnTx/>
+              <a:uFillTx/>
+              <a:latin typeface="Gill Sans MT"/>
+              <a:ea typeface="+mn-ea"/>
+              <a:cs typeface="+mn-cs"/>
+            </a:endParaRPr>
+          </a:p>
+        </p:txBody>
+      </p:sp>
+      <p:sp>
+        <p:nvSpPr>
+          <p:cNvPr id="12" name="Content Placeholder 2">
+            <a:extLst>
+              <a:ext uri="{FF2B5EF4-FFF2-40B4-BE49-F238E27FC236}">
+                <a16:creationId xmlns:a16="http://schemas.microsoft.com/office/drawing/2014/main" id="{A449D0ED-E7E5-4DA6-878D-7B3EB7049ED4}"/>
+              </a:ext>
+            </a:extLst>
+          </p:cNvPr>
+          <p:cNvSpPr txBox="1">
+            <a:spLocks/>
+          </p:cNvSpPr>
+          <p:nvPr/>
+        </p:nvSpPr>
+        <p:spPr>
+          <a:xfrm>
+            <a:off x="5309294" y="4469984"/>
+            <a:ext cx="3669243" cy="856812"/>
+          </a:xfrm>
+          <a:prstGeom prst="rect">
+            <a:avLst/>
+          </a:prstGeom>
+        </p:spPr>
+        <p:txBody>
+          <a:bodyPr vert="horz" lIns="91440" tIns="45720" rIns="91440" bIns="45720" rtlCol="0">
+            <a:normAutofit/>
+          </a:bodyPr>
+          <a:lstStyle>
+            <a:lvl1pPr marL="228600" indent="-228600" algn="l" defTabSz="914400" rtl="0" eaLnBrk="1" latinLnBrk="0" hangingPunct="1">
+              <a:lnSpc>
+                <a:spcPct val="100000"/>
+              </a:lnSpc>
+              <a:spcBef>
+                <a:spcPts val="1000"/>
+              </a:spcBef>
+              <a:buSzPct val="70000"/>
+              <a:buFont typeface="Arial" panose="020B0604020202020204" pitchFamily="34" charset="0"/>
+              <a:buChar char="•"/>
+              <a:defRPr sz="2400" kern="1200">
+                <a:solidFill>
+                  <a:schemeClr val="tx2"/>
+                </a:solidFill>
+                <a:latin typeface="+mj-lt"/>
+                <a:ea typeface="+mn-ea"/>
+                <a:cs typeface="+mn-cs"/>
+              </a:defRPr>
+            </a:lvl1pPr>
+            <a:lvl2pPr marL="685800" indent="-228600" algn="l" defTabSz="914400" rtl="0" eaLnBrk="1" latinLnBrk="0" hangingPunct="1">
+              <a:lnSpc>
+                <a:spcPct val="100000"/>
+              </a:lnSpc>
+              <a:spcBef>
+                <a:spcPts val="500"/>
+              </a:spcBef>
+              <a:buSzPct val="70000"/>
+              <a:buFont typeface="Arial" panose="020B0604020202020204" pitchFamily="34" charset="0"/>
+              <a:buChar char="•"/>
+              <a:defRPr sz="2000" kern="1200">
+                <a:solidFill>
+                  <a:schemeClr val="tx2"/>
+                </a:solidFill>
+                <a:latin typeface="+mj-lt"/>
+                <a:ea typeface="+mn-ea"/>
+                <a:cs typeface="+mn-cs"/>
+              </a:defRPr>
+            </a:lvl2pPr>
+            <a:lvl3pPr marL="1143000" indent="-228600" algn="l" defTabSz="914400" rtl="0" eaLnBrk="1" latinLnBrk="0" hangingPunct="1">
+              <a:lnSpc>
+                <a:spcPct val="100000"/>
+              </a:lnSpc>
+              <a:spcBef>
+                <a:spcPts val="500"/>
+              </a:spcBef>
+              <a:buSzPct val="70000"/>
+              <a:buFont typeface="Arial" panose="020B0604020202020204" pitchFamily="34" charset="0"/>
+              <a:buChar char="•"/>
+              <a:defRPr sz="1800" kern="1200">
+                <a:solidFill>
+                  <a:schemeClr val="tx2"/>
+                </a:solidFill>
+                <a:latin typeface="+mj-lt"/>
+                <a:ea typeface="+mn-ea"/>
+                <a:cs typeface="+mn-cs"/>
+              </a:defRPr>
+            </a:lvl3pPr>
+            <a:lvl4pPr marL="1600200" indent="-228600" algn="l" defTabSz="914400" rtl="0" eaLnBrk="1" latinLnBrk="0" hangingPunct="1">
+              <a:lnSpc>
+                <a:spcPct val="100000"/>
+              </a:lnSpc>
+              <a:spcBef>
+                <a:spcPts val="500"/>
+              </a:spcBef>
+              <a:buSzPct val="70000"/>
+              <a:buFont typeface="Arial" panose="020B0604020202020204" pitchFamily="34" charset="0"/>
+              <a:buChar char="•"/>
+              <a:defRPr sz="1600" kern="1200">
+                <a:solidFill>
+                  <a:schemeClr val="tx2"/>
+                </a:solidFill>
+                <a:latin typeface="+mj-lt"/>
+                <a:ea typeface="+mn-ea"/>
+                <a:cs typeface="+mn-cs"/>
+              </a:defRPr>
+            </a:lvl4pPr>
+            <a:lvl5pPr marL="2057400" indent="-228600" algn="l" defTabSz="914400" rtl="0" eaLnBrk="1" latinLnBrk="0" hangingPunct="1">
+              <a:lnSpc>
+                <a:spcPct val="100000"/>
+              </a:lnSpc>
+              <a:spcBef>
+                <a:spcPts val="500"/>
+              </a:spcBef>
+              <a:buSzPct val="70000"/>
+              <a:buFont typeface="Arial" panose="020B0604020202020204" pitchFamily="34" charset="0"/>
+              <a:buChar char="•"/>
+              <a:defRPr sz="1600" kern="1200">
+                <a:solidFill>
+                  <a:schemeClr val="tx2"/>
+                </a:solidFill>
+                <a:latin typeface="+mj-lt"/>
+                <a:ea typeface="+mn-ea"/>
+                <a:cs typeface="+mn-cs"/>
+              </a:defRPr>
+            </a:lvl5pPr>
+            <a:lvl6pPr marL="2514600" indent="-228600" algn="l" defTabSz="914400" rtl="0" eaLnBrk="1" latinLnBrk="0" hangingPunct="1">
+              <a:lnSpc>
+                <a:spcPct val="90000"/>
+              </a:lnSpc>
+              <a:spcBef>
+                <a:spcPts val="500"/>
+              </a:spcBef>
+              <a:buFont typeface="Arial" panose="020B0604020202020204" pitchFamily="34" charset="0"/>
+              <a:buChar char="•"/>
+              <a:defRPr sz="1800" kern="1200">
+                <a:solidFill>
+                  <a:schemeClr val="tx1"/>
+                </a:solidFill>
+                <a:latin typeface="+mn-lt"/>
+                <a:ea typeface="+mn-ea"/>
+                <a:cs typeface="+mn-cs"/>
+              </a:defRPr>
+            </a:lvl6pPr>
+            <a:lvl7pPr marL="2971800" indent="-228600" algn="l" defTabSz="914400" rtl="0" eaLnBrk="1" latinLnBrk="0" hangingPunct="1">
+              <a:lnSpc>
+                <a:spcPct val="90000"/>
+              </a:lnSpc>
+              <a:spcBef>
+                <a:spcPts val="500"/>
+              </a:spcBef>
+              <a:buFont typeface="Arial" panose="020B0604020202020204" pitchFamily="34" charset="0"/>
+              <a:buChar char="•"/>
+              <a:defRPr sz="1800" kern="1200">
+                <a:solidFill>
+                  <a:schemeClr val="tx1"/>
+                </a:solidFill>
+                <a:latin typeface="+mn-lt"/>
+                <a:ea typeface="+mn-ea"/>
+                <a:cs typeface="+mn-cs"/>
+              </a:defRPr>
+            </a:lvl7pPr>
+            <a:lvl8pPr marL="3429000" indent="-228600" algn="l" defTabSz="914400" rtl="0" eaLnBrk="1" latinLnBrk="0" hangingPunct="1">
+              <a:lnSpc>
+                <a:spcPct val="90000"/>
+              </a:lnSpc>
+              <a:spcBef>
+                <a:spcPts val="500"/>
+              </a:spcBef>
+              <a:buFont typeface="Arial" panose="020B0604020202020204" pitchFamily="34" charset="0"/>
+              <a:buChar char="•"/>
+              <a:defRPr sz="1800" kern="1200">
+                <a:solidFill>
+                  <a:schemeClr val="tx1"/>
+                </a:solidFill>
+                <a:latin typeface="+mn-lt"/>
+                <a:ea typeface="+mn-ea"/>
+                <a:cs typeface="+mn-cs"/>
+              </a:defRPr>
+            </a:lvl8pPr>
+            <a:lvl9pPr marL="3886200" indent="-228600" algn="l" defTabSz="914400" rtl="0" eaLnBrk="1" latinLnBrk="0" hangingPunct="1">
+              <a:lnSpc>
+                <a:spcPct val="90000"/>
+              </a:lnSpc>
+              <a:spcBef>
+                <a:spcPts val="500"/>
+              </a:spcBef>
+              <a:buFont typeface="Arial" panose="020B0604020202020204" pitchFamily="34" charset="0"/>
+              <a:buChar char="•"/>
+              <a:defRPr sz="1800" kern="1200">
+                <a:solidFill>
+                  <a:schemeClr val="tx1"/>
+                </a:solidFill>
+                <a:latin typeface="+mn-lt"/>
+                <a:ea typeface="+mn-ea"/>
+                <a:cs typeface="+mn-cs"/>
+              </a:defRPr>
+            </a:lvl9pPr>
+          </a:lstStyle>
+          <a:p>
+            <a:pPr marL="0" marR="0" lvl="0" indent="0" algn="l" defTabSz="914400" rtl="0" eaLnBrk="1" fontAlgn="auto" latinLnBrk="0" hangingPunct="1">
+              <a:lnSpc>
+                <a:spcPct val="100000"/>
+              </a:lnSpc>
+              <a:spcBef>
+                <a:spcPts val="0"/>
+              </a:spcBef>
+              <a:spcAft>
+                <a:spcPts val="0"/>
+              </a:spcAft>
+              <a:buClrTx/>
+              <a:buSzPct val="70000"/>
+              <a:buFont typeface="Arial" panose="020B0604020202020204" pitchFamily="34" charset="0"/>
+              <a:buNone/>
+              <a:tabLst/>
+              <a:defRPr/>
+            </a:pPr>
+            <a:endParaRPr kumimoji="0" lang="en-US" sz="1100" b="0" i="0" u="none" strike="noStrike" kern="1200" cap="none" spc="0" normalizeH="0" baseline="0" noProof="0" dirty="0">
+              <a:ln>
+                <a:noFill/>
+              </a:ln>
+              <a:solidFill>
+                <a:srgbClr val="FFFFFF"/>
+              </a:solidFill>
+              <a:effectLst/>
+              <a:uLnTx/>
+              <a:uFillTx/>
+              <a:latin typeface="Goudy Old Style"/>
+              <a:ea typeface="+mn-ea"/>
+              <a:cs typeface="+mn-cs"/>
+            </a:endParaRPr>
+          </a:p>
+        </p:txBody>
+      </p:sp>
+      <p:sp>
+        <p:nvSpPr>
+          <p:cNvPr id="19" name="Rectangle 18">
+            <a:extLst>
+              <a:ext uri="{FF2B5EF4-FFF2-40B4-BE49-F238E27FC236}">
+                <a16:creationId xmlns:a16="http://schemas.microsoft.com/office/drawing/2014/main" id="{55093F69-C1E4-4569-8FD0-399FF6997AD2}"/>
+              </a:ext>
+            </a:extLst>
+          </p:cNvPr>
+          <p:cNvSpPr/>
+          <p:nvPr/>
+        </p:nvSpPr>
+        <p:spPr>
+          <a:xfrm>
+            <a:off x="223647" y="4238997"/>
+            <a:ext cx="4747364" cy="2520021"/>
+          </a:xfrm>
+          <a:prstGeom prst="rect">
+            <a:avLst/>
+          </a:prstGeom>
+        </p:spPr>
+        <p:style>
+          <a:lnRef idx="1">
+            <a:schemeClr val="accent6"/>
+          </a:lnRef>
+          <a:fillRef idx="2">
+            <a:schemeClr val="accent6"/>
+          </a:fillRef>
+          <a:effectRef idx="1">
+            <a:schemeClr val="accent6"/>
+          </a:effectRef>
+          <a:fontRef idx="minor">
+            <a:schemeClr val="dk1"/>
+          </a:fontRef>
+        </p:style>
+        <p:txBody>
+          <a:bodyPr rtlCol="0" anchor="ctr"/>
+          <a:lstStyle/>
+          <a:p>
+            <a:pPr marL="0" marR="0" lvl="0" indent="0" algn="ctr" defTabSz="914400" rtl="0" eaLnBrk="1" fontAlgn="auto" latinLnBrk="0" hangingPunct="1">
+              <a:lnSpc>
+                <a:spcPct val="100000"/>
+              </a:lnSpc>
+              <a:spcBef>
+                <a:spcPts val="0"/>
+              </a:spcBef>
+              <a:spcAft>
+                <a:spcPts val="0"/>
+              </a:spcAft>
+              <a:buClrTx/>
+              <a:buSzTx/>
+              <a:buFontTx/>
+              <a:buNone/>
+              <a:tabLst/>
+              <a:defRPr/>
+            </a:pPr>
+            <a:endParaRPr kumimoji="0" lang="en-US" sz="1800" b="0" i="0" u="none" strike="noStrike" kern="1200" cap="none" spc="0" normalizeH="0" baseline="0" noProof="0">
+              <a:ln>
+                <a:noFill/>
+              </a:ln>
+              <a:solidFill>
+                <a:srgbClr val="000000"/>
+              </a:solidFill>
+              <a:effectLst/>
+              <a:uLnTx/>
+              <a:uFillTx/>
+              <a:latin typeface="Gill Sans MT"/>
+              <a:ea typeface="+mn-ea"/>
+              <a:cs typeface="+mn-cs"/>
+            </a:endParaRPr>
+          </a:p>
+        </p:txBody>
+      </p:sp>
+      <p:sp>
+        <p:nvSpPr>
+          <p:cNvPr id="17" name="Rectangle 16">
+            <a:extLst>
+              <a:ext uri="{FF2B5EF4-FFF2-40B4-BE49-F238E27FC236}">
+                <a16:creationId xmlns:a16="http://schemas.microsoft.com/office/drawing/2014/main" id="{F0A7F419-4735-4E0C-9F7D-9F8B01C7F582}"/>
+              </a:ext>
+            </a:extLst>
+          </p:cNvPr>
+          <p:cNvSpPr/>
+          <p:nvPr/>
+        </p:nvSpPr>
+        <p:spPr>
+          <a:xfrm>
+            <a:off x="223645" y="1024942"/>
+            <a:ext cx="8824099" cy="2322164"/>
+          </a:xfrm>
+          <a:prstGeom prst="rect">
+            <a:avLst/>
+          </a:prstGeom>
+          <a:ln>
+            <a:headEnd type="none" w="med" len="med"/>
+            <a:tailEnd type="none" w="med" len="med"/>
+          </a:ln>
+        </p:spPr>
+        <p:style>
+          <a:lnRef idx="1">
+            <a:schemeClr val="accent5"/>
+          </a:lnRef>
+          <a:fillRef idx="2">
+            <a:schemeClr val="accent5"/>
+          </a:fillRef>
+          <a:effectRef idx="1">
+            <a:schemeClr val="accent5"/>
+          </a:effectRef>
+          <a:fontRef idx="minor">
+            <a:schemeClr val="dk1"/>
+          </a:fontRef>
+        </p:style>
+        <p:txBody>
+          <a:bodyPr rtlCol="0" anchor="ctr"/>
+          <a:lstStyle/>
+          <a:p>
+            <a:pPr marL="0" marR="0" lvl="0" indent="0" algn="ctr" defTabSz="914400" rtl="0" eaLnBrk="1" fontAlgn="auto" latinLnBrk="0" hangingPunct="1">
+              <a:lnSpc>
+                <a:spcPct val="100000"/>
+              </a:lnSpc>
+              <a:spcBef>
+                <a:spcPts val="0"/>
+              </a:spcBef>
+              <a:spcAft>
+                <a:spcPts val="0"/>
+              </a:spcAft>
+              <a:buClrTx/>
+              <a:buSzTx/>
+              <a:buFontTx/>
+              <a:buNone/>
+              <a:tabLst/>
+              <a:defRPr/>
+            </a:pPr>
+            <a:endParaRPr kumimoji="0" lang="en-US" sz="1800" b="0" i="0" u="none" strike="noStrike" kern="1200" cap="none" spc="0" normalizeH="0" baseline="0" noProof="0" dirty="0">
+              <a:ln>
+                <a:noFill/>
+              </a:ln>
+              <a:solidFill>
+                <a:srgbClr val="000000"/>
+              </a:solidFill>
+              <a:effectLst/>
+              <a:uLnTx/>
+              <a:uFillTx/>
+              <a:latin typeface="Gill Sans MT"/>
+              <a:ea typeface="+mn-ea"/>
+              <a:cs typeface="+mn-cs"/>
+            </a:endParaRPr>
           </a:p>
         </p:txBody>
       </p:sp>
@@ -3561,15 +3960,18 @@
         <p:spPr>
           <a:xfrm>
             <a:off x="0" y="0"/>
-            <a:ext cx="9486900" cy="685799"/>
+            <a:ext cx="12192000" cy="418249"/>
           </a:xfrm>
         </p:spPr>
         <p:txBody>
-          <a:bodyPr/>
+          <a:bodyPr>
+            <a:normAutofit/>
+          </a:bodyPr>
           <a:lstStyle/>
           <a:p>
-            <a:r>
-              <a:rPr lang="en-US" dirty="0"/>
+            <a:pPr algn="ctr"/>
+            <a:r>
+              <a:rPr lang="en-US" sz="2000" dirty="0"/>
               <a:t>Section B App</a:t>
             </a:r>
           </a:p>
@@ -3593,8 +3995,8 @@
         </p:nvSpPr>
         <p:spPr>
           <a:xfrm>
-            <a:off x="423949" y="1012068"/>
-            <a:ext cx="5672052" cy="877692"/>
+            <a:off x="371695" y="1273328"/>
+            <a:ext cx="8478610" cy="877692"/>
           </a:xfrm>
         </p:spPr>
         <p:txBody>
@@ -3609,7 +4011,11 @@
               </a:spcBef>
             </a:pPr>
             <a:r>
-              <a:rPr lang="en-US" sz="1100" dirty="0"/>
+              <a:rPr lang="en-US" sz="1100" dirty="0">
+                <a:solidFill>
+                  <a:schemeClr val="bg1"/>
+                </a:solidFill>
+              </a:rPr>
               <a:t>Lack of chat analysis options that try accommodate outside the chat interactions</a:t>
             </a:r>
           </a:p>
@@ -3620,7 +4026,11 @@
               </a:spcBef>
             </a:pPr>
             <a:r>
-              <a:rPr lang="en-US" sz="1100" dirty="0"/>
+              <a:rPr lang="en-US" sz="1100" dirty="0">
+                <a:solidFill>
+                  <a:schemeClr val="bg1"/>
+                </a:solidFill>
+              </a:rPr>
               <a:t>Many chat analysis options either monitor low level information of very large groups or deep level analysis of one-on-one interactions </a:t>
             </a:r>
           </a:p>
@@ -3631,7 +4041,11 @@
               </a:spcBef>
             </a:pPr>
             <a:r>
-              <a:rPr lang="en-US" sz="1100" dirty="0"/>
+              <a:rPr lang="en-US" sz="1100" dirty="0">
+                <a:solidFill>
+                  <a:schemeClr val="bg1"/>
+                </a:solidFill>
+              </a:rPr>
               <a:t>Someone remote from the group wants to determine what is going on while they aren’t there</a:t>
             </a:r>
           </a:p>
@@ -3653,8 +4067,8 @@
         </p:nvSpPr>
         <p:spPr>
           <a:xfrm>
-            <a:off x="268778" y="529934"/>
-            <a:ext cx="1742902" cy="534095"/>
+            <a:off x="216524" y="1024942"/>
+            <a:ext cx="1742902" cy="300347"/>
           </a:xfrm>
           <a:prstGeom prst="rect">
             <a:avLst/>
@@ -3684,11 +4098,40 @@
             </a:lvl1pPr>
           </a:lstStyle>
           <a:p>
-            <a:r>
-              <a:rPr lang="en-US" sz="1800" dirty="0"/>
-              <a:t>Problems</a:t>
-            </a:r>
-            <a:endParaRPr lang="en-US" sz="1400" dirty="0"/>
+            <a:pPr marL="0" marR="0" lvl="0" indent="0" algn="l" defTabSz="914400" rtl="0" eaLnBrk="1" fontAlgn="auto" latinLnBrk="0" hangingPunct="1">
+              <a:lnSpc>
+                <a:spcPct val="90000"/>
+              </a:lnSpc>
+              <a:spcBef>
+                <a:spcPct val="0"/>
+              </a:spcBef>
+              <a:spcAft>
+                <a:spcPts val="0"/>
+              </a:spcAft>
+              <a:buClrTx/>
+              <a:buSzTx/>
+              <a:buFontTx/>
+              <a:buNone/>
+              <a:tabLst/>
+              <a:defRPr/>
+            </a:pPr>
+            <a:r>
+              <a:rPr kumimoji="0" lang="en-US" sz="1400" b="0" i="0" u="none" strike="noStrike" kern="1200" cap="all" spc="300" normalizeH="0" baseline="0" noProof="0" dirty="0">
+                <a:ln>
+                  <a:noFill/>
+                </a:ln>
+                <a:solidFill>
+                  <a:srgbClr val="FFFFFF"/>
+                </a:solidFill>
+                <a:effectLst/>
+                <a:uLnTx/>
+                <a:uFillTx/>
+                <a:latin typeface="Goudy Old Style"/>
+                <a:ea typeface="+mj-ea"/>
+                <a:cs typeface="+mj-cs"/>
+              </a:rPr>
+              <a:t>Problem</a:t>
+            </a:r>
           </a:p>
         </p:txBody>
       </p:sp>
@@ -3708,8 +4151,8 @@
         </p:nvSpPr>
         <p:spPr>
           <a:xfrm>
-            <a:off x="268778" y="1622712"/>
-            <a:ext cx="1742902" cy="534095"/>
+            <a:off x="216524" y="2117720"/>
+            <a:ext cx="1742902" cy="300347"/>
           </a:xfrm>
           <a:prstGeom prst="rect">
             <a:avLst/>
@@ -3739,11 +4182,40 @@
             </a:lvl1pPr>
           </a:lstStyle>
           <a:p>
-            <a:r>
-              <a:rPr lang="en-US" sz="1800" dirty="0"/>
+            <a:pPr marL="0" marR="0" lvl="0" indent="0" algn="l" defTabSz="914400" rtl="0" eaLnBrk="1" fontAlgn="auto" latinLnBrk="0" hangingPunct="1">
+              <a:lnSpc>
+                <a:spcPct val="90000"/>
+              </a:lnSpc>
+              <a:spcBef>
+                <a:spcPct val="0"/>
+              </a:spcBef>
+              <a:spcAft>
+                <a:spcPts val="0"/>
+              </a:spcAft>
+              <a:buClrTx/>
+              <a:buSzTx/>
+              <a:buFontTx/>
+              <a:buNone/>
+              <a:tabLst/>
+              <a:defRPr/>
+            </a:pPr>
+            <a:r>
+              <a:rPr kumimoji="0" lang="en-US" sz="1400" b="0" i="0" u="none" strike="noStrike" kern="1200" cap="all" spc="300" normalizeH="0" baseline="0" noProof="0" dirty="0">
+                <a:ln>
+                  <a:noFill/>
+                </a:ln>
+                <a:solidFill>
+                  <a:srgbClr val="FFFFFF"/>
+                </a:solidFill>
+                <a:effectLst/>
+                <a:uLnTx/>
+                <a:uFillTx/>
+                <a:latin typeface="Goudy Old Style"/>
+                <a:ea typeface="+mj-ea"/>
+                <a:cs typeface="+mj-cs"/>
+              </a:rPr>
               <a:t>Solution</a:t>
             </a:r>
-            <a:endParaRPr lang="en-US" sz="1400" dirty="0"/>
           </a:p>
         </p:txBody>
       </p:sp>
@@ -3763,8 +4235,8 @@
         </p:nvSpPr>
         <p:spPr>
           <a:xfrm>
-            <a:off x="423948" y="2065416"/>
-            <a:ext cx="5672052" cy="877692"/>
+            <a:off x="371694" y="2326676"/>
+            <a:ext cx="8478610" cy="650074"/>
           </a:xfrm>
           <a:prstGeom prst="rect">
             <a:avLst/>
@@ -3944,36 +4416,110 @@
             </a:lvl9pPr>
           </a:lstStyle>
           <a:p>
-            <a:pPr marL="0" indent="0">
-              <a:spcBef>
-                <a:spcPts val="0"/>
-              </a:spcBef>
-              <a:buNone/>
+            <a:pPr marL="228600" marR="0" lvl="0" indent="-228600" algn="l" defTabSz="914400" rtl="0" eaLnBrk="1" fontAlgn="auto" latinLnBrk="0" hangingPunct="1">
+              <a:lnSpc>
+                <a:spcPct val="100000"/>
+              </a:lnSpc>
+              <a:spcBef>
+                <a:spcPts val="0"/>
+              </a:spcBef>
+              <a:spcAft>
+                <a:spcPts val="0"/>
+              </a:spcAft>
+              <a:buClrTx/>
+              <a:buSzPct val="70000"/>
+              <a:buFont typeface="Arial" panose="020B0604020202020204" pitchFamily="34" charset="0"/>
+              <a:buChar char="•"/>
+              <a:tabLst/>
+              <a:defRPr/>
             </a:pPr>
             <a:r>
-              <a:rPr lang="en-US" sz="1100" dirty="0"/>
+              <a:rPr kumimoji="0" lang="en-US" sz="1100" b="0" i="0" u="none" strike="noStrike" kern="1200" cap="none" spc="0" normalizeH="0" baseline="0" noProof="0" dirty="0">
+                <a:ln>
+                  <a:noFill/>
+                </a:ln>
+                <a:solidFill>
+                  <a:srgbClr val="FFFFFF"/>
+                </a:solidFill>
+                <a:effectLst/>
+                <a:uLnTx/>
+                <a:uFillTx/>
+                <a:latin typeface="Goudy Old Style"/>
+                <a:ea typeface="+mn-ea"/>
+                <a:cs typeface="+mn-cs"/>
+              </a:rPr>
               <a:t>Chat analysis app that analyzes medium sized highly interactive groups of people</a:t>
             </a:r>
           </a:p>
           <a:p>
-            <a:pPr>
-              <a:spcBef>
-                <a:spcPts val="0"/>
-              </a:spcBef>
+            <a:pPr marL="228600" marR="0" lvl="0" indent="-228600" algn="l" defTabSz="914400" rtl="0" eaLnBrk="1" fontAlgn="auto" latinLnBrk="0" hangingPunct="1">
+              <a:lnSpc>
+                <a:spcPct val="100000"/>
+              </a:lnSpc>
+              <a:spcBef>
+                <a:spcPts val="0"/>
+              </a:spcBef>
+              <a:spcAft>
+                <a:spcPts val="0"/>
+              </a:spcAft>
+              <a:buClrTx/>
+              <a:buSzPct val="70000"/>
+              <a:buFont typeface="Arial" panose="020B0604020202020204" pitchFamily="34" charset="0"/>
+              <a:buChar char="•"/>
+              <a:tabLst/>
+              <a:defRPr/>
             </a:pPr>
             <a:r>
-              <a:rPr lang="en-US" sz="1100" dirty="0"/>
+              <a:rPr kumimoji="0" lang="en-US" sz="1100" b="0" i="0" u="none" strike="noStrike" kern="1200" cap="none" spc="0" normalizeH="0" baseline="0" noProof="0" dirty="0">
+                <a:ln>
+                  <a:noFill/>
+                </a:ln>
+                <a:solidFill>
+                  <a:srgbClr val="FFFFFF"/>
+                </a:solidFill>
+                <a:effectLst/>
+                <a:uLnTx/>
+                <a:uFillTx/>
+                <a:latin typeface="Goudy Old Style"/>
+                <a:ea typeface="+mn-ea"/>
+                <a:cs typeface="+mn-cs"/>
+              </a:rPr>
               <a:t>Metrics that identify persons, positions, and power outside of the chat</a:t>
             </a:r>
           </a:p>
           <a:p>
-            <a:pPr>
-              <a:spcBef>
-                <a:spcPts val="0"/>
-              </a:spcBef>
+            <a:pPr marL="228600" marR="0" lvl="0" indent="-228600" algn="l" defTabSz="914400" rtl="0" eaLnBrk="1" fontAlgn="auto" latinLnBrk="0" hangingPunct="1">
+              <a:lnSpc>
+                <a:spcPct val="100000"/>
+              </a:lnSpc>
+              <a:spcBef>
+                <a:spcPts val="0"/>
+              </a:spcBef>
+              <a:spcAft>
+                <a:spcPts val="0"/>
+              </a:spcAft>
+              <a:buClrTx/>
+              <a:buSzPct val="70000"/>
+              <a:buFont typeface="Arial" panose="020B0604020202020204" pitchFamily="34" charset="0"/>
+              <a:buChar char="•"/>
+              <a:tabLst/>
+              <a:defRPr/>
             </a:pPr>
             <a:r>
-              <a:rPr lang="en-US" sz="1100" dirty="0"/>
+              <a:rPr kumimoji="0" lang="en-US" sz="1100" b="0" i="0" u="none" strike="noStrike" kern="1200" cap="none" spc="0" normalizeH="0" baseline="0" noProof="0" dirty="0">
+                <a:ln>
+                  <a:noFill/>
+                </a:ln>
+                <a:solidFill>
+                  <a:srgbClr val="FFFFFF"/>
+                </a:solidFill>
+                <a:effectLst/>
+                <a:uLnTx/>
+                <a:uFillTx/>
+                <a:latin typeface="Goudy Old Style"/>
+                <a:ea typeface="+mn-ea"/>
+                <a:cs typeface="+mn-cs"/>
+              </a:rPr>
               <a:t>Allows input of external data</a:t>
             </a:r>
           </a:p>
@@ -3995,8 +4541,8 @@
         </p:nvSpPr>
         <p:spPr>
           <a:xfrm>
-            <a:off x="268778" y="2513952"/>
-            <a:ext cx="3305695" cy="534095"/>
+            <a:off x="190433" y="5459439"/>
+            <a:ext cx="2606697" cy="326120"/>
           </a:xfrm>
           <a:prstGeom prst="rect">
             <a:avLst/>
@@ -4026,11 +4572,40 @@
             </a:lvl1pPr>
           </a:lstStyle>
           <a:p>
-            <a:r>
-              <a:rPr lang="en-US" sz="1800" dirty="0"/>
-              <a:t>Where we are now</a:t>
-            </a:r>
-            <a:endParaRPr lang="en-US" sz="1400" dirty="0"/>
+            <a:pPr marL="0" marR="0" lvl="0" indent="0" algn="l" defTabSz="914400" rtl="0" eaLnBrk="1" fontAlgn="auto" latinLnBrk="0" hangingPunct="1">
+              <a:lnSpc>
+                <a:spcPct val="90000"/>
+              </a:lnSpc>
+              <a:spcBef>
+                <a:spcPct val="0"/>
+              </a:spcBef>
+              <a:spcAft>
+                <a:spcPts val="0"/>
+              </a:spcAft>
+              <a:buClrTx/>
+              <a:buSzTx/>
+              <a:buFontTx/>
+              <a:buNone/>
+              <a:tabLst/>
+              <a:defRPr/>
+            </a:pPr>
+            <a:r>
+              <a:rPr kumimoji="0" lang="en-US" sz="1400" b="0" i="0" u="none" strike="noStrike" kern="1200" cap="all" spc="300" normalizeH="0" baseline="0" noProof="0" dirty="0">
+                <a:ln>
+                  <a:noFill/>
+                </a:ln>
+                <a:solidFill>
+                  <a:srgbClr val="FFFFFF"/>
+                </a:solidFill>
+                <a:effectLst/>
+                <a:uLnTx/>
+                <a:uFillTx/>
+                <a:latin typeface="Goudy Old Style"/>
+                <a:ea typeface="+mj-ea"/>
+                <a:cs typeface="+mj-cs"/>
+              </a:rPr>
+              <a:t>Current Status</a:t>
+            </a:r>
           </a:p>
         </p:txBody>
       </p:sp>
@@ -4050,8 +4625,8 @@
         </p:nvSpPr>
         <p:spPr>
           <a:xfrm>
-            <a:off x="423948" y="2975217"/>
-            <a:ext cx="5672052" cy="495240"/>
+            <a:off x="491558" y="5757559"/>
+            <a:ext cx="2606698" cy="984745"/>
           </a:xfrm>
           <a:prstGeom prst="rect">
             <a:avLst/>
@@ -4231,121 +4806,109 @@
             </a:lvl9pPr>
           </a:lstStyle>
           <a:p>
-            <a:pPr>
-              <a:spcBef>
-                <a:spcPts val="0"/>
-              </a:spcBef>
+            <a:pPr marL="228600" marR="0" lvl="0" indent="-228600" algn="l" defTabSz="914400" rtl="0" eaLnBrk="1" fontAlgn="auto" latinLnBrk="0" hangingPunct="1">
+              <a:lnSpc>
+                <a:spcPct val="100000"/>
+              </a:lnSpc>
+              <a:spcBef>
+                <a:spcPts val="0"/>
+              </a:spcBef>
+              <a:spcAft>
+                <a:spcPts val="0"/>
+              </a:spcAft>
+              <a:buClrTx/>
+              <a:buSzPct val="70000"/>
+              <a:buFont typeface="Arial" panose="020B0604020202020204" pitchFamily="34" charset="0"/>
+              <a:buChar char="•"/>
+              <a:tabLst/>
+              <a:defRPr/>
             </a:pPr>
             <a:r>
-              <a:rPr lang="en-US" sz="1100" dirty="0"/>
+              <a:rPr kumimoji="0" lang="en-US" sz="1100" b="0" i="0" u="none" strike="noStrike" kern="1200" cap="none" spc="0" normalizeH="0" baseline="0" noProof="0" dirty="0">
+                <a:ln>
+                  <a:noFill/>
+                </a:ln>
+                <a:solidFill>
+                  <a:srgbClr val="FFFFFF"/>
+                </a:solidFill>
+                <a:effectLst/>
+                <a:uLnTx/>
+                <a:uFillTx/>
+                <a:latin typeface="Goudy Old Style"/>
+                <a:ea typeface="+mn-ea"/>
+                <a:cs typeface="+mn-cs"/>
+              </a:rPr>
               <a:t>Several metrics built off 4 years (2 chats for 2 years) of high level interaction</a:t>
             </a:r>
           </a:p>
           <a:p>
-            <a:pPr>
-              <a:spcBef>
-                <a:spcPts val="0"/>
-              </a:spcBef>
+            <a:pPr marL="228600" marR="0" lvl="0" indent="-228600" algn="l" defTabSz="914400" rtl="0" eaLnBrk="1" fontAlgn="auto" latinLnBrk="0" hangingPunct="1">
+              <a:lnSpc>
+                <a:spcPct val="100000"/>
+              </a:lnSpc>
+              <a:spcBef>
+                <a:spcPts val="0"/>
+              </a:spcBef>
+              <a:spcAft>
+                <a:spcPts val="0"/>
+              </a:spcAft>
+              <a:buClrTx/>
+              <a:buSzPct val="70000"/>
+              <a:buFont typeface="Arial" panose="020B0604020202020204" pitchFamily="34" charset="0"/>
+              <a:buChar char="•"/>
+              <a:tabLst/>
+              <a:defRPr/>
             </a:pPr>
             <a:r>
-              <a:rPr lang="en-US" sz="1100" dirty="0"/>
+              <a:rPr kumimoji="0" lang="en-US" sz="1100" b="0" i="0" u="none" strike="noStrike" kern="1200" cap="none" spc="0" normalizeH="0" baseline="0" noProof="0" dirty="0">
+                <a:ln>
+                  <a:noFill/>
+                </a:ln>
+                <a:solidFill>
+                  <a:srgbClr val="FFFFFF"/>
+                </a:solidFill>
+                <a:effectLst/>
+                <a:uLnTx/>
+                <a:uFillTx/>
+                <a:latin typeface="Goudy Old Style"/>
+                <a:ea typeface="+mn-ea"/>
+                <a:cs typeface="+mn-cs"/>
+              </a:rPr>
               <a:t>Dynamic code intake for multiple types of devices</a:t>
             </a:r>
           </a:p>
           <a:p>
-            <a:endParaRPr lang="en-US" dirty="0"/>
-          </a:p>
-        </p:txBody>
-      </p:sp>
-      <p:sp>
-        <p:nvSpPr>
-          <p:cNvPr id="9" name="Title 1">
-            <a:extLst>
-              <a:ext uri="{FF2B5EF4-FFF2-40B4-BE49-F238E27FC236}">
-                <a16:creationId xmlns:a16="http://schemas.microsoft.com/office/drawing/2014/main" id="{8ACEDE8A-B4B5-446B-B818-75A80AA71464}"/>
-              </a:ext>
-            </a:extLst>
-          </p:cNvPr>
-          <p:cNvSpPr txBox="1">
-            <a:spLocks/>
-          </p:cNvSpPr>
-          <p:nvPr/>
-        </p:nvSpPr>
-        <p:spPr>
-          <a:xfrm>
-            <a:off x="0" y="3468974"/>
-            <a:ext cx="12192000" cy="534095"/>
-          </a:xfrm>
-          <a:prstGeom prst="rect">
-            <a:avLst/>
-          </a:prstGeom>
-          <a:noFill/>
-          <a:ln>
-            <a:noFill/>
-          </a:ln>
-          <a:effectLst>
-            <a:outerShdw blurRad="57785" dist="33020" dir="3180000" algn="ctr">
-              <a:srgbClr val="000000">
-                <a:alpha val="30000"/>
-              </a:srgbClr>
-            </a:outerShdw>
-          </a:effectLst>
-          <a:scene3d>
-            <a:camera prst="orthographicFront">
-              <a:rot lat="0" lon="0" rev="0"/>
-            </a:camera>
-            <a:lightRig rig="brightRoom" dir="t">
-              <a:rot lat="0" lon="0" rev="600000"/>
-            </a:lightRig>
-          </a:scene3d>
-          <a:sp3d prstMaterial="metal">
-            <a:bevelT w="38100" h="57150" prst="angle"/>
-          </a:sp3d>
-        </p:spPr>
-        <p:style>
-          <a:lnRef idx="2">
-            <a:schemeClr val="accent1"/>
-          </a:lnRef>
-          <a:fillRef idx="1">
-            <a:schemeClr val="lt1"/>
-          </a:fillRef>
-          <a:effectRef idx="0">
-            <a:schemeClr val="accent1"/>
-          </a:effectRef>
-          <a:fontRef idx="minor">
-            <a:schemeClr val="dk1"/>
-          </a:fontRef>
-        </p:style>
-        <p:txBody>
-          <a:bodyPr vert="horz" lIns="91440" tIns="45720" rIns="91440" bIns="45720" rtlCol="0" anchor="ctr">
-            <a:normAutofit/>
-          </a:bodyPr>
-          <a:lstStyle>
-            <a:lvl1pPr algn="l" defTabSz="914400" rtl="0" eaLnBrk="1" latinLnBrk="0" hangingPunct="1">
-              <a:lnSpc>
-                <a:spcPct val="90000"/>
-              </a:lnSpc>
-              <a:spcBef>
-                <a:spcPct val="0"/>
-              </a:spcBef>
-              <a:buNone/>
-              <a:defRPr sz="3200" kern="1200" cap="all" spc="300" baseline="0">
-                <a:solidFill>
-                  <a:schemeClr val="tx2"/>
-                </a:solidFill>
-                <a:latin typeface="+mj-lt"/>
-                <a:ea typeface="+mj-ea"/>
-                <a:cs typeface="+mj-cs"/>
-              </a:defRPr>
-            </a:lvl1pPr>
-          </a:lstStyle>
-          <a:p>
-            <a:pPr algn="ctr"/>
-            <a:r>
-              <a:rPr lang="en-US" sz="1800" dirty="0"/>
-              <a:t>Future Deliverables</a:t>
-            </a:r>
-            <a:endParaRPr lang="en-US" sz="1400" dirty="0"/>
+            <a:pPr marL="228600" marR="0" lvl="0" indent="-228600" algn="l" defTabSz="914400" rtl="0" eaLnBrk="1" fontAlgn="auto" latinLnBrk="0" hangingPunct="1">
+              <a:lnSpc>
+                <a:spcPct val="100000"/>
+              </a:lnSpc>
+              <a:spcBef>
+                <a:spcPts val="1000"/>
+              </a:spcBef>
+              <a:spcAft>
+                <a:spcPts val="0"/>
+              </a:spcAft>
+              <a:buClrTx/>
+              <a:buSzPct val="70000"/>
+              <a:buFont typeface="Arial" panose="020B0604020202020204" pitchFamily="34" charset="0"/>
+              <a:buChar char="•"/>
+              <a:tabLst/>
+              <a:defRPr/>
+            </a:pPr>
+            <a:endParaRPr kumimoji="0" lang="en-US" sz="2400" b="0" i="0" u="none" strike="noStrike" kern="1200" cap="none" spc="0" normalizeH="0" baseline="0" noProof="0" dirty="0">
+              <a:ln>
+                <a:noFill/>
+              </a:ln>
+              <a:solidFill>
+                <a:srgbClr val="301B2B"/>
+              </a:solidFill>
+              <a:effectLst/>
+              <a:uLnTx/>
+              <a:uFillTx/>
+              <a:latin typeface="Goudy Old Style"/>
+              <a:ea typeface="+mn-ea"/>
+              <a:cs typeface="+mn-cs"/>
+            </a:endParaRPr>
           </a:p>
         </p:txBody>
       </p:sp>
@@ -4365,8 +4928,8 @@
         </p:nvSpPr>
         <p:spPr>
           <a:xfrm>
-            <a:off x="423948" y="4458424"/>
-            <a:ext cx="5672052" cy="495240"/>
+            <a:off x="422560" y="4467952"/>
+            <a:ext cx="4519516" cy="881129"/>
           </a:xfrm>
           <a:prstGeom prst="rect">
             <a:avLst/>
@@ -4546,315 +5109,126 @@
             </a:lvl9pPr>
           </a:lstStyle>
           <a:p>
-            <a:pPr>
-              <a:spcBef>
-                <a:spcPts val="0"/>
-              </a:spcBef>
+            <a:pPr marL="228600" marR="0" lvl="0" indent="-228600" algn="l" defTabSz="914400" rtl="0" eaLnBrk="1" fontAlgn="auto" latinLnBrk="0" hangingPunct="1">
+              <a:lnSpc>
+                <a:spcPct val="100000"/>
+              </a:lnSpc>
+              <a:spcBef>
+                <a:spcPts val="0"/>
+              </a:spcBef>
+              <a:spcAft>
+                <a:spcPts val="0"/>
+              </a:spcAft>
+              <a:buClrTx/>
+              <a:buSzPct val="70000"/>
+              <a:buFont typeface="Arial" panose="020B0604020202020204" pitchFamily="34" charset="0"/>
+              <a:buChar char="•"/>
+              <a:tabLst/>
+              <a:defRPr/>
             </a:pPr>
             <a:r>
-              <a:rPr lang="en-US" sz="1100" dirty="0"/>
+              <a:rPr kumimoji="0" lang="en-US" sz="1100" b="0" i="0" u="none" strike="noStrike" kern="1200" cap="none" spc="0" normalizeH="0" baseline="0" noProof="0" dirty="0">
+                <a:ln>
+                  <a:noFill/>
+                </a:ln>
+                <a:solidFill>
+                  <a:srgbClr val="FFFFFF"/>
+                </a:solidFill>
+                <a:effectLst/>
+                <a:uLnTx/>
+                <a:uFillTx/>
+                <a:latin typeface="Goudy Old Style"/>
+                <a:ea typeface="+mn-ea"/>
+                <a:cs typeface="+mn-cs"/>
+              </a:rPr>
+              <a:t>Dynamic Read-in for different phone brands</a:t>
+            </a:r>
+          </a:p>
+          <a:p>
+            <a:pPr marL="228600" marR="0" lvl="0" indent="-228600" algn="l" defTabSz="914400" rtl="0" eaLnBrk="1" fontAlgn="auto" latinLnBrk="0" hangingPunct="1">
+              <a:lnSpc>
+                <a:spcPct val="100000"/>
+              </a:lnSpc>
+              <a:spcBef>
+                <a:spcPts val="0"/>
+              </a:spcBef>
+              <a:spcAft>
+                <a:spcPts val="0"/>
+              </a:spcAft>
+              <a:buClrTx/>
+              <a:buSzPct val="70000"/>
+              <a:buFont typeface="Arial" panose="020B0604020202020204" pitchFamily="34" charset="0"/>
+              <a:buChar char="•"/>
+              <a:tabLst/>
+              <a:defRPr/>
+            </a:pPr>
+            <a:r>
+              <a:rPr kumimoji="0" lang="en-US" sz="1100" b="0" i="0" u="none" strike="noStrike" kern="1200" cap="none" spc="0" normalizeH="0" baseline="0" noProof="0" dirty="0">
+                <a:ln>
+                  <a:noFill/>
+                </a:ln>
+                <a:solidFill>
+                  <a:srgbClr val="FFFFFF"/>
+                </a:solidFill>
+                <a:effectLst/>
+                <a:uLnTx/>
+                <a:uFillTx/>
+                <a:latin typeface="Goudy Old Style"/>
+                <a:ea typeface="+mn-ea"/>
+                <a:cs typeface="+mn-cs"/>
+              </a:rPr>
               <a:t>Sentiment analysis</a:t>
             </a:r>
           </a:p>
           <a:p>
-            <a:pPr>
-              <a:spcBef>
-                <a:spcPts val="0"/>
-              </a:spcBef>
+            <a:pPr marL="228600" marR="0" lvl="0" indent="-228600" algn="l" defTabSz="914400" rtl="0" eaLnBrk="1" fontAlgn="auto" latinLnBrk="0" hangingPunct="1">
+              <a:lnSpc>
+                <a:spcPct val="100000"/>
+              </a:lnSpc>
+              <a:spcBef>
+                <a:spcPts val="0"/>
+              </a:spcBef>
+              <a:spcAft>
+                <a:spcPts val="0"/>
+              </a:spcAft>
+              <a:buClrTx/>
+              <a:buSzPct val="70000"/>
+              <a:buFont typeface="Arial" panose="020B0604020202020204" pitchFamily="34" charset="0"/>
+              <a:buChar char="•"/>
+              <a:tabLst/>
+              <a:defRPr/>
             </a:pPr>
             <a:r>
-              <a:rPr lang="en-US" sz="1100" dirty="0"/>
-              <a:t>Personality identification </a:t>
-            </a:r>
-          </a:p>
-          <a:p>
-            <a:endParaRPr lang="en-US" dirty="0"/>
-          </a:p>
-        </p:txBody>
-      </p:sp>
-      <p:sp>
-        <p:nvSpPr>
-          <p:cNvPr id="11" name="Title 1">
-            <a:extLst>
-              <a:ext uri="{FF2B5EF4-FFF2-40B4-BE49-F238E27FC236}">
-                <a16:creationId xmlns:a16="http://schemas.microsoft.com/office/drawing/2014/main" id="{929869C3-F85F-4A37-A897-1181E234954D}"/>
-              </a:ext>
-            </a:extLst>
-          </p:cNvPr>
-          <p:cNvSpPr txBox="1">
-            <a:spLocks/>
-          </p:cNvSpPr>
-          <p:nvPr/>
-        </p:nvSpPr>
-        <p:spPr>
-          <a:xfrm>
-            <a:off x="6556366" y="3962731"/>
-            <a:ext cx="4547063" cy="534095"/>
-          </a:xfrm>
-          <a:prstGeom prst="rect">
-            <a:avLst/>
-          </a:prstGeom>
-        </p:spPr>
-        <p:txBody>
-          <a:bodyPr vert="horz" lIns="91440" tIns="45720" rIns="91440" bIns="45720" rtlCol="0" anchor="b">
-            <a:normAutofit/>
-          </a:bodyPr>
-          <a:lstStyle>
-            <a:lvl1pPr algn="l" defTabSz="914400" rtl="0" eaLnBrk="1" latinLnBrk="0" hangingPunct="1">
-              <a:lnSpc>
-                <a:spcPct val="90000"/>
-              </a:lnSpc>
-              <a:spcBef>
-                <a:spcPct val="0"/>
-              </a:spcBef>
-              <a:buNone/>
-              <a:defRPr sz="3200" kern="1200" cap="all" spc="300" baseline="0">
-                <a:solidFill>
-                  <a:schemeClr val="tx2"/>
-                </a:solidFill>
-                <a:latin typeface="+mj-lt"/>
-                <a:ea typeface="+mj-ea"/>
-                <a:cs typeface="+mj-cs"/>
-              </a:defRPr>
-            </a:lvl1pPr>
-          </a:lstStyle>
-          <a:p>
-            <a:r>
-              <a:rPr lang="en-US" sz="1800" dirty="0"/>
-              <a:t>Growth Plan</a:t>
-            </a:r>
-            <a:endParaRPr lang="en-US" sz="1400" dirty="0"/>
-          </a:p>
-        </p:txBody>
-      </p:sp>
-      <p:sp>
-        <p:nvSpPr>
-          <p:cNvPr id="12" name="Content Placeholder 2">
-            <a:extLst>
-              <a:ext uri="{FF2B5EF4-FFF2-40B4-BE49-F238E27FC236}">
-                <a16:creationId xmlns:a16="http://schemas.microsoft.com/office/drawing/2014/main" id="{A449D0ED-E7E5-4DA6-878D-7B3EB7049ED4}"/>
-              </a:ext>
-            </a:extLst>
-          </p:cNvPr>
-          <p:cNvSpPr txBox="1">
-            <a:spLocks/>
-          </p:cNvSpPr>
-          <p:nvPr/>
-        </p:nvSpPr>
-        <p:spPr>
-          <a:xfrm>
-            <a:off x="6650874" y="4458424"/>
-            <a:ext cx="5672052" cy="856812"/>
-          </a:xfrm>
-          <a:prstGeom prst="rect">
-            <a:avLst/>
-          </a:prstGeom>
-        </p:spPr>
-        <p:txBody>
-          <a:bodyPr vert="horz" lIns="91440" tIns="45720" rIns="91440" bIns="45720" rtlCol="0">
-            <a:normAutofit/>
-          </a:bodyPr>
-          <a:lstStyle>
-            <a:lvl1pPr marL="228600" indent="-228600" algn="l" defTabSz="914400" rtl="0" eaLnBrk="1" latinLnBrk="0" hangingPunct="1">
-              <a:lnSpc>
-                <a:spcPct val="100000"/>
-              </a:lnSpc>
-              <a:spcBef>
-                <a:spcPts val="1000"/>
-              </a:spcBef>
-              <a:buSzPct val="70000"/>
-              <a:buFont typeface="Arial" panose="020B0604020202020204" pitchFamily="34" charset="0"/>
-              <a:buChar char="•"/>
-              <a:defRPr sz="2400" kern="1200">
-                <a:solidFill>
-                  <a:schemeClr val="tx2"/>
-                </a:solidFill>
-                <a:latin typeface="+mj-lt"/>
-                <a:ea typeface="+mn-ea"/>
-                <a:cs typeface="+mn-cs"/>
-              </a:defRPr>
-            </a:lvl1pPr>
-            <a:lvl2pPr marL="685800" indent="-228600" algn="l" defTabSz="914400" rtl="0" eaLnBrk="1" latinLnBrk="0" hangingPunct="1">
-              <a:lnSpc>
-                <a:spcPct val="100000"/>
-              </a:lnSpc>
-              <a:spcBef>
-                <a:spcPts val="500"/>
-              </a:spcBef>
-              <a:buSzPct val="70000"/>
-              <a:buFont typeface="Arial" panose="020B0604020202020204" pitchFamily="34" charset="0"/>
-              <a:buChar char="•"/>
-              <a:defRPr sz="2000" kern="1200">
-                <a:solidFill>
-                  <a:schemeClr val="tx2"/>
-                </a:solidFill>
-                <a:latin typeface="+mj-lt"/>
-                <a:ea typeface="+mn-ea"/>
-                <a:cs typeface="+mn-cs"/>
-              </a:defRPr>
-            </a:lvl2pPr>
-            <a:lvl3pPr marL="1143000" indent="-228600" algn="l" defTabSz="914400" rtl="0" eaLnBrk="1" latinLnBrk="0" hangingPunct="1">
-              <a:lnSpc>
-                <a:spcPct val="100000"/>
-              </a:lnSpc>
-              <a:spcBef>
-                <a:spcPts val="500"/>
-              </a:spcBef>
-              <a:buSzPct val="70000"/>
-              <a:buFont typeface="Arial" panose="020B0604020202020204" pitchFamily="34" charset="0"/>
-              <a:buChar char="•"/>
-              <a:defRPr sz="1800" kern="1200">
-                <a:solidFill>
-                  <a:schemeClr val="tx2"/>
-                </a:solidFill>
-                <a:latin typeface="+mj-lt"/>
-                <a:ea typeface="+mn-ea"/>
-                <a:cs typeface="+mn-cs"/>
-              </a:defRPr>
-            </a:lvl3pPr>
-            <a:lvl4pPr marL="1600200" indent="-228600" algn="l" defTabSz="914400" rtl="0" eaLnBrk="1" latinLnBrk="0" hangingPunct="1">
-              <a:lnSpc>
-                <a:spcPct val="100000"/>
-              </a:lnSpc>
-              <a:spcBef>
-                <a:spcPts val="500"/>
-              </a:spcBef>
-              <a:buSzPct val="70000"/>
-              <a:buFont typeface="Arial" panose="020B0604020202020204" pitchFamily="34" charset="0"/>
-              <a:buChar char="•"/>
-              <a:defRPr sz="1600" kern="1200">
-                <a:solidFill>
-                  <a:schemeClr val="tx2"/>
-                </a:solidFill>
-                <a:latin typeface="+mj-lt"/>
-                <a:ea typeface="+mn-ea"/>
-                <a:cs typeface="+mn-cs"/>
-              </a:defRPr>
-            </a:lvl4pPr>
-            <a:lvl5pPr marL="2057400" indent="-228600" algn="l" defTabSz="914400" rtl="0" eaLnBrk="1" latinLnBrk="0" hangingPunct="1">
-              <a:lnSpc>
-                <a:spcPct val="100000"/>
-              </a:lnSpc>
-              <a:spcBef>
-                <a:spcPts val="500"/>
-              </a:spcBef>
-              <a:buSzPct val="70000"/>
-              <a:buFont typeface="Arial" panose="020B0604020202020204" pitchFamily="34" charset="0"/>
-              <a:buChar char="•"/>
-              <a:defRPr sz="1600" kern="1200">
-                <a:solidFill>
-                  <a:schemeClr val="tx2"/>
-                </a:solidFill>
-                <a:latin typeface="+mj-lt"/>
-                <a:ea typeface="+mn-ea"/>
-                <a:cs typeface="+mn-cs"/>
-              </a:defRPr>
-            </a:lvl5pPr>
-            <a:lvl6pPr marL="2514600" indent="-228600" algn="l" defTabSz="914400" rtl="0" eaLnBrk="1" latinLnBrk="0" hangingPunct="1">
-              <a:lnSpc>
-                <a:spcPct val="90000"/>
-              </a:lnSpc>
-              <a:spcBef>
-                <a:spcPts val="500"/>
-              </a:spcBef>
-              <a:buFont typeface="Arial" panose="020B0604020202020204" pitchFamily="34" charset="0"/>
-              <a:buChar char="•"/>
-              <a:defRPr sz="1800" kern="1200">
-                <a:solidFill>
-                  <a:schemeClr val="tx1"/>
-                </a:solidFill>
-                <a:latin typeface="+mn-lt"/>
-                <a:ea typeface="+mn-ea"/>
-                <a:cs typeface="+mn-cs"/>
-              </a:defRPr>
-            </a:lvl6pPr>
-            <a:lvl7pPr marL="2971800" indent="-228600" algn="l" defTabSz="914400" rtl="0" eaLnBrk="1" latinLnBrk="0" hangingPunct="1">
-              <a:lnSpc>
-                <a:spcPct val="90000"/>
-              </a:lnSpc>
-              <a:spcBef>
-                <a:spcPts val="500"/>
-              </a:spcBef>
-              <a:buFont typeface="Arial" panose="020B0604020202020204" pitchFamily="34" charset="0"/>
-              <a:buChar char="•"/>
-              <a:defRPr sz="1800" kern="1200">
-                <a:solidFill>
-                  <a:schemeClr val="tx1"/>
-                </a:solidFill>
-                <a:latin typeface="+mn-lt"/>
-                <a:ea typeface="+mn-ea"/>
-                <a:cs typeface="+mn-cs"/>
-              </a:defRPr>
-            </a:lvl7pPr>
-            <a:lvl8pPr marL="3429000" indent="-228600" algn="l" defTabSz="914400" rtl="0" eaLnBrk="1" latinLnBrk="0" hangingPunct="1">
-              <a:lnSpc>
-                <a:spcPct val="90000"/>
-              </a:lnSpc>
-              <a:spcBef>
-                <a:spcPts val="500"/>
-              </a:spcBef>
-              <a:buFont typeface="Arial" panose="020B0604020202020204" pitchFamily="34" charset="0"/>
-              <a:buChar char="•"/>
-              <a:defRPr sz="1800" kern="1200">
-                <a:solidFill>
-                  <a:schemeClr val="tx1"/>
-                </a:solidFill>
-                <a:latin typeface="+mn-lt"/>
-                <a:ea typeface="+mn-ea"/>
-                <a:cs typeface="+mn-cs"/>
-              </a:defRPr>
-            </a:lvl8pPr>
-            <a:lvl9pPr marL="3886200" indent="-228600" algn="l" defTabSz="914400" rtl="0" eaLnBrk="1" latinLnBrk="0" hangingPunct="1">
-              <a:lnSpc>
-                <a:spcPct val="90000"/>
-              </a:lnSpc>
-              <a:spcBef>
-                <a:spcPts val="500"/>
-              </a:spcBef>
-              <a:buFont typeface="Arial" panose="020B0604020202020204" pitchFamily="34" charset="0"/>
-              <a:buChar char="•"/>
-              <a:defRPr sz="1800" kern="1200">
-                <a:solidFill>
-                  <a:schemeClr val="tx1"/>
-                </a:solidFill>
-                <a:latin typeface="+mn-lt"/>
-                <a:ea typeface="+mn-ea"/>
-                <a:cs typeface="+mn-cs"/>
-              </a:defRPr>
-            </a:lvl9pPr>
-          </a:lstStyle>
-          <a:p>
-            <a:pPr>
-              <a:spcBef>
-                <a:spcPts val="0"/>
-              </a:spcBef>
-            </a:pPr>
-            <a:r>
-              <a:rPr lang="en-US" sz="1100" dirty="0"/>
-              <a:t>Drive user adaption by offering free analytics to close knit cohorts (future MBA classes)</a:t>
-            </a:r>
-          </a:p>
-          <a:p>
-            <a:pPr>
-              <a:spcBef>
-                <a:spcPts val="0"/>
-              </a:spcBef>
-            </a:pPr>
-            <a:r>
-              <a:rPr lang="en-US" sz="1100" dirty="0"/>
-              <a:t>Expand to international universities within Catalonia/Spain</a:t>
-            </a:r>
-          </a:p>
-          <a:p>
-            <a:pPr>
-              <a:spcBef>
-                <a:spcPts val="0"/>
-              </a:spcBef>
-            </a:pPr>
-            <a:endParaRPr lang="en-US" sz="1100" dirty="0"/>
-          </a:p>
-          <a:p>
-            <a:endParaRPr lang="en-US" dirty="0"/>
+              <a:rPr kumimoji="0" lang="en-US" sz="1100" b="0" i="0" u="none" strike="noStrike" kern="1200" cap="none" spc="0" normalizeH="0" baseline="0" noProof="0" dirty="0">
+                <a:ln>
+                  <a:noFill/>
+                </a:ln>
+                <a:solidFill>
+                  <a:srgbClr val="FFFFFF"/>
+                </a:solidFill>
+                <a:effectLst/>
+                <a:uLnTx/>
+                <a:uFillTx/>
+                <a:latin typeface="Goudy Old Style"/>
+                <a:ea typeface="+mn-ea"/>
+                <a:cs typeface="+mn-cs"/>
+              </a:rPr>
+              <a:t>Personality identification</a:t>
+            </a:r>
+            <a:endParaRPr kumimoji="0" lang="en-US" sz="2400" b="0" i="0" u="none" strike="noStrike" kern="1200" cap="none" spc="0" normalizeH="0" baseline="0" noProof="0" dirty="0">
+              <a:ln>
+                <a:noFill/>
+              </a:ln>
+              <a:solidFill>
+                <a:srgbClr val="FFFFFF"/>
+              </a:solidFill>
+              <a:effectLst/>
+              <a:uLnTx/>
+              <a:uFillTx/>
+              <a:latin typeface="Goudy Old Style"/>
+              <a:ea typeface="+mn-ea"/>
+              <a:cs typeface="+mn-cs"/>
+            </a:endParaRPr>
           </a:p>
         </p:txBody>
       </p:sp>
@@ -4874,7 +5248,7 @@
         </p:nvSpPr>
         <p:spPr>
           <a:xfrm>
-            <a:off x="196387" y="4068078"/>
+            <a:off x="196387" y="4152921"/>
             <a:ext cx="4547063" cy="390346"/>
           </a:xfrm>
           <a:prstGeom prst="rect">
@@ -4905,11 +5279,4555 @@
             </a:lvl1pPr>
           </a:lstStyle>
           <a:p>
-            <a:r>
-              <a:rPr lang="en-US" sz="1800" dirty="0"/>
+            <a:pPr marL="0" marR="0" lvl="0" indent="0" algn="l" defTabSz="914400" rtl="0" eaLnBrk="1" fontAlgn="auto" latinLnBrk="0" hangingPunct="1">
+              <a:lnSpc>
+                <a:spcPct val="90000"/>
+              </a:lnSpc>
+              <a:spcBef>
+                <a:spcPct val="0"/>
+              </a:spcBef>
+              <a:spcAft>
+                <a:spcPts val="0"/>
+              </a:spcAft>
+              <a:buClrTx/>
+              <a:buSzTx/>
+              <a:buFontTx/>
+              <a:buNone/>
+              <a:tabLst/>
+              <a:defRPr/>
+            </a:pPr>
+            <a:r>
+              <a:rPr kumimoji="0" lang="en-US" sz="1800" b="0" i="0" u="none" strike="noStrike" kern="1200" cap="all" spc="300" normalizeH="0" baseline="0" noProof="0" dirty="0">
+                <a:ln>
+                  <a:noFill/>
+                </a:ln>
+                <a:solidFill>
+                  <a:srgbClr val="FFFFFF"/>
+                </a:solidFill>
+                <a:effectLst/>
+                <a:uLnTx/>
+                <a:uFillTx/>
+                <a:latin typeface="Goudy Old Style"/>
+                <a:ea typeface="+mj-ea"/>
+                <a:cs typeface="+mj-cs"/>
+              </a:rPr>
               <a:t>Features</a:t>
             </a:r>
-            <a:endParaRPr lang="en-US" sz="1400" dirty="0"/>
+            <a:endParaRPr kumimoji="0" lang="en-US" sz="1400" b="0" i="0" u="none" strike="noStrike" kern="1200" cap="all" spc="300" normalizeH="0" baseline="0" noProof="0" dirty="0">
+              <a:ln>
+                <a:noFill/>
+              </a:ln>
+              <a:solidFill>
+                <a:srgbClr val="FFFFFF"/>
+              </a:solidFill>
+              <a:effectLst/>
+              <a:uLnTx/>
+              <a:uFillTx/>
+              <a:latin typeface="Goudy Old Style"/>
+              <a:ea typeface="+mj-ea"/>
+              <a:cs typeface="+mj-cs"/>
+            </a:endParaRPr>
+          </a:p>
+        </p:txBody>
+      </p:sp>
+      <p:sp>
+        <p:nvSpPr>
+          <p:cNvPr id="15" name="Title 1">
+            <a:extLst>
+              <a:ext uri="{FF2B5EF4-FFF2-40B4-BE49-F238E27FC236}">
+                <a16:creationId xmlns:a16="http://schemas.microsoft.com/office/drawing/2014/main" id="{711D1DB0-DF58-46DA-A83A-985A001903BA}"/>
+              </a:ext>
+            </a:extLst>
+          </p:cNvPr>
+          <p:cNvSpPr txBox="1">
+            <a:spLocks/>
+          </p:cNvSpPr>
+          <p:nvPr/>
+        </p:nvSpPr>
+        <p:spPr>
+          <a:xfrm>
+            <a:off x="68477" y="257186"/>
+            <a:ext cx="1742902" cy="300347"/>
+          </a:xfrm>
+          <a:prstGeom prst="rect">
+            <a:avLst/>
+          </a:prstGeom>
+        </p:spPr>
+        <p:txBody>
+          <a:bodyPr vert="horz" lIns="91440" tIns="45720" rIns="91440" bIns="45720" rtlCol="0" anchor="b">
+            <a:normAutofit fontScale="92500"/>
+          </a:bodyPr>
+          <a:lstStyle>
+            <a:lvl1pPr algn="l" defTabSz="914400" rtl="0" eaLnBrk="1" latinLnBrk="0" hangingPunct="1">
+              <a:lnSpc>
+                <a:spcPct val="90000"/>
+              </a:lnSpc>
+              <a:spcBef>
+                <a:spcPct val="0"/>
+              </a:spcBef>
+              <a:buNone/>
+              <a:defRPr sz="3200" kern="1200" cap="all" spc="300" baseline="0">
+                <a:solidFill>
+                  <a:schemeClr val="tx2"/>
+                </a:solidFill>
+                <a:latin typeface="+mj-lt"/>
+                <a:ea typeface="+mj-ea"/>
+                <a:cs typeface="+mj-cs"/>
+              </a:defRPr>
+            </a:lvl1pPr>
+          </a:lstStyle>
+          <a:p>
+            <a:pPr marL="0" marR="0" lvl="0" indent="0" algn="l" defTabSz="914400" rtl="0" eaLnBrk="1" fontAlgn="auto" latinLnBrk="0" hangingPunct="1">
+              <a:lnSpc>
+                <a:spcPct val="90000"/>
+              </a:lnSpc>
+              <a:spcBef>
+                <a:spcPct val="0"/>
+              </a:spcBef>
+              <a:spcAft>
+                <a:spcPts val="0"/>
+              </a:spcAft>
+              <a:buClrTx/>
+              <a:buSzTx/>
+              <a:buFontTx/>
+              <a:buNone/>
+              <a:tabLst/>
+              <a:defRPr/>
+            </a:pPr>
+            <a:r>
+              <a:rPr kumimoji="0" lang="en-US" sz="1400" b="0" i="0" u="none" strike="noStrike" kern="1200" cap="all" spc="300" normalizeH="0" baseline="0" noProof="0" dirty="0">
+                <a:ln>
+                  <a:noFill/>
+                </a:ln>
+                <a:solidFill>
+                  <a:srgbClr val="301B2B"/>
+                </a:solidFill>
+                <a:effectLst/>
+                <a:uLnTx/>
+                <a:uFillTx/>
+                <a:latin typeface="Goudy Old Style"/>
+                <a:ea typeface="+mj-ea"/>
+                <a:cs typeface="+mj-cs"/>
+              </a:rPr>
+              <a:t>Description</a:t>
+            </a:r>
+          </a:p>
+        </p:txBody>
+      </p:sp>
+      <p:sp>
+        <p:nvSpPr>
+          <p:cNvPr id="16" name="Content Placeholder 2">
+            <a:extLst>
+              <a:ext uri="{FF2B5EF4-FFF2-40B4-BE49-F238E27FC236}">
+                <a16:creationId xmlns:a16="http://schemas.microsoft.com/office/drawing/2014/main" id="{D8106A4F-8D2F-4271-AA6E-C825A39A3CA5}"/>
+              </a:ext>
+            </a:extLst>
+          </p:cNvPr>
+          <p:cNvSpPr txBox="1">
+            <a:spLocks/>
+          </p:cNvSpPr>
+          <p:nvPr/>
+        </p:nvSpPr>
+        <p:spPr>
+          <a:xfrm>
+            <a:off x="223647" y="481974"/>
+            <a:ext cx="11741930" cy="251215"/>
+          </a:xfrm>
+          <a:prstGeom prst="rect">
+            <a:avLst/>
+          </a:prstGeom>
+        </p:spPr>
+        <p:txBody>
+          <a:bodyPr vert="horz" lIns="91440" tIns="45720" rIns="91440" bIns="45720" rtlCol="0">
+            <a:normAutofit lnSpcReduction="10000"/>
+          </a:bodyPr>
+          <a:lstStyle>
+            <a:lvl1pPr marL="228600" indent="-228600" algn="l" defTabSz="914400" rtl="0" eaLnBrk="1" latinLnBrk="0" hangingPunct="1">
+              <a:lnSpc>
+                <a:spcPct val="100000"/>
+              </a:lnSpc>
+              <a:spcBef>
+                <a:spcPts val="1000"/>
+              </a:spcBef>
+              <a:buSzPct val="70000"/>
+              <a:buFont typeface="Arial" panose="020B0604020202020204" pitchFamily="34" charset="0"/>
+              <a:buChar char="•"/>
+              <a:defRPr sz="2400" kern="1200">
+                <a:solidFill>
+                  <a:schemeClr val="tx2"/>
+                </a:solidFill>
+                <a:latin typeface="+mj-lt"/>
+                <a:ea typeface="+mn-ea"/>
+                <a:cs typeface="+mn-cs"/>
+              </a:defRPr>
+            </a:lvl1pPr>
+            <a:lvl2pPr marL="685800" indent="-228600" algn="l" defTabSz="914400" rtl="0" eaLnBrk="1" latinLnBrk="0" hangingPunct="1">
+              <a:lnSpc>
+                <a:spcPct val="100000"/>
+              </a:lnSpc>
+              <a:spcBef>
+                <a:spcPts val="500"/>
+              </a:spcBef>
+              <a:buSzPct val="70000"/>
+              <a:buFont typeface="Arial" panose="020B0604020202020204" pitchFamily="34" charset="0"/>
+              <a:buChar char="•"/>
+              <a:defRPr sz="2000" kern="1200">
+                <a:solidFill>
+                  <a:schemeClr val="tx2"/>
+                </a:solidFill>
+                <a:latin typeface="+mj-lt"/>
+                <a:ea typeface="+mn-ea"/>
+                <a:cs typeface="+mn-cs"/>
+              </a:defRPr>
+            </a:lvl2pPr>
+            <a:lvl3pPr marL="1143000" indent="-228600" algn="l" defTabSz="914400" rtl="0" eaLnBrk="1" latinLnBrk="0" hangingPunct="1">
+              <a:lnSpc>
+                <a:spcPct val="100000"/>
+              </a:lnSpc>
+              <a:spcBef>
+                <a:spcPts val="500"/>
+              </a:spcBef>
+              <a:buSzPct val="70000"/>
+              <a:buFont typeface="Arial" panose="020B0604020202020204" pitchFamily="34" charset="0"/>
+              <a:buChar char="•"/>
+              <a:defRPr sz="1800" kern="1200">
+                <a:solidFill>
+                  <a:schemeClr val="tx2"/>
+                </a:solidFill>
+                <a:latin typeface="+mj-lt"/>
+                <a:ea typeface="+mn-ea"/>
+                <a:cs typeface="+mn-cs"/>
+              </a:defRPr>
+            </a:lvl3pPr>
+            <a:lvl4pPr marL="1600200" indent="-228600" algn="l" defTabSz="914400" rtl="0" eaLnBrk="1" latinLnBrk="0" hangingPunct="1">
+              <a:lnSpc>
+                <a:spcPct val="100000"/>
+              </a:lnSpc>
+              <a:spcBef>
+                <a:spcPts val="500"/>
+              </a:spcBef>
+              <a:buSzPct val="70000"/>
+              <a:buFont typeface="Arial" panose="020B0604020202020204" pitchFamily="34" charset="0"/>
+              <a:buChar char="•"/>
+              <a:defRPr sz="1600" kern="1200">
+                <a:solidFill>
+                  <a:schemeClr val="tx2"/>
+                </a:solidFill>
+                <a:latin typeface="+mj-lt"/>
+                <a:ea typeface="+mn-ea"/>
+                <a:cs typeface="+mn-cs"/>
+              </a:defRPr>
+            </a:lvl4pPr>
+            <a:lvl5pPr marL="2057400" indent="-228600" algn="l" defTabSz="914400" rtl="0" eaLnBrk="1" latinLnBrk="0" hangingPunct="1">
+              <a:lnSpc>
+                <a:spcPct val="100000"/>
+              </a:lnSpc>
+              <a:spcBef>
+                <a:spcPts val="500"/>
+              </a:spcBef>
+              <a:buSzPct val="70000"/>
+              <a:buFont typeface="Arial" panose="020B0604020202020204" pitchFamily="34" charset="0"/>
+              <a:buChar char="•"/>
+              <a:defRPr sz="1600" kern="1200">
+                <a:solidFill>
+                  <a:schemeClr val="tx2"/>
+                </a:solidFill>
+                <a:latin typeface="+mj-lt"/>
+                <a:ea typeface="+mn-ea"/>
+                <a:cs typeface="+mn-cs"/>
+              </a:defRPr>
+            </a:lvl5pPr>
+            <a:lvl6pPr marL="2514600" indent="-228600" algn="l" defTabSz="914400" rtl="0" eaLnBrk="1" latinLnBrk="0" hangingPunct="1">
+              <a:lnSpc>
+                <a:spcPct val="90000"/>
+              </a:lnSpc>
+              <a:spcBef>
+                <a:spcPts val="500"/>
+              </a:spcBef>
+              <a:buFont typeface="Arial" panose="020B0604020202020204" pitchFamily="34" charset="0"/>
+              <a:buChar char="•"/>
+              <a:defRPr sz="1800" kern="1200">
+                <a:solidFill>
+                  <a:schemeClr val="tx1"/>
+                </a:solidFill>
+                <a:latin typeface="+mn-lt"/>
+                <a:ea typeface="+mn-ea"/>
+                <a:cs typeface="+mn-cs"/>
+              </a:defRPr>
+            </a:lvl6pPr>
+            <a:lvl7pPr marL="2971800" indent="-228600" algn="l" defTabSz="914400" rtl="0" eaLnBrk="1" latinLnBrk="0" hangingPunct="1">
+              <a:lnSpc>
+                <a:spcPct val="90000"/>
+              </a:lnSpc>
+              <a:spcBef>
+                <a:spcPts val="500"/>
+              </a:spcBef>
+              <a:buFont typeface="Arial" panose="020B0604020202020204" pitchFamily="34" charset="0"/>
+              <a:buChar char="•"/>
+              <a:defRPr sz="1800" kern="1200">
+                <a:solidFill>
+                  <a:schemeClr val="tx1"/>
+                </a:solidFill>
+                <a:latin typeface="+mn-lt"/>
+                <a:ea typeface="+mn-ea"/>
+                <a:cs typeface="+mn-cs"/>
+              </a:defRPr>
+            </a:lvl7pPr>
+            <a:lvl8pPr marL="3429000" indent="-228600" algn="l" defTabSz="914400" rtl="0" eaLnBrk="1" latinLnBrk="0" hangingPunct="1">
+              <a:lnSpc>
+                <a:spcPct val="90000"/>
+              </a:lnSpc>
+              <a:spcBef>
+                <a:spcPts val="500"/>
+              </a:spcBef>
+              <a:buFont typeface="Arial" panose="020B0604020202020204" pitchFamily="34" charset="0"/>
+              <a:buChar char="•"/>
+              <a:defRPr sz="1800" kern="1200">
+                <a:solidFill>
+                  <a:schemeClr val="tx1"/>
+                </a:solidFill>
+                <a:latin typeface="+mn-lt"/>
+                <a:ea typeface="+mn-ea"/>
+                <a:cs typeface="+mn-cs"/>
+              </a:defRPr>
+            </a:lvl8pPr>
+            <a:lvl9pPr marL="3886200" indent="-228600" algn="l" defTabSz="914400" rtl="0" eaLnBrk="1" latinLnBrk="0" hangingPunct="1">
+              <a:lnSpc>
+                <a:spcPct val="90000"/>
+              </a:lnSpc>
+              <a:spcBef>
+                <a:spcPts val="500"/>
+              </a:spcBef>
+              <a:buFont typeface="Arial" panose="020B0604020202020204" pitchFamily="34" charset="0"/>
+              <a:buChar char="•"/>
+              <a:defRPr sz="1800" kern="1200">
+                <a:solidFill>
+                  <a:schemeClr val="tx1"/>
+                </a:solidFill>
+                <a:latin typeface="+mn-lt"/>
+                <a:ea typeface="+mn-ea"/>
+                <a:cs typeface="+mn-cs"/>
+              </a:defRPr>
+            </a:lvl9pPr>
+          </a:lstStyle>
+          <a:p>
+            <a:pPr marL="0" marR="0" lvl="0" indent="0" algn="l" defTabSz="914400" rtl="0" eaLnBrk="1" fontAlgn="auto" latinLnBrk="0" hangingPunct="1">
+              <a:lnSpc>
+                <a:spcPct val="100000"/>
+              </a:lnSpc>
+              <a:spcBef>
+                <a:spcPts val="0"/>
+              </a:spcBef>
+              <a:spcAft>
+                <a:spcPts val="0"/>
+              </a:spcAft>
+              <a:buClrTx/>
+              <a:buSzPct val="70000"/>
+              <a:buFont typeface="Arial" panose="020B0604020202020204" pitchFamily="34" charset="0"/>
+              <a:buNone/>
+              <a:tabLst/>
+              <a:defRPr/>
+            </a:pPr>
+            <a:r>
+              <a:rPr kumimoji="0" lang="en-US" sz="1100" b="0" i="0" u="none" strike="noStrike" kern="1200" cap="none" spc="0" normalizeH="0" baseline="0" noProof="0" dirty="0">
+                <a:ln>
+                  <a:noFill/>
+                </a:ln>
+                <a:solidFill>
+                  <a:srgbClr val="301B2B"/>
+                </a:solidFill>
+                <a:effectLst/>
+                <a:uLnTx/>
+                <a:uFillTx/>
+                <a:latin typeface="Goudy Old Style"/>
+                <a:ea typeface="+mn-ea"/>
+                <a:cs typeface="+mn-cs"/>
+              </a:rPr>
+              <a:t>Section B App provides the analyses for high context WhatsApp groups, providing out of the box unique analytics designed to describe the dynamic relationships of highly interactive groups</a:t>
+            </a:r>
+          </a:p>
+        </p:txBody>
+      </p:sp>
+      <p:sp>
+        <p:nvSpPr>
+          <p:cNvPr id="18" name="Rectangle 17">
+            <a:extLst>
+              <a:ext uri="{FF2B5EF4-FFF2-40B4-BE49-F238E27FC236}">
+                <a16:creationId xmlns:a16="http://schemas.microsoft.com/office/drawing/2014/main" id="{457B7DA5-E6A6-4FAF-B680-DF48CD8E0BC0}"/>
+              </a:ext>
+            </a:extLst>
+          </p:cNvPr>
+          <p:cNvSpPr/>
+          <p:nvPr/>
+        </p:nvSpPr>
+        <p:spPr>
+          <a:xfrm>
+            <a:off x="7227532" y="742690"/>
+            <a:ext cx="1742902" cy="289008"/>
+          </a:xfrm>
+          <a:prstGeom prst="rect">
+            <a:avLst/>
+          </a:prstGeom>
+        </p:spPr>
+        <p:style>
+          <a:lnRef idx="2">
+            <a:schemeClr val="accent1">
+              <a:shade val="50000"/>
+            </a:schemeClr>
+          </a:lnRef>
+          <a:fillRef idx="1">
+            <a:schemeClr val="accent1"/>
+          </a:fillRef>
+          <a:effectRef idx="0">
+            <a:schemeClr val="accent1"/>
+          </a:effectRef>
+          <a:fontRef idx="minor">
+            <a:schemeClr val="lt1"/>
+          </a:fontRef>
+        </p:style>
+        <p:txBody>
+          <a:bodyPr rtlCol="0" anchor="ctr"/>
+          <a:lstStyle/>
+          <a:p>
+            <a:pPr marL="0" marR="0" lvl="0" indent="0" algn="ctr" defTabSz="914400" rtl="0" eaLnBrk="1" fontAlgn="auto" latinLnBrk="0" hangingPunct="1">
+              <a:lnSpc>
+                <a:spcPct val="100000"/>
+              </a:lnSpc>
+              <a:spcBef>
+                <a:spcPts val="0"/>
+              </a:spcBef>
+              <a:spcAft>
+                <a:spcPts val="0"/>
+              </a:spcAft>
+              <a:buClrTx/>
+              <a:buSzTx/>
+              <a:buFontTx/>
+              <a:buNone/>
+              <a:tabLst/>
+              <a:defRPr/>
+            </a:pPr>
+            <a:r>
+              <a:rPr kumimoji="0" lang="en-US" sz="1200" b="0" i="0" u="none" strike="noStrike" kern="1200" cap="none" spc="0" normalizeH="0" baseline="0" noProof="0" dirty="0">
+                <a:ln>
+                  <a:noFill/>
+                </a:ln>
+                <a:solidFill>
+                  <a:srgbClr val="FFFFFF"/>
+                </a:solidFill>
+                <a:effectLst/>
+                <a:uLnTx/>
+                <a:uFillTx/>
+                <a:latin typeface="Gill Sans MT"/>
+                <a:ea typeface="+mn-ea"/>
+                <a:cs typeface="+mn-cs"/>
+              </a:rPr>
+              <a:t>Overall Project Scope</a:t>
+            </a:r>
+          </a:p>
+        </p:txBody>
+      </p:sp>
+      <p:sp>
+        <p:nvSpPr>
+          <p:cNvPr id="22" name="Rectangle 21">
+            <a:extLst>
+              <a:ext uri="{FF2B5EF4-FFF2-40B4-BE49-F238E27FC236}">
+                <a16:creationId xmlns:a16="http://schemas.microsoft.com/office/drawing/2014/main" id="{E09EB5D8-033F-4974-B2C1-F81592CD8DE3}"/>
+              </a:ext>
+            </a:extLst>
+          </p:cNvPr>
+          <p:cNvSpPr/>
+          <p:nvPr/>
+        </p:nvSpPr>
+        <p:spPr>
+          <a:xfrm>
+            <a:off x="9248503" y="1007525"/>
+            <a:ext cx="2726974" cy="5751493"/>
+          </a:xfrm>
+          <a:prstGeom prst="rect">
+            <a:avLst/>
+          </a:prstGeom>
+          <a:solidFill>
+            <a:srgbClr val="00B050"/>
+          </a:solidFill>
+        </p:spPr>
+        <p:style>
+          <a:lnRef idx="1">
+            <a:schemeClr val="accent3"/>
+          </a:lnRef>
+          <a:fillRef idx="2">
+            <a:schemeClr val="accent3"/>
+          </a:fillRef>
+          <a:effectRef idx="1">
+            <a:schemeClr val="accent3"/>
+          </a:effectRef>
+          <a:fontRef idx="minor">
+            <a:schemeClr val="dk1"/>
+          </a:fontRef>
+        </p:style>
+        <p:txBody>
+          <a:bodyPr rtlCol="0" anchor="ctr"/>
+          <a:lstStyle/>
+          <a:p>
+            <a:pPr marL="0" marR="0" lvl="0" indent="0" algn="ctr" defTabSz="914400" rtl="0" eaLnBrk="1" fontAlgn="auto" latinLnBrk="0" hangingPunct="1">
+              <a:lnSpc>
+                <a:spcPct val="100000"/>
+              </a:lnSpc>
+              <a:spcBef>
+                <a:spcPts val="0"/>
+              </a:spcBef>
+              <a:spcAft>
+                <a:spcPts val="0"/>
+              </a:spcAft>
+              <a:buClrTx/>
+              <a:buSzTx/>
+              <a:buFontTx/>
+              <a:buNone/>
+              <a:tabLst/>
+              <a:defRPr/>
+            </a:pPr>
+            <a:endParaRPr kumimoji="0" lang="en-US" sz="1800" b="0" i="0" u="none" strike="noStrike" kern="1200" cap="none" spc="0" normalizeH="0" baseline="0" noProof="0">
+              <a:ln>
+                <a:noFill/>
+              </a:ln>
+              <a:solidFill>
+                <a:srgbClr val="000000"/>
+              </a:solidFill>
+              <a:effectLst/>
+              <a:uLnTx/>
+              <a:uFillTx/>
+              <a:latin typeface="Gill Sans MT"/>
+              <a:ea typeface="+mn-ea"/>
+              <a:cs typeface="+mn-cs"/>
+            </a:endParaRPr>
+          </a:p>
+        </p:txBody>
+      </p:sp>
+      <p:sp>
+        <p:nvSpPr>
+          <p:cNvPr id="23" name="Rectangle 22">
+            <a:extLst>
+              <a:ext uri="{FF2B5EF4-FFF2-40B4-BE49-F238E27FC236}">
+                <a16:creationId xmlns:a16="http://schemas.microsoft.com/office/drawing/2014/main" id="{BAC94A47-CF00-4CA3-8C61-7A11D0385494}"/>
+              </a:ext>
+            </a:extLst>
+          </p:cNvPr>
+          <p:cNvSpPr/>
+          <p:nvPr/>
+        </p:nvSpPr>
+        <p:spPr>
+          <a:xfrm>
+            <a:off x="9804642" y="863022"/>
+            <a:ext cx="1614695" cy="289008"/>
+          </a:xfrm>
+          <a:prstGeom prst="rect">
+            <a:avLst/>
+          </a:prstGeom>
+        </p:spPr>
+        <p:style>
+          <a:lnRef idx="2">
+            <a:schemeClr val="accent1">
+              <a:shade val="50000"/>
+            </a:schemeClr>
+          </a:lnRef>
+          <a:fillRef idx="1">
+            <a:schemeClr val="accent1"/>
+          </a:fillRef>
+          <a:effectRef idx="0">
+            <a:schemeClr val="accent1"/>
+          </a:effectRef>
+          <a:fontRef idx="minor">
+            <a:schemeClr val="lt1"/>
+          </a:fontRef>
+        </p:style>
+        <p:txBody>
+          <a:bodyPr rtlCol="0" anchor="ctr"/>
+          <a:lstStyle/>
+          <a:p>
+            <a:pPr marL="0" marR="0" lvl="0" indent="0" algn="ctr" defTabSz="914400" rtl="0" eaLnBrk="1" fontAlgn="auto" latinLnBrk="0" hangingPunct="1">
+              <a:lnSpc>
+                <a:spcPct val="100000"/>
+              </a:lnSpc>
+              <a:spcBef>
+                <a:spcPts val="0"/>
+              </a:spcBef>
+              <a:spcAft>
+                <a:spcPts val="0"/>
+              </a:spcAft>
+              <a:buClrTx/>
+              <a:buSzTx/>
+              <a:buFontTx/>
+              <a:buNone/>
+              <a:tabLst/>
+              <a:defRPr/>
+            </a:pPr>
+            <a:r>
+              <a:rPr kumimoji="0" lang="en-US" sz="1200" b="0" i="0" u="none" strike="noStrike" kern="1200" cap="none" spc="0" normalizeH="0" baseline="0" noProof="0" dirty="0">
+                <a:ln>
+                  <a:noFill/>
+                </a:ln>
+                <a:solidFill>
+                  <a:srgbClr val="FFFFFF"/>
+                </a:solidFill>
+                <a:effectLst/>
+                <a:uLnTx/>
+                <a:uFillTx/>
+                <a:latin typeface="Gill Sans MT"/>
+                <a:ea typeface="+mn-ea"/>
+                <a:cs typeface="+mn-cs"/>
+              </a:rPr>
+              <a:t>Resources</a:t>
+            </a:r>
+          </a:p>
+        </p:txBody>
+      </p:sp>
+      <p:sp>
+        <p:nvSpPr>
+          <p:cNvPr id="24" name="Content Placeholder 2">
+            <a:extLst>
+              <a:ext uri="{FF2B5EF4-FFF2-40B4-BE49-F238E27FC236}">
+                <a16:creationId xmlns:a16="http://schemas.microsoft.com/office/drawing/2014/main" id="{949E7726-43D3-4E9B-B851-144421543BC3}"/>
+              </a:ext>
+            </a:extLst>
+          </p:cNvPr>
+          <p:cNvSpPr txBox="1">
+            <a:spLocks/>
+          </p:cNvSpPr>
+          <p:nvPr/>
+        </p:nvSpPr>
+        <p:spPr>
+          <a:xfrm>
+            <a:off x="9207177" y="1553314"/>
+            <a:ext cx="1539380" cy="289008"/>
+          </a:xfrm>
+          <a:prstGeom prst="rect">
+            <a:avLst/>
+          </a:prstGeom>
+        </p:spPr>
+        <p:txBody>
+          <a:bodyPr vert="horz" lIns="91440" tIns="45720" rIns="91440" bIns="45720" rtlCol="0">
+            <a:normAutofit/>
+          </a:bodyPr>
+          <a:lstStyle>
+            <a:lvl1pPr marL="228600" indent="-228600" algn="l" defTabSz="914400" rtl="0" eaLnBrk="1" latinLnBrk="0" hangingPunct="1">
+              <a:lnSpc>
+                <a:spcPct val="100000"/>
+              </a:lnSpc>
+              <a:spcBef>
+                <a:spcPts val="1000"/>
+              </a:spcBef>
+              <a:buSzPct val="70000"/>
+              <a:buFont typeface="Arial" panose="020B0604020202020204" pitchFamily="34" charset="0"/>
+              <a:buChar char="•"/>
+              <a:defRPr sz="2400" kern="1200">
+                <a:solidFill>
+                  <a:schemeClr val="tx2"/>
+                </a:solidFill>
+                <a:latin typeface="+mj-lt"/>
+                <a:ea typeface="+mn-ea"/>
+                <a:cs typeface="+mn-cs"/>
+              </a:defRPr>
+            </a:lvl1pPr>
+            <a:lvl2pPr marL="685800" indent="-228600" algn="l" defTabSz="914400" rtl="0" eaLnBrk="1" latinLnBrk="0" hangingPunct="1">
+              <a:lnSpc>
+                <a:spcPct val="100000"/>
+              </a:lnSpc>
+              <a:spcBef>
+                <a:spcPts val="500"/>
+              </a:spcBef>
+              <a:buSzPct val="70000"/>
+              <a:buFont typeface="Arial" panose="020B0604020202020204" pitchFamily="34" charset="0"/>
+              <a:buChar char="•"/>
+              <a:defRPr sz="2000" kern="1200">
+                <a:solidFill>
+                  <a:schemeClr val="tx2"/>
+                </a:solidFill>
+                <a:latin typeface="+mj-lt"/>
+                <a:ea typeface="+mn-ea"/>
+                <a:cs typeface="+mn-cs"/>
+              </a:defRPr>
+            </a:lvl2pPr>
+            <a:lvl3pPr marL="1143000" indent="-228600" algn="l" defTabSz="914400" rtl="0" eaLnBrk="1" latinLnBrk="0" hangingPunct="1">
+              <a:lnSpc>
+                <a:spcPct val="100000"/>
+              </a:lnSpc>
+              <a:spcBef>
+                <a:spcPts val="500"/>
+              </a:spcBef>
+              <a:buSzPct val="70000"/>
+              <a:buFont typeface="Arial" panose="020B0604020202020204" pitchFamily="34" charset="0"/>
+              <a:buChar char="•"/>
+              <a:defRPr sz="1800" kern="1200">
+                <a:solidFill>
+                  <a:schemeClr val="tx2"/>
+                </a:solidFill>
+                <a:latin typeface="+mj-lt"/>
+                <a:ea typeface="+mn-ea"/>
+                <a:cs typeface="+mn-cs"/>
+              </a:defRPr>
+            </a:lvl3pPr>
+            <a:lvl4pPr marL="1600200" indent="-228600" algn="l" defTabSz="914400" rtl="0" eaLnBrk="1" latinLnBrk="0" hangingPunct="1">
+              <a:lnSpc>
+                <a:spcPct val="100000"/>
+              </a:lnSpc>
+              <a:spcBef>
+                <a:spcPts val="500"/>
+              </a:spcBef>
+              <a:buSzPct val="70000"/>
+              <a:buFont typeface="Arial" panose="020B0604020202020204" pitchFamily="34" charset="0"/>
+              <a:buChar char="•"/>
+              <a:defRPr sz="1600" kern="1200">
+                <a:solidFill>
+                  <a:schemeClr val="tx2"/>
+                </a:solidFill>
+                <a:latin typeface="+mj-lt"/>
+                <a:ea typeface="+mn-ea"/>
+                <a:cs typeface="+mn-cs"/>
+              </a:defRPr>
+            </a:lvl4pPr>
+            <a:lvl5pPr marL="2057400" indent="-228600" algn="l" defTabSz="914400" rtl="0" eaLnBrk="1" latinLnBrk="0" hangingPunct="1">
+              <a:lnSpc>
+                <a:spcPct val="100000"/>
+              </a:lnSpc>
+              <a:spcBef>
+                <a:spcPts val="500"/>
+              </a:spcBef>
+              <a:buSzPct val="70000"/>
+              <a:buFont typeface="Arial" panose="020B0604020202020204" pitchFamily="34" charset="0"/>
+              <a:buChar char="•"/>
+              <a:defRPr sz="1600" kern="1200">
+                <a:solidFill>
+                  <a:schemeClr val="tx2"/>
+                </a:solidFill>
+                <a:latin typeface="+mj-lt"/>
+                <a:ea typeface="+mn-ea"/>
+                <a:cs typeface="+mn-cs"/>
+              </a:defRPr>
+            </a:lvl5pPr>
+            <a:lvl6pPr marL="2514600" indent="-228600" algn="l" defTabSz="914400" rtl="0" eaLnBrk="1" latinLnBrk="0" hangingPunct="1">
+              <a:lnSpc>
+                <a:spcPct val="90000"/>
+              </a:lnSpc>
+              <a:spcBef>
+                <a:spcPts val="500"/>
+              </a:spcBef>
+              <a:buFont typeface="Arial" panose="020B0604020202020204" pitchFamily="34" charset="0"/>
+              <a:buChar char="•"/>
+              <a:defRPr sz="1800" kern="1200">
+                <a:solidFill>
+                  <a:schemeClr val="tx1"/>
+                </a:solidFill>
+                <a:latin typeface="+mn-lt"/>
+                <a:ea typeface="+mn-ea"/>
+                <a:cs typeface="+mn-cs"/>
+              </a:defRPr>
+            </a:lvl6pPr>
+            <a:lvl7pPr marL="2971800" indent="-228600" algn="l" defTabSz="914400" rtl="0" eaLnBrk="1" latinLnBrk="0" hangingPunct="1">
+              <a:lnSpc>
+                <a:spcPct val="90000"/>
+              </a:lnSpc>
+              <a:spcBef>
+                <a:spcPts val="500"/>
+              </a:spcBef>
+              <a:buFont typeface="Arial" panose="020B0604020202020204" pitchFamily="34" charset="0"/>
+              <a:buChar char="•"/>
+              <a:defRPr sz="1800" kern="1200">
+                <a:solidFill>
+                  <a:schemeClr val="tx1"/>
+                </a:solidFill>
+                <a:latin typeface="+mn-lt"/>
+                <a:ea typeface="+mn-ea"/>
+                <a:cs typeface="+mn-cs"/>
+              </a:defRPr>
+            </a:lvl7pPr>
+            <a:lvl8pPr marL="3429000" indent="-228600" algn="l" defTabSz="914400" rtl="0" eaLnBrk="1" latinLnBrk="0" hangingPunct="1">
+              <a:lnSpc>
+                <a:spcPct val="90000"/>
+              </a:lnSpc>
+              <a:spcBef>
+                <a:spcPts val="500"/>
+              </a:spcBef>
+              <a:buFont typeface="Arial" panose="020B0604020202020204" pitchFamily="34" charset="0"/>
+              <a:buChar char="•"/>
+              <a:defRPr sz="1800" kern="1200">
+                <a:solidFill>
+                  <a:schemeClr val="tx1"/>
+                </a:solidFill>
+                <a:latin typeface="+mn-lt"/>
+                <a:ea typeface="+mn-ea"/>
+                <a:cs typeface="+mn-cs"/>
+              </a:defRPr>
+            </a:lvl8pPr>
+            <a:lvl9pPr marL="3886200" indent="-228600" algn="l" defTabSz="914400" rtl="0" eaLnBrk="1" latinLnBrk="0" hangingPunct="1">
+              <a:lnSpc>
+                <a:spcPct val="90000"/>
+              </a:lnSpc>
+              <a:spcBef>
+                <a:spcPts val="500"/>
+              </a:spcBef>
+              <a:buFont typeface="Arial" panose="020B0604020202020204" pitchFamily="34" charset="0"/>
+              <a:buChar char="•"/>
+              <a:defRPr sz="1800" kern="1200">
+                <a:solidFill>
+                  <a:schemeClr val="tx1"/>
+                </a:solidFill>
+                <a:latin typeface="+mn-lt"/>
+                <a:ea typeface="+mn-ea"/>
+                <a:cs typeface="+mn-cs"/>
+              </a:defRPr>
+            </a:lvl9pPr>
+          </a:lstStyle>
+          <a:p>
+            <a:pPr marL="0" marR="0" lvl="0" indent="0" algn="l" defTabSz="914400" rtl="0" eaLnBrk="1" fontAlgn="auto" latinLnBrk="0" hangingPunct="1">
+              <a:lnSpc>
+                <a:spcPct val="100000"/>
+              </a:lnSpc>
+              <a:spcBef>
+                <a:spcPts val="0"/>
+              </a:spcBef>
+              <a:spcAft>
+                <a:spcPts val="0"/>
+              </a:spcAft>
+              <a:buClrTx/>
+              <a:buSzPct val="70000"/>
+              <a:buFont typeface="Arial" panose="020B0604020202020204" pitchFamily="34" charset="0"/>
+              <a:buNone/>
+              <a:tabLst/>
+              <a:defRPr/>
+            </a:pPr>
+            <a:r>
+              <a:rPr kumimoji="0" lang="en-US" sz="1100" b="0" i="0" u="none" strike="noStrike" kern="1200" cap="none" spc="0" normalizeH="0" baseline="0" noProof="0" dirty="0">
+                <a:ln>
+                  <a:noFill/>
+                </a:ln>
+                <a:solidFill>
+                  <a:srgbClr val="FFFFFF"/>
+                </a:solidFill>
+                <a:effectLst/>
+                <a:uLnTx/>
+                <a:uFillTx/>
+                <a:latin typeface="Goudy Old Style"/>
+                <a:ea typeface="+mn-ea"/>
+                <a:cs typeface="+mn-cs"/>
+              </a:rPr>
+              <a:t>Technical  Lead</a:t>
+            </a:r>
+          </a:p>
+          <a:p>
+            <a:pPr marL="228600" marR="0" lvl="0" indent="-228600" algn="l" defTabSz="914400" rtl="0" eaLnBrk="1" fontAlgn="auto" latinLnBrk="0" hangingPunct="1">
+              <a:lnSpc>
+                <a:spcPct val="100000"/>
+              </a:lnSpc>
+              <a:spcBef>
+                <a:spcPts val="1000"/>
+              </a:spcBef>
+              <a:spcAft>
+                <a:spcPts val="0"/>
+              </a:spcAft>
+              <a:buClrTx/>
+              <a:buSzPct val="70000"/>
+              <a:buFont typeface="Arial" panose="020B0604020202020204" pitchFamily="34" charset="0"/>
+              <a:buChar char="•"/>
+              <a:tabLst/>
+              <a:defRPr/>
+            </a:pPr>
+            <a:endParaRPr kumimoji="0" lang="en-US" sz="2400" b="0" i="0" u="none" strike="noStrike" kern="1200" cap="none" spc="0" normalizeH="0" baseline="0" noProof="0" dirty="0">
+              <a:ln>
+                <a:noFill/>
+              </a:ln>
+              <a:solidFill>
+                <a:srgbClr val="301B2B"/>
+              </a:solidFill>
+              <a:effectLst/>
+              <a:uLnTx/>
+              <a:uFillTx/>
+              <a:latin typeface="Goudy Old Style"/>
+              <a:ea typeface="+mn-ea"/>
+              <a:cs typeface="+mn-cs"/>
+            </a:endParaRPr>
+          </a:p>
+        </p:txBody>
+      </p:sp>
+      <p:sp>
+        <p:nvSpPr>
+          <p:cNvPr id="25" name="Content Placeholder 2">
+            <a:extLst>
+              <a:ext uri="{FF2B5EF4-FFF2-40B4-BE49-F238E27FC236}">
+                <a16:creationId xmlns:a16="http://schemas.microsoft.com/office/drawing/2014/main" id="{E3424D99-3992-49BB-B1F7-879FF26BA3B3}"/>
+              </a:ext>
+            </a:extLst>
+          </p:cNvPr>
+          <p:cNvSpPr txBox="1">
+            <a:spLocks/>
+          </p:cNvSpPr>
+          <p:nvPr/>
+        </p:nvSpPr>
+        <p:spPr>
+          <a:xfrm>
+            <a:off x="9405803" y="1708466"/>
+            <a:ext cx="2412371" cy="686061"/>
+          </a:xfrm>
+          <a:prstGeom prst="rect">
+            <a:avLst/>
+          </a:prstGeom>
+        </p:spPr>
+        <p:txBody>
+          <a:bodyPr vert="horz" lIns="91440" tIns="45720" rIns="91440" bIns="45720" rtlCol="0">
+            <a:normAutofit/>
+          </a:bodyPr>
+          <a:lstStyle>
+            <a:lvl1pPr marL="228600" indent="-228600" algn="l" defTabSz="914400" rtl="0" eaLnBrk="1" latinLnBrk="0" hangingPunct="1">
+              <a:lnSpc>
+                <a:spcPct val="100000"/>
+              </a:lnSpc>
+              <a:spcBef>
+                <a:spcPts val="1000"/>
+              </a:spcBef>
+              <a:buSzPct val="70000"/>
+              <a:buFont typeface="Arial" panose="020B0604020202020204" pitchFamily="34" charset="0"/>
+              <a:buChar char="•"/>
+              <a:defRPr sz="2400" kern="1200">
+                <a:solidFill>
+                  <a:schemeClr val="tx2"/>
+                </a:solidFill>
+                <a:latin typeface="+mj-lt"/>
+                <a:ea typeface="+mn-ea"/>
+                <a:cs typeface="+mn-cs"/>
+              </a:defRPr>
+            </a:lvl1pPr>
+            <a:lvl2pPr marL="685800" indent="-228600" algn="l" defTabSz="914400" rtl="0" eaLnBrk="1" latinLnBrk="0" hangingPunct="1">
+              <a:lnSpc>
+                <a:spcPct val="100000"/>
+              </a:lnSpc>
+              <a:spcBef>
+                <a:spcPts val="500"/>
+              </a:spcBef>
+              <a:buSzPct val="70000"/>
+              <a:buFont typeface="Arial" panose="020B0604020202020204" pitchFamily="34" charset="0"/>
+              <a:buChar char="•"/>
+              <a:defRPr sz="2000" kern="1200">
+                <a:solidFill>
+                  <a:schemeClr val="tx2"/>
+                </a:solidFill>
+                <a:latin typeface="+mj-lt"/>
+                <a:ea typeface="+mn-ea"/>
+                <a:cs typeface="+mn-cs"/>
+              </a:defRPr>
+            </a:lvl2pPr>
+            <a:lvl3pPr marL="1143000" indent="-228600" algn="l" defTabSz="914400" rtl="0" eaLnBrk="1" latinLnBrk="0" hangingPunct="1">
+              <a:lnSpc>
+                <a:spcPct val="100000"/>
+              </a:lnSpc>
+              <a:spcBef>
+                <a:spcPts val="500"/>
+              </a:spcBef>
+              <a:buSzPct val="70000"/>
+              <a:buFont typeface="Arial" panose="020B0604020202020204" pitchFamily="34" charset="0"/>
+              <a:buChar char="•"/>
+              <a:defRPr sz="1800" kern="1200">
+                <a:solidFill>
+                  <a:schemeClr val="tx2"/>
+                </a:solidFill>
+                <a:latin typeface="+mj-lt"/>
+                <a:ea typeface="+mn-ea"/>
+                <a:cs typeface="+mn-cs"/>
+              </a:defRPr>
+            </a:lvl3pPr>
+            <a:lvl4pPr marL="1600200" indent="-228600" algn="l" defTabSz="914400" rtl="0" eaLnBrk="1" latinLnBrk="0" hangingPunct="1">
+              <a:lnSpc>
+                <a:spcPct val="100000"/>
+              </a:lnSpc>
+              <a:spcBef>
+                <a:spcPts val="500"/>
+              </a:spcBef>
+              <a:buSzPct val="70000"/>
+              <a:buFont typeface="Arial" panose="020B0604020202020204" pitchFamily="34" charset="0"/>
+              <a:buChar char="•"/>
+              <a:defRPr sz="1600" kern="1200">
+                <a:solidFill>
+                  <a:schemeClr val="tx2"/>
+                </a:solidFill>
+                <a:latin typeface="+mj-lt"/>
+                <a:ea typeface="+mn-ea"/>
+                <a:cs typeface="+mn-cs"/>
+              </a:defRPr>
+            </a:lvl4pPr>
+            <a:lvl5pPr marL="2057400" indent="-228600" algn="l" defTabSz="914400" rtl="0" eaLnBrk="1" latinLnBrk="0" hangingPunct="1">
+              <a:lnSpc>
+                <a:spcPct val="100000"/>
+              </a:lnSpc>
+              <a:spcBef>
+                <a:spcPts val="500"/>
+              </a:spcBef>
+              <a:buSzPct val="70000"/>
+              <a:buFont typeface="Arial" panose="020B0604020202020204" pitchFamily="34" charset="0"/>
+              <a:buChar char="•"/>
+              <a:defRPr sz="1600" kern="1200">
+                <a:solidFill>
+                  <a:schemeClr val="tx2"/>
+                </a:solidFill>
+                <a:latin typeface="+mj-lt"/>
+                <a:ea typeface="+mn-ea"/>
+                <a:cs typeface="+mn-cs"/>
+              </a:defRPr>
+            </a:lvl5pPr>
+            <a:lvl6pPr marL="2514600" indent="-228600" algn="l" defTabSz="914400" rtl="0" eaLnBrk="1" latinLnBrk="0" hangingPunct="1">
+              <a:lnSpc>
+                <a:spcPct val="90000"/>
+              </a:lnSpc>
+              <a:spcBef>
+                <a:spcPts val="500"/>
+              </a:spcBef>
+              <a:buFont typeface="Arial" panose="020B0604020202020204" pitchFamily="34" charset="0"/>
+              <a:buChar char="•"/>
+              <a:defRPr sz="1800" kern="1200">
+                <a:solidFill>
+                  <a:schemeClr val="tx1"/>
+                </a:solidFill>
+                <a:latin typeface="+mn-lt"/>
+                <a:ea typeface="+mn-ea"/>
+                <a:cs typeface="+mn-cs"/>
+              </a:defRPr>
+            </a:lvl6pPr>
+            <a:lvl7pPr marL="2971800" indent="-228600" algn="l" defTabSz="914400" rtl="0" eaLnBrk="1" latinLnBrk="0" hangingPunct="1">
+              <a:lnSpc>
+                <a:spcPct val="90000"/>
+              </a:lnSpc>
+              <a:spcBef>
+                <a:spcPts val="500"/>
+              </a:spcBef>
+              <a:buFont typeface="Arial" panose="020B0604020202020204" pitchFamily="34" charset="0"/>
+              <a:buChar char="•"/>
+              <a:defRPr sz="1800" kern="1200">
+                <a:solidFill>
+                  <a:schemeClr val="tx1"/>
+                </a:solidFill>
+                <a:latin typeface="+mn-lt"/>
+                <a:ea typeface="+mn-ea"/>
+                <a:cs typeface="+mn-cs"/>
+              </a:defRPr>
+            </a:lvl7pPr>
+            <a:lvl8pPr marL="3429000" indent="-228600" algn="l" defTabSz="914400" rtl="0" eaLnBrk="1" latinLnBrk="0" hangingPunct="1">
+              <a:lnSpc>
+                <a:spcPct val="90000"/>
+              </a:lnSpc>
+              <a:spcBef>
+                <a:spcPts val="500"/>
+              </a:spcBef>
+              <a:buFont typeface="Arial" panose="020B0604020202020204" pitchFamily="34" charset="0"/>
+              <a:buChar char="•"/>
+              <a:defRPr sz="1800" kern="1200">
+                <a:solidFill>
+                  <a:schemeClr val="tx1"/>
+                </a:solidFill>
+                <a:latin typeface="+mn-lt"/>
+                <a:ea typeface="+mn-ea"/>
+                <a:cs typeface="+mn-cs"/>
+              </a:defRPr>
+            </a:lvl8pPr>
+            <a:lvl9pPr marL="3886200" indent="-228600" algn="l" defTabSz="914400" rtl="0" eaLnBrk="1" latinLnBrk="0" hangingPunct="1">
+              <a:lnSpc>
+                <a:spcPct val="90000"/>
+              </a:lnSpc>
+              <a:spcBef>
+                <a:spcPts val="500"/>
+              </a:spcBef>
+              <a:buFont typeface="Arial" panose="020B0604020202020204" pitchFamily="34" charset="0"/>
+              <a:buChar char="•"/>
+              <a:defRPr sz="1800" kern="1200">
+                <a:solidFill>
+                  <a:schemeClr val="tx1"/>
+                </a:solidFill>
+                <a:latin typeface="+mn-lt"/>
+                <a:ea typeface="+mn-ea"/>
+                <a:cs typeface="+mn-cs"/>
+              </a:defRPr>
+            </a:lvl9pPr>
+          </a:lstStyle>
+          <a:p>
+            <a:pPr marL="0" marR="0" lvl="0" indent="0" algn="l" defTabSz="914400" rtl="0" eaLnBrk="1" fontAlgn="auto" latinLnBrk="0" hangingPunct="1">
+              <a:lnSpc>
+                <a:spcPct val="100000"/>
+              </a:lnSpc>
+              <a:spcBef>
+                <a:spcPts val="0"/>
+              </a:spcBef>
+              <a:spcAft>
+                <a:spcPts val="0"/>
+              </a:spcAft>
+              <a:buClrTx/>
+              <a:buSzPct val="70000"/>
+              <a:buFont typeface="Arial" panose="020B0604020202020204" pitchFamily="34" charset="0"/>
+              <a:buNone/>
+              <a:tabLst/>
+              <a:defRPr/>
+            </a:pPr>
+            <a:r>
+              <a:rPr kumimoji="0" lang="en-US" sz="1100" b="0" i="0" u="none" strike="noStrike" kern="1200" cap="none" spc="0" normalizeH="0" baseline="0" noProof="0" dirty="0">
+                <a:ln>
+                  <a:noFill/>
+                </a:ln>
+                <a:solidFill>
+                  <a:srgbClr val="FFFFFF"/>
+                </a:solidFill>
+                <a:effectLst/>
+                <a:uLnTx/>
+                <a:uFillTx/>
+                <a:latin typeface="Goudy Old Style"/>
+                <a:ea typeface="+mn-ea"/>
+                <a:cs typeface="+mn-cs"/>
+              </a:rPr>
+              <a:t>Jasson Giannini</a:t>
+            </a:r>
+          </a:p>
+          <a:p>
+            <a:pPr marL="228600" marR="0" lvl="0" indent="-228600" algn="l" defTabSz="914400" rtl="0" eaLnBrk="1" fontAlgn="auto" latinLnBrk="0" hangingPunct="1">
+              <a:lnSpc>
+                <a:spcPct val="100000"/>
+              </a:lnSpc>
+              <a:spcBef>
+                <a:spcPts val="0"/>
+              </a:spcBef>
+              <a:spcAft>
+                <a:spcPts val="0"/>
+              </a:spcAft>
+              <a:buClrTx/>
+              <a:buSzPct val="70000"/>
+              <a:buFont typeface="Arial" panose="020B0604020202020204" pitchFamily="34" charset="0"/>
+              <a:buChar char="•"/>
+              <a:tabLst/>
+              <a:defRPr/>
+            </a:pPr>
+            <a:r>
+              <a:rPr kumimoji="0" lang="en-US" sz="1100" b="0" i="0" u="none" strike="noStrike" kern="1200" cap="none" spc="0" normalizeH="0" baseline="0" noProof="0" dirty="0">
+                <a:ln>
+                  <a:noFill/>
+                </a:ln>
+                <a:solidFill>
+                  <a:srgbClr val="FFFFFF"/>
+                </a:solidFill>
+                <a:effectLst/>
+                <a:uLnTx/>
+                <a:uFillTx/>
+                <a:latin typeface="Goudy Old Style"/>
+                <a:ea typeface="+mn-ea"/>
+                <a:cs typeface="+mn-cs"/>
+              </a:rPr>
+              <a:t>IESE MBA ‘21</a:t>
+            </a:r>
+          </a:p>
+          <a:p>
+            <a:pPr marL="228600" marR="0" lvl="0" indent="-228600" algn="l" defTabSz="914400" rtl="0" eaLnBrk="1" fontAlgn="auto" latinLnBrk="0" hangingPunct="1">
+              <a:lnSpc>
+                <a:spcPct val="100000"/>
+              </a:lnSpc>
+              <a:spcBef>
+                <a:spcPts val="0"/>
+              </a:spcBef>
+              <a:spcAft>
+                <a:spcPts val="0"/>
+              </a:spcAft>
+              <a:buClrTx/>
+              <a:buSzPct val="70000"/>
+              <a:buFont typeface="Arial" panose="020B0604020202020204" pitchFamily="34" charset="0"/>
+              <a:buChar char="•"/>
+              <a:tabLst/>
+              <a:defRPr/>
+            </a:pPr>
+            <a:r>
+              <a:rPr kumimoji="0" lang="en-US" sz="1100" b="0" i="0" u="none" strike="noStrike" kern="1200" cap="none" spc="0" normalizeH="0" baseline="0" noProof="0" dirty="0">
+                <a:ln>
+                  <a:noFill/>
+                </a:ln>
+                <a:solidFill>
+                  <a:srgbClr val="FFFFFF"/>
+                </a:solidFill>
+                <a:effectLst/>
+                <a:uLnTx/>
+                <a:uFillTx/>
+                <a:latin typeface="Goudy Old Style"/>
+                <a:ea typeface="+mn-ea"/>
+                <a:cs typeface="+mn-cs"/>
+              </a:rPr>
+              <a:t>7 years in Analytics</a:t>
+            </a:r>
+          </a:p>
+        </p:txBody>
+      </p:sp>
+      <p:sp>
+        <p:nvSpPr>
+          <p:cNvPr id="26" name="Rectangle 25">
+            <a:extLst>
+              <a:ext uri="{FF2B5EF4-FFF2-40B4-BE49-F238E27FC236}">
+                <a16:creationId xmlns:a16="http://schemas.microsoft.com/office/drawing/2014/main" id="{2C695AE9-E203-49BF-BAEB-E175FC6CF2E0}"/>
+              </a:ext>
+            </a:extLst>
+          </p:cNvPr>
+          <p:cNvSpPr/>
+          <p:nvPr/>
+        </p:nvSpPr>
+        <p:spPr>
+          <a:xfrm>
+            <a:off x="10043165" y="1307182"/>
+            <a:ext cx="1060264" cy="289008"/>
+          </a:xfrm>
+          <a:prstGeom prst="rect">
+            <a:avLst/>
+          </a:prstGeom>
+        </p:spPr>
+        <p:style>
+          <a:lnRef idx="2">
+            <a:schemeClr val="accent1">
+              <a:shade val="50000"/>
+            </a:schemeClr>
+          </a:lnRef>
+          <a:fillRef idx="1">
+            <a:schemeClr val="accent1"/>
+          </a:fillRef>
+          <a:effectRef idx="0">
+            <a:schemeClr val="accent1"/>
+          </a:effectRef>
+          <a:fontRef idx="minor">
+            <a:schemeClr val="lt1"/>
+          </a:fontRef>
+        </p:style>
+        <p:txBody>
+          <a:bodyPr rtlCol="0" anchor="ctr"/>
+          <a:lstStyle/>
+          <a:p>
+            <a:pPr marL="0" marR="0" lvl="0" indent="0" algn="ctr" defTabSz="914400" rtl="0" eaLnBrk="1" fontAlgn="auto" latinLnBrk="0" hangingPunct="1">
+              <a:lnSpc>
+                <a:spcPct val="100000"/>
+              </a:lnSpc>
+              <a:spcBef>
+                <a:spcPts val="0"/>
+              </a:spcBef>
+              <a:spcAft>
+                <a:spcPts val="0"/>
+              </a:spcAft>
+              <a:buClrTx/>
+              <a:buSzTx/>
+              <a:buFontTx/>
+              <a:buNone/>
+              <a:tabLst/>
+              <a:defRPr/>
+            </a:pPr>
+            <a:r>
+              <a:rPr kumimoji="0" lang="en-US" sz="1200" b="0" i="0" u="none" strike="noStrike" kern="1200" cap="none" spc="0" normalizeH="0" baseline="0" noProof="0" dirty="0">
+                <a:ln>
+                  <a:noFill/>
+                </a:ln>
+                <a:solidFill>
+                  <a:srgbClr val="FFFFFF"/>
+                </a:solidFill>
+                <a:effectLst/>
+                <a:uLnTx/>
+                <a:uFillTx/>
+                <a:latin typeface="Gill Sans MT"/>
+                <a:ea typeface="+mn-ea"/>
+                <a:cs typeface="+mn-cs"/>
+              </a:rPr>
+              <a:t>Personnel</a:t>
+            </a:r>
+          </a:p>
+        </p:txBody>
+      </p:sp>
+      <p:sp>
+        <p:nvSpPr>
+          <p:cNvPr id="27" name="Content Placeholder 2">
+            <a:extLst>
+              <a:ext uri="{FF2B5EF4-FFF2-40B4-BE49-F238E27FC236}">
+                <a16:creationId xmlns:a16="http://schemas.microsoft.com/office/drawing/2014/main" id="{570AFFA4-7727-49BD-B926-8FA86D3F991F}"/>
+              </a:ext>
+            </a:extLst>
+          </p:cNvPr>
+          <p:cNvSpPr txBox="1">
+            <a:spLocks/>
+          </p:cNvSpPr>
+          <p:nvPr/>
+        </p:nvSpPr>
+        <p:spPr>
+          <a:xfrm>
+            <a:off x="9248503" y="2361290"/>
+            <a:ext cx="794662" cy="289008"/>
+          </a:xfrm>
+          <a:prstGeom prst="rect">
+            <a:avLst/>
+          </a:prstGeom>
+        </p:spPr>
+        <p:txBody>
+          <a:bodyPr vert="horz" lIns="91440" tIns="45720" rIns="91440" bIns="45720" rtlCol="0">
+            <a:normAutofit/>
+          </a:bodyPr>
+          <a:lstStyle>
+            <a:lvl1pPr marL="228600" indent="-228600" algn="l" defTabSz="914400" rtl="0" eaLnBrk="1" latinLnBrk="0" hangingPunct="1">
+              <a:lnSpc>
+                <a:spcPct val="100000"/>
+              </a:lnSpc>
+              <a:spcBef>
+                <a:spcPts val="1000"/>
+              </a:spcBef>
+              <a:buSzPct val="70000"/>
+              <a:buFont typeface="Arial" panose="020B0604020202020204" pitchFamily="34" charset="0"/>
+              <a:buChar char="•"/>
+              <a:defRPr sz="2400" kern="1200">
+                <a:solidFill>
+                  <a:schemeClr val="tx2"/>
+                </a:solidFill>
+                <a:latin typeface="+mj-lt"/>
+                <a:ea typeface="+mn-ea"/>
+                <a:cs typeface="+mn-cs"/>
+              </a:defRPr>
+            </a:lvl1pPr>
+            <a:lvl2pPr marL="685800" indent="-228600" algn="l" defTabSz="914400" rtl="0" eaLnBrk="1" latinLnBrk="0" hangingPunct="1">
+              <a:lnSpc>
+                <a:spcPct val="100000"/>
+              </a:lnSpc>
+              <a:spcBef>
+                <a:spcPts val="500"/>
+              </a:spcBef>
+              <a:buSzPct val="70000"/>
+              <a:buFont typeface="Arial" panose="020B0604020202020204" pitchFamily="34" charset="0"/>
+              <a:buChar char="•"/>
+              <a:defRPr sz="2000" kern="1200">
+                <a:solidFill>
+                  <a:schemeClr val="tx2"/>
+                </a:solidFill>
+                <a:latin typeface="+mj-lt"/>
+                <a:ea typeface="+mn-ea"/>
+                <a:cs typeface="+mn-cs"/>
+              </a:defRPr>
+            </a:lvl2pPr>
+            <a:lvl3pPr marL="1143000" indent="-228600" algn="l" defTabSz="914400" rtl="0" eaLnBrk="1" latinLnBrk="0" hangingPunct="1">
+              <a:lnSpc>
+                <a:spcPct val="100000"/>
+              </a:lnSpc>
+              <a:spcBef>
+                <a:spcPts val="500"/>
+              </a:spcBef>
+              <a:buSzPct val="70000"/>
+              <a:buFont typeface="Arial" panose="020B0604020202020204" pitchFamily="34" charset="0"/>
+              <a:buChar char="•"/>
+              <a:defRPr sz="1800" kern="1200">
+                <a:solidFill>
+                  <a:schemeClr val="tx2"/>
+                </a:solidFill>
+                <a:latin typeface="+mj-lt"/>
+                <a:ea typeface="+mn-ea"/>
+                <a:cs typeface="+mn-cs"/>
+              </a:defRPr>
+            </a:lvl3pPr>
+            <a:lvl4pPr marL="1600200" indent="-228600" algn="l" defTabSz="914400" rtl="0" eaLnBrk="1" latinLnBrk="0" hangingPunct="1">
+              <a:lnSpc>
+                <a:spcPct val="100000"/>
+              </a:lnSpc>
+              <a:spcBef>
+                <a:spcPts val="500"/>
+              </a:spcBef>
+              <a:buSzPct val="70000"/>
+              <a:buFont typeface="Arial" panose="020B0604020202020204" pitchFamily="34" charset="0"/>
+              <a:buChar char="•"/>
+              <a:defRPr sz="1600" kern="1200">
+                <a:solidFill>
+                  <a:schemeClr val="tx2"/>
+                </a:solidFill>
+                <a:latin typeface="+mj-lt"/>
+                <a:ea typeface="+mn-ea"/>
+                <a:cs typeface="+mn-cs"/>
+              </a:defRPr>
+            </a:lvl4pPr>
+            <a:lvl5pPr marL="2057400" indent="-228600" algn="l" defTabSz="914400" rtl="0" eaLnBrk="1" latinLnBrk="0" hangingPunct="1">
+              <a:lnSpc>
+                <a:spcPct val="100000"/>
+              </a:lnSpc>
+              <a:spcBef>
+                <a:spcPts val="500"/>
+              </a:spcBef>
+              <a:buSzPct val="70000"/>
+              <a:buFont typeface="Arial" panose="020B0604020202020204" pitchFamily="34" charset="0"/>
+              <a:buChar char="•"/>
+              <a:defRPr sz="1600" kern="1200">
+                <a:solidFill>
+                  <a:schemeClr val="tx2"/>
+                </a:solidFill>
+                <a:latin typeface="+mj-lt"/>
+                <a:ea typeface="+mn-ea"/>
+                <a:cs typeface="+mn-cs"/>
+              </a:defRPr>
+            </a:lvl5pPr>
+            <a:lvl6pPr marL="2514600" indent="-228600" algn="l" defTabSz="914400" rtl="0" eaLnBrk="1" latinLnBrk="0" hangingPunct="1">
+              <a:lnSpc>
+                <a:spcPct val="90000"/>
+              </a:lnSpc>
+              <a:spcBef>
+                <a:spcPts val="500"/>
+              </a:spcBef>
+              <a:buFont typeface="Arial" panose="020B0604020202020204" pitchFamily="34" charset="0"/>
+              <a:buChar char="•"/>
+              <a:defRPr sz="1800" kern="1200">
+                <a:solidFill>
+                  <a:schemeClr val="tx1"/>
+                </a:solidFill>
+                <a:latin typeface="+mn-lt"/>
+                <a:ea typeface="+mn-ea"/>
+                <a:cs typeface="+mn-cs"/>
+              </a:defRPr>
+            </a:lvl6pPr>
+            <a:lvl7pPr marL="2971800" indent="-228600" algn="l" defTabSz="914400" rtl="0" eaLnBrk="1" latinLnBrk="0" hangingPunct="1">
+              <a:lnSpc>
+                <a:spcPct val="90000"/>
+              </a:lnSpc>
+              <a:spcBef>
+                <a:spcPts val="500"/>
+              </a:spcBef>
+              <a:buFont typeface="Arial" panose="020B0604020202020204" pitchFamily="34" charset="0"/>
+              <a:buChar char="•"/>
+              <a:defRPr sz="1800" kern="1200">
+                <a:solidFill>
+                  <a:schemeClr val="tx1"/>
+                </a:solidFill>
+                <a:latin typeface="+mn-lt"/>
+                <a:ea typeface="+mn-ea"/>
+                <a:cs typeface="+mn-cs"/>
+              </a:defRPr>
+            </a:lvl7pPr>
+            <a:lvl8pPr marL="3429000" indent="-228600" algn="l" defTabSz="914400" rtl="0" eaLnBrk="1" latinLnBrk="0" hangingPunct="1">
+              <a:lnSpc>
+                <a:spcPct val="90000"/>
+              </a:lnSpc>
+              <a:spcBef>
+                <a:spcPts val="500"/>
+              </a:spcBef>
+              <a:buFont typeface="Arial" panose="020B0604020202020204" pitchFamily="34" charset="0"/>
+              <a:buChar char="•"/>
+              <a:defRPr sz="1800" kern="1200">
+                <a:solidFill>
+                  <a:schemeClr val="tx1"/>
+                </a:solidFill>
+                <a:latin typeface="+mn-lt"/>
+                <a:ea typeface="+mn-ea"/>
+                <a:cs typeface="+mn-cs"/>
+              </a:defRPr>
+            </a:lvl8pPr>
+            <a:lvl9pPr marL="3886200" indent="-228600" algn="l" defTabSz="914400" rtl="0" eaLnBrk="1" latinLnBrk="0" hangingPunct="1">
+              <a:lnSpc>
+                <a:spcPct val="90000"/>
+              </a:lnSpc>
+              <a:spcBef>
+                <a:spcPts val="500"/>
+              </a:spcBef>
+              <a:buFont typeface="Arial" panose="020B0604020202020204" pitchFamily="34" charset="0"/>
+              <a:buChar char="•"/>
+              <a:defRPr sz="1800" kern="1200">
+                <a:solidFill>
+                  <a:schemeClr val="tx1"/>
+                </a:solidFill>
+                <a:latin typeface="+mn-lt"/>
+                <a:ea typeface="+mn-ea"/>
+                <a:cs typeface="+mn-cs"/>
+              </a:defRPr>
+            </a:lvl9pPr>
+          </a:lstStyle>
+          <a:p>
+            <a:pPr marL="0" marR="0" lvl="0" indent="0" algn="l" defTabSz="914400" rtl="0" eaLnBrk="1" fontAlgn="auto" latinLnBrk="0" hangingPunct="1">
+              <a:lnSpc>
+                <a:spcPct val="100000"/>
+              </a:lnSpc>
+              <a:spcBef>
+                <a:spcPts val="0"/>
+              </a:spcBef>
+              <a:spcAft>
+                <a:spcPts val="0"/>
+              </a:spcAft>
+              <a:buClrTx/>
+              <a:buSzPct val="70000"/>
+              <a:buFont typeface="Arial" panose="020B0604020202020204" pitchFamily="34" charset="0"/>
+              <a:buNone/>
+              <a:tabLst/>
+              <a:defRPr/>
+            </a:pPr>
+            <a:r>
+              <a:rPr kumimoji="0" lang="en-US" sz="1100" b="0" i="0" u="none" strike="noStrike" kern="1200" cap="none" spc="0" normalizeH="0" baseline="0" noProof="0" dirty="0">
+                <a:ln>
+                  <a:noFill/>
+                </a:ln>
+                <a:solidFill>
+                  <a:srgbClr val="FFFFFF"/>
+                </a:solidFill>
+                <a:effectLst/>
+                <a:uLnTx/>
+                <a:uFillTx/>
+                <a:latin typeface="Goudy Old Style"/>
+                <a:ea typeface="+mn-ea"/>
+                <a:cs typeface="+mn-cs"/>
+              </a:rPr>
+              <a:t>Sponsor</a:t>
+            </a:r>
+          </a:p>
+          <a:p>
+            <a:pPr marL="228600" marR="0" lvl="0" indent="-228600" algn="l" defTabSz="914400" rtl="0" eaLnBrk="1" fontAlgn="auto" latinLnBrk="0" hangingPunct="1">
+              <a:lnSpc>
+                <a:spcPct val="100000"/>
+              </a:lnSpc>
+              <a:spcBef>
+                <a:spcPts val="1000"/>
+              </a:spcBef>
+              <a:spcAft>
+                <a:spcPts val="0"/>
+              </a:spcAft>
+              <a:buClrTx/>
+              <a:buSzPct val="70000"/>
+              <a:buFont typeface="Arial" panose="020B0604020202020204" pitchFamily="34" charset="0"/>
+              <a:buChar char="•"/>
+              <a:tabLst/>
+              <a:defRPr/>
+            </a:pPr>
+            <a:endParaRPr kumimoji="0" lang="en-US" sz="2400" b="0" i="0" u="none" strike="noStrike" kern="1200" cap="none" spc="0" normalizeH="0" baseline="0" noProof="0" dirty="0">
+              <a:ln>
+                <a:noFill/>
+              </a:ln>
+              <a:solidFill>
+                <a:srgbClr val="301B2B"/>
+              </a:solidFill>
+              <a:effectLst/>
+              <a:uLnTx/>
+              <a:uFillTx/>
+              <a:latin typeface="Goudy Old Style"/>
+              <a:ea typeface="+mn-ea"/>
+              <a:cs typeface="+mn-cs"/>
+            </a:endParaRPr>
+          </a:p>
+        </p:txBody>
+      </p:sp>
+      <p:sp>
+        <p:nvSpPr>
+          <p:cNvPr id="28" name="Content Placeholder 2">
+            <a:extLst>
+              <a:ext uri="{FF2B5EF4-FFF2-40B4-BE49-F238E27FC236}">
+                <a16:creationId xmlns:a16="http://schemas.microsoft.com/office/drawing/2014/main" id="{EFC576AD-3525-4CCB-9DCC-B1F4B323BB9A}"/>
+              </a:ext>
+            </a:extLst>
+          </p:cNvPr>
+          <p:cNvSpPr txBox="1">
+            <a:spLocks/>
+          </p:cNvSpPr>
+          <p:nvPr/>
+        </p:nvSpPr>
+        <p:spPr>
+          <a:xfrm>
+            <a:off x="9447129" y="2516442"/>
+            <a:ext cx="2412371" cy="830664"/>
+          </a:xfrm>
+          <a:prstGeom prst="rect">
+            <a:avLst/>
+          </a:prstGeom>
+        </p:spPr>
+        <p:txBody>
+          <a:bodyPr vert="horz" lIns="91440" tIns="45720" rIns="91440" bIns="45720" rtlCol="0">
+            <a:normAutofit/>
+          </a:bodyPr>
+          <a:lstStyle>
+            <a:lvl1pPr marL="228600" indent="-228600" algn="l" defTabSz="914400" rtl="0" eaLnBrk="1" latinLnBrk="0" hangingPunct="1">
+              <a:lnSpc>
+                <a:spcPct val="100000"/>
+              </a:lnSpc>
+              <a:spcBef>
+                <a:spcPts val="1000"/>
+              </a:spcBef>
+              <a:buSzPct val="70000"/>
+              <a:buFont typeface="Arial" panose="020B0604020202020204" pitchFamily="34" charset="0"/>
+              <a:buChar char="•"/>
+              <a:defRPr sz="2400" kern="1200">
+                <a:solidFill>
+                  <a:schemeClr val="tx2"/>
+                </a:solidFill>
+                <a:latin typeface="+mj-lt"/>
+                <a:ea typeface="+mn-ea"/>
+                <a:cs typeface="+mn-cs"/>
+              </a:defRPr>
+            </a:lvl1pPr>
+            <a:lvl2pPr marL="685800" indent="-228600" algn="l" defTabSz="914400" rtl="0" eaLnBrk="1" latinLnBrk="0" hangingPunct="1">
+              <a:lnSpc>
+                <a:spcPct val="100000"/>
+              </a:lnSpc>
+              <a:spcBef>
+                <a:spcPts val="500"/>
+              </a:spcBef>
+              <a:buSzPct val="70000"/>
+              <a:buFont typeface="Arial" panose="020B0604020202020204" pitchFamily="34" charset="0"/>
+              <a:buChar char="•"/>
+              <a:defRPr sz="2000" kern="1200">
+                <a:solidFill>
+                  <a:schemeClr val="tx2"/>
+                </a:solidFill>
+                <a:latin typeface="+mj-lt"/>
+                <a:ea typeface="+mn-ea"/>
+                <a:cs typeface="+mn-cs"/>
+              </a:defRPr>
+            </a:lvl2pPr>
+            <a:lvl3pPr marL="1143000" indent="-228600" algn="l" defTabSz="914400" rtl="0" eaLnBrk="1" latinLnBrk="0" hangingPunct="1">
+              <a:lnSpc>
+                <a:spcPct val="100000"/>
+              </a:lnSpc>
+              <a:spcBef>
+                <a:spcPts val="500"/>
+              </a:spcBef>
+              <a:buSzPct val="70000"/>
+              <a:buFont typeface="Arial" panose="020B0604020202020204" pitchFamily="34" charset="0"/>
+              <a:buChar char="•"/>
+              <a:defRPr sz="1800" kern="1200">
+                <a:solidFill>
+                  <a:schemeClr val="tx2"/>
+                </a:solidFill>
+                <a:latin typeface="+mj-lt"/>
+                <a:ea typeface="+mn-ea"/>
+                <a:cs typeface="+mn-cs"/>
+              </a:defRPr>
+            </a:lvl3pPr>
+            <a:lvl4pPr marL="1600200" indent="-228600" algn="l" defTabSz="914400" rtl="0" eaLnBrk="1" latinLnBrk="0" hangingPunct="1">
+              <a:lnSpc>
+                <a:spcPct val="100000"/>
+              </a:lnSpc>
+              <a:spcBef>
+                <a:spcPts val="500"/>
+              </a:spcBef>
+              <a:buSzPct val="70000"/>
+              <a:buFont typeface="Arial" panose="020B0604020202020204" pitchFamily="34" charset="0"/>
+              <a:buChar char="•"/>
+              <a:defRPr sz="1600" kern="1200">
+                <a:solidFill>
+                  <a:schemeClr val="tx2"/>
+                </a:solidFill>
+                <a:latin typeface="+mj-lt"/>
+                <a:ea typeface="+mn-ea"/>
+                <a:cs typeface="+mn-cs"/>
+              </a:defRPr>
+            </a:lvl4pPr>
+            <a:lvl5pPr marL="2057400" indent="-228600" algn="l" defTabSz="914400" rtl="0" eaLnBrk="1" latinLnBrk="0" hangingPunct="1">
+              <a:lnSpc>
+                <a:spcPct val="100000"/>
+              </a:lnSpc>
+              <a:spcBef>
+                <a:spcPts val="500"/>
+              </a:spcBef>
+              <a:buSzPct val="70000"/>
+              <a:buFont typeface="Arial" panose="020B0604020202020204" pitchFamily="34" charset="0"/>
+              <a:buChar char="•"/>
+              <a:defRPr sz="1600" kern="1200">
+                <a:solidFill>
+                  <a:schemeClr val="tx2"/>
+                </a:solidFill>
+                <a:latin typeface="+mj-lt"/>
+                <a:ea typeface="+mn-ea"/>
+                <a:cs typeface="+mn-cs"/>
+              </a:defRPr>
+            </a:lvl5pPr>
+            <a:lvl6pPr marL="2514600" indent="-228600" algn="l" defTabSz="914400" rtl="0" eaLnBrk="1" latinLnBrk="0" hangingPunct="1">
+              <a:lnSpc>
+                <a:spcPct val="90000"/>
+              </a:lnSpc>
+              <a:spcBef>
+                <a:spcPts val="500"/>
+              </a:spcBef>
+              <a:buFont typeface="Arial" panose="020B0604020202020204" pitchFamily="34" charset="0"/>
+              <a:buChar char="•"/>
+              <a:defRPr sz="1800" kern="1200">
+                <a:solidFill>
+                  <a:schemeClr val="tx1"/>
+                </a:solidFill>
+                <a:latin typeface="+mn-lt"/>
+                <a:ea typeface="+mn-ea"/>
+                <a:cs typeface="+mn-cs"/>
+              </a:defRPr>
+            </a:lvl6pPr>
+            <a:lvl7pPr marL="2971800" indent="-228600" algn="l" defTabSz="914400" rtl="0" eaLnBrk="1" latinLnBrk="0" hangingPunct="1">
+              <a:lnSpc>
+                <a:spcPct val="90000"/>
+              </a:lnSpc>
+              <a:spcBef>
+                <a:spcPts val="500"/>
+              </a:spcBef>
+              <a:buFont typeface="Arial" panose="020B0604020202020204" pitchFamily="34" charset="0"/>
+              <a:buChar char="•"/>
+              <a:defRPr sz="1800" kern="1200">
+                <a:solidFill>
+                  <a:schemeClr val="tx1"/>
+                </a:solidFill>
+                <a:latin typeface="+mn-lt"/>
+                <a:ea typeface="+mn-ea"/>
+                <a:cs typeface="+mn-cs"/>
+              </a:defRPr>
+            </a:lvl7pPr>
+            <a:lvl8pPr marL="3429000" indent="-228600" algn="l" defTabSz="914400" rtl="0" eaLnBrk="1" latinLnBrk="0" hangingPunct="1">
+              <a:lnSpc>
+                <a:spcPct val="90000"/>
+              </a:lnSpc>
+              <a:spcBef>
+                <a:spcPts val="500"/>
+              </a:spcBef>
+              <a:buFont typeface="Arial" panose="020B0604020202020204" pitchFamily="34" charset="0"/>
+              <a:buChar char="•"/>
+              <a:defRPr sz="1800" kern="1200">
+                <a:solidFill>
+                  <a:schemeClr val="tx1"/>
+                </a:solidFill>
+                <a:latin typeface="+mn-lt"/>
+                <a:ea typeface="+mn-ea"/>
+                <a:cs typeface="+mn-cs"/>
+              </a:defRPr>
+            </a:lvl8pPr>
+            <a:lvl9pPr marL="3886200" indent="-228600" algn="l" defTabSz="914400" rtl="0" eaLnBrk="1" latinLnBrk="0" hangingPunct="1">
+              <a:lnSpc>
+                <a:spcPct val="90000"/>
+              </a:lnSpc>
+              <a:spcBef>
+                <a:spcPts val="500"/>
+              </a:spcBef>
+              <a:buFont typeface="Arial" panose="020B0604020202020204" pitchFamily="34" charset="0"/>
+              <a:buChar char="•"/>
+              <a:defRPr sz="1800" kern="1200">
+                <a:solidFill>
+                  <a:schemeClr val="tx1"/>
+                </a:solidFill>
+                <a:latin typeface="+mn-lt"/>
+                <a:ea typeface="+mn-ea"/>
+                <a:cs typeface="+mn-cs"/>
+              </a:defRPr>
+            </a:lvl9pPr>
+          </a:lstStyle>
+          <a:p>
+            <a:pPr marL="0" marR="0" lvl="0" indent="0" algn="l" defTabSz="914400" rtl="0" eaLnBrk="1" fontAlgn="auto" latinLnBrk="0" hangingPunct="1">
+              <a:lnSpc>
+                <a:spcPct val="100000"/>
+              </a:lnSpc>
+              <a:spcBef>
+                <a:spcPts val="0"/>
+              </a:spcBef>
+              <a:spcAft>
+                <a:spcPts val="0"/>
+              </a:spcAft>
+              <a:buClrTx/>
+              <a:buSzPct val="70000"/>
+              <a:buFont typeface="Arial" panose="020B0604020202020204" pitchFamily="34" charset="0"/>
+              <a:buNone/>
+              <a:tabLst/>
+              <a:defRPr/>
+            </a:pPr>
+            <a:r>
+              <a:rPr kumimoji="0" lang="en-US" sz="1100" b="0" i="0" u="none" strike="noStrike" kern="1200" cap="none" spc="0" normalizeH="0" baseline="0" noProof="0" dirty="0">
+                <a:ln>
+                  <a:noFill/>
+                </a:ln>
+                <a:solidFill>
+                  <a:srgbClr val="FFFFFF"/>
+                </a:solidFill>
+                <a:effectLst/>
+                <a:uLnTx/>
+                <a:uFillTx/>
+                <a:latin typeface="Goudy Old Style"/>
+                <a:ea typeface="+mn-ea"/>
+                <a:cs typeface="+mn-cs"/>
+              </a:rPr>
+              <a:t>Miguel Valdes</a:t>
+            </a:r>
+          </a:p>
+          <a:p>
+            <a:pPr marL="228600" marR="0" lvl="0" indent="-228600" algn="l" defTabSz="914400" rtl="0" eaLnBrk="1" fontAlgn="auto" latinLnBrk="0" hangingPunct="1">
+              <a:lnSpc>
+                <a:spcPct val="100000"/>
+              </a:lnSpc>
+              <a:spcBef>
+                <a:spcPts val="0"/>
+              </a:spcBef>
+              <a:spcAft>
+                <a:spcPts val="0"/>
+              </a:spcAft>
+              <a:buClrTx/>
+              <a:buSzPct val="70000"/>
+              <a:buFont typeface="Arial" panose="020B0604020202020204" pitchFamily="34" charset="0"/>
+              <a:buChar char="•"/>
+              <a:tabLst/>
+              <a:defRPr/>
+            </a:pPr>
+            <a:r>
+              <a:rPr kumimoji="0" lang="en-US" sz="1100" b="0" i="0" u="none" strike="noStrike" kern="1200" cap="none" spc="0" normalizeH="0" baseline="0" noProof="0" dirty="0">
+                <a:ln>
+                  <a:noFill/>
+                </a:ln>
+                <a:solidFill>
+                  <a:srgbClr val="FFFFFF"/>
+                </a:solidFill>
+                <a:effectLst/>
+                <a:uLnTx/>
+                <a:uFillTx/>
+                <a:latin typeface="Goudy Old Style"/>
+                <a:ea typeface="+mn-ea"/>
+                <a:cs typeface="+mn-cs"/>
+              </a:rPr>
+              <a:t>IESE MBA ‘14</a:t>
+            </a:r>
+          </a:p>
+          <a:p>
+            <a:pPr marL="228600" marR="0" lvl="0" indent="-228600" algn="l" defTabSz="914400" rtl="0" eaLnBrk="1" fontAlgn="auto" latinLnBrk="0" hangingPunct="1">
+              <a:lnSpc>
+                <a:spcPct val="100000"/>
+              </a:lnSpc>
+              <a:spcBef>
+                <a:spcPts val="0"/>
+              </a:spcBef>
+              <a:spcAft>
+                <a:spcPts val="0"/>
+              </a:spcAft>
+              <a:buClrTx/>
+              <a:buSzPct val="70000"/>
+              <a:buFont typeface="Arial" panose="020B0604020202020204" pitchFamily="34" charset="0"/>
+              <a:buChar char="•"/>
+              <a:tabLst/>
+              <a:defRPr/>
+            </a:pPr>
+            <a:r>
+              <a:rPr kumimoji="0" lang="en-US" sz="1100" b="0" i="0" u="none" strike="noStrike" kern="1200" cap="none" spc="0" normalizeH="0" baseline="0" noProof="0" dirty="0">
+                <a:ln>
+                  <a:noFill/>
+                </a:ln>
+                <a:solidFill>
+                  <a:srgbClr val="FFFFFF"/>
+                </a:solidFill>
+                <a:effectLst/>
+                <a:uLnTx/>
+                <a:uFillTx/>
+                <a:latin typeface="Goudy Old Style"/>
+                <a:ea typeface="+mn-ea"/>
+                <a:cs typeface="+mn-cs"/>
+              </a:rPr>
+              <a:t>5 years Product Management Experience</a:t>
+            </a:r>
+          </a:p>
+        </p:txBody>
+      </p:sp>
+      <p:sp>
+        <p:nvSpPr>
+          <p:cNvPr id="33" name="Rectangle 32">
+            <a:extLst>
+              <a:ext uri="{FF2B5EF4-FFF2-40B4-BE49-F238E27FC236}">
+                <a16:creationId xmlns:a16="http://schemas.microsoft.com/office/drawing/2014/main" id="{B9E52438-BB9C-431C-9B92-F969D19FF943}"/>
+              </a:ext>
+            </a:extLst>
+          </p:cNvPr>
+          <p:cNvSpPr/>
+          <p:nvPr/>
+        </p:nvSpPr>
+        <p:spPr>
+          <a:xfrm>
+            <a:off x="10043165" y="3468974"/>
+            <a:ext cx="1060264" cy="289008"/>
+          </a:xfrm>
+          <a:prstGeom prst="rect">
+            <a:avLst/>
+          </a:prstGeom>
+        </p:spPr>
+        <p:style>
+          <a:lnRef idx="2">
+            <a:schemeClr val="accent1">
+              <a:shade val="50000"/>
+            </a:schemeClr>
+          </a:lnRef>
+          <a:fillRef idx="1">
+            <a:schemeClr val="accent1"/>
+          </a:fillRef>
+          <a:effectRef idx="0">
+            <a:schemeClr val="accent1"/>
+          </a:effectRef>
+          <a:fontRef idx="minor">
+            <a:schemeClr val="lt1"/>
+          </a:fontRef>
+        </p:style>
+        <p:txBody>
+          <a:bodyPr rtlCol="0" anchor="ctr"/>
+          <a:lstStyle/>
+          <a:p>
+            <a:pPr marL="0" marR="0" lvl="0" indent="0" algn="ctr" defTabSz="914400" rtl="0" eaLnBrk="1" fontAlgn="auto" latinLnBrk="0" hangingPunct="1">
+              <a:lnSpc>
+                <a:spcPct val="100000"/>
+              </a:lnSpc>
+              <a:spcBef>
+                <a:spcPts val="0"/>
+              </a:spcBef>
+              <a:spcAft>
+                <a:spcPts val="0"/>
+              </a:spcAft>
+              <a:buClrTx/>
+              <a:buSzTx/>
+              <a:buFontTx/>
+              <a:buNone/>
+              <a:tabLst/>
+              <a:defRPr/>
+            </a:pPr>
+            <a:r>
+              <a:rPr kumimoji="0" lang="en-US" sz="1200" b="0" i="0" u="none" strike="noStrike" kern="1200" cap="none" spc="0" normalizeH="0" baseline="0" noProof="0" dirty="0">
+                <a:ln>
+                  <a:noFill/>
+                </a:ln>
+                <a:solidFill>
+                  <a:srgbClr val="FFFFFF"/>
+                </a:solidFill>
+                <a:effectLst/>
+                <a:uLnTx/>
+                <a:uFillTx/>
+                <a:latin typeface="Gill Sans MT"/>
+                <a:ea typeface="+mn-ea"/>
+                <a:cs typeface="+mn-cs"/>
+              </a:rPr>
+              <a:t>Technical</a:t>
+            </a:r>
+          </a:p>
+        </p:txBody>
+      </p:sp>
+      <p:sp>
+        <p:nvSpPr>
+          <p:cNvPr id="35" name="Content Placeholder 2">
+            <a:extLst>
+              <a:ext uri="{FF2B5EF4-FFF2-40B4-BE49-F238E27FC236}">
+                <a16:creationId xmlns:a16="http://schemas.microsoft.com/office/drawing/2014/main" id="{E4E01948-D7BB-45A1-BCBA-0E0852289388}"/>
+              </a:ext>
+            </a:extLst>
+          </p:cNvPr>
+          <p:cNvSpPr txBox="1">
+            <a:spLocks/>
+          </p:cNvSpPr>
+          <p:nvPr/>
+        </p:nvSpPr>
+        <p:spPr>
+          <a:xfrm>
+            <a:off x="9252601" y="3816558"/>
+            <a:ext cx="1539380" cy="289008"/>
+          </a:xfrm>
+          <a:prstGeom prst="rect">
+            <a:avLst/>
+          </a:prstGeom>
+        </p:spPr>
+        <p:txBody>
+          <a:bodyPr vert="horz" lIns="91440" tIns="45720" rIns="91440" bIns="45720" rtlCol="0">
+            <a:normAutofit/>
+          </a:bodyPr>
+          <a:lstStyle>
+            <a:lvl1pPr marL="228600" indent="-228600" algn="l" defTabSz="914400" rtl="0" eaLnBrk="1" latinLnBrk="0" hangingPunct="1">
+              <a:lnSpc>
+                <a:spcPct val="100000"/>
+              </a:lnSpc>
+              <a:spcBef>
+                <a:spcPts val="1000"/>
+              </a:spcBef>
+              <a:buSzPct val="70000"/>
+              <a:buFont typeface="Arial" panose="020B0604020202020204" pitchFamily="34" charset="0"/>
+              <a:buChar char="•"/>
+              <a:defRPr sz="2400" kern="1200">
+                <a:solidFill>
+                  <a:schemeClr val="tx2"/>
+                </a:solidFill>
+                <a:latin typeface="+mj-lt"/>
+                <a:ea typeface="+mn-ea"/>
+                <a:cs typeface="+mn-cs"/>
+              </a:defRPr>
+            </a:lvl1pPr>
+            <a:lvl2pPr marL="685800" indent="-228600" algn="l" defTabSz="914400" rtl="0" eaLnBrk="1" latinLnBrk="0" hangingPunct="1">
+              <a:lnSpc>
+                <a:spcPct val="100000"/>
+              </a:lnSpc>
+              <a:spcBef>
+                <a:spcPts val="500"/>
+              </a:spcBef>
+              <a:buSzPct val="70000"/>
+              <a:buFont typeface="Arial" panose="020B0604020202020204" pitchFamily="34" charset="0"/>
+              <a:buChar char="•"/>
+              <a:defRPr sz="2000" kern="1200">
+                <a:solidFill>
+                  <a:schemeClr val="tx2"/>
+                </a:solidFill>
+                <a:latin typeface="+mj-lt"/>
+                <a:ea typeface="+mn-ea"/>
+                <a:cs typeface="+mn-cs"/>
+              </a:defRPr>
+            </a:lvl2pPr>
+            <a:lvl3pPr marL="1143000" indent="-228600" algn="l" defTabSz="914400" rtl="0" eaLnBrk="1" latinLnBrk="0" hangingPunct="1">
+              <a:lnSpc>
+                <a:spcPct val="100000"/>
+              </a:lnSpc>
+              <a:spcBef>
+                <a:spcPts val="500"/>
+              </a:spcBef>
+              <a:buSzPct val="70000"/>
+              <a:buFont typeface="Arial" panose="020B0604020202020204" pitchFamily="34" charset="0"/>
+              <a:buChar char="•"/>
+              <a:defRPr sz="1800" kern="1200">
+                <a:solidFill>
+                  <a:schemeClr val="tx2"/>
+                </a:solidFill>
+                <a:latin typeface="+mj-lt"/>
+                <a:ea typeface="+mn-ea"/>
+                <a:cs typeface="+mn-cs"/>
+              </a:defRPr>
+            </a:lvl3pPr>
+            <a:lvl4pPr marL="1600200" indent="-228600" algn="l" defTabSz="914400" rtl="0" eaLnBrk="1" latinLnBrk="0" hangingPunct="1">
+              <a:lnSpc>
+                <a:spcPct val="100000"/>
+              </a:lnSpc>
+              <a:spcBef>
+                <a:spcPts val="500"/>
+              </a:spcBef>
+              <a:buSzPct val="70000"/>
+              <a:buFont typeface="Arial" panose="020B0604020202020204" pitchFamily="34" charset="0"/>
+              <a:buChar char="•"/>
+              <a:defRPr sz="1600" kern="1200">
+                <a:solidFill>
+                  <a:schemeClr val="tx2"/>
+                </a:solidFill>
+                <a:latin typeface="+mj-lt"/>
+                <a:ea typeface="+mn-ea"/>
+                <a:cs typeface="+mn-cs"/>
+              </a:defRPr>
+            </a:lvl4pPr>
+            <a:lvl5pPr marL="2057400" indent="-228600" algn="l" defTabSz="914400" rtl="0" eaLnBrk="1" latinLnBrk="0" hangingPunct="1">
+              <a:lnSpc>
+                <a:spcPct val="100000"/>
+              </a:lnSpc>
+              <a:spcBef>
+                <a:spcPts val="500"/>
+              </a:spcBef>
+              <a:buSzPct val="70000"/>
+              <a:buFont typeface="Arial" panose="020B0604020202020204" pitchFamily="34" charset="0"/>
+              <a:buChar char="•"/>
+              <a:defRPr sz="1600" kern="1200">
+                <a:solidFill>
+                  <a:schemeClr val="tx2"/>
+                </a:solidFill>
+                <a:latin typeface="+mj-lt"/>
+                <a:ea typeface="+mn-ea"/>
+                <a:cs typeface="+mn-cs"/>
+              </a:defRPr>
+            </a:lvl5pPr>
+            <a:lvl6pPr marL="2514600" indent="-228600" algn="l" defTabSz="914400" rtl="0" eaLnBrk="1" latinLnBrk="0" hangingPunct="1">
+              <a:lnSpc>
+                <a:spcPct val="90000"/>
+              </a:lnSpc>
+              <a:spcBef>
+                <a:spcPts val="500"/>
+              </a:spcBef>
+              <a:buFont typeface="Arial" panose="020B0604020202020204" pitchFamily="34" charset="0"/>
+              <a:buChar char="•"/>
+              <a:defRPr sz="1800" kern="1200">
+                <a:solidFill>
+                  <a:schemeClr val="tx1"/>
+                </a:solidFill>
+                <a:latin typeface="+mn-lt"/>
+                <a:ea typeface="+mn-ea"/>
+                <a:cs typeface="+mn-cs"/>
+              </a:defRPr>
+            </a:lvl6pPr>
+            <a:lvl7pPr marL="2971800" indent="-228600" algn="l" defTabSz="914400" rtl="0" eaLnBrk="1" latinLnBrk="0" hangingPunct="1">
+              <a:lnSpc>
+                <a:spcPct val="90000"/>
+              </a:lnSpc>
+              <a:spcBef>
+                <a:spcPts val="500"/>
+              </a:spcBef>
+              <a:buFont typeface="Arial" panose="020B0604020202020204" pitchFamily="34" charset="0"/>
+              <a:buChar char="•"/>
+              <a:defRPr sz="1800" kern="1200">
+                <a:solidFill>
+                  <a:schemeClr val="tx1"/>
+                </a:solidFill>
+                <a:latin typeface="+mn-lt"/>
+                <a:ea typeface="+mn-ea"/>
+                <a:cs typeface="+mn-cs"/>
+              </a:defRPr>
+            </a:lvl7pPr>
+            <a:lvl8pPr marL="3429000" indent="-228600" algn="l" defTabSz="914400" rtl="0" eaLnBrk="1" latinLnBrk="0" hangingPunct="1">
+              <a:lnSpc>
+                <a:spcPct val="90000"/>
+              </a:lnSpc>
+              <a:spcBef>
+                <a:spcPts val="500"/>
+              </a:spcBef>
+              <a:buFont typeface="Arial" panose="020B0604020202020204" pitchFamily="34" charset="0"/>
+              <a:buChar char="•"/>
+              <a:defRPr sz="1800" kern="1200">
+                <a:solidFill>
+                  <a:schemeClr val="tx1"/>
+                </a:solidFill>
+                <a:latin typeface="+mn-lt"/>
+                <a:ea typeface="+mn-ea"/>
+                <a:cs typeface="+mn-cs"/>
+              </a:defRPr>
+            </a:lvl8pPr>
+            <a:lvl9pPr marL="3886200" indent="-228600" algn="l" defTabSz="914400" rtl="0" eaLnBrk="1" latinLnBrk="0" hangingPunct="1">
+              <a:lnSpc>
+                <a:spcPct val="90000"/>
+              </a:lnSpc>
+              <a:spcBef>
+                <a:spcPts val="500"/>
+              </a:spcBef>
+              <a:buFont typeface="Arial" panose="020B0604020202020204" pitchFamily="34" charset="0"/>
+              <a:buChar char="•"/>
+              <a:defRPr sz="1800" kern="1200">
+                <a:solidFill>
+                  <a:schemeClr val="tx1"/>
+                </a:solidFill>
+                <a:latin typeface="+mn-lt"/>
+                <a:ea typeface="+mn-ea"/>
+                <a:cs typeface="+mn-cs"/>
+              </a:defRPr>
+            </a:lvl9pPr>
+          </a:lstStyle>
+          <a:p>
+            <a:pPr marL="0" marR="0" lvl="0" indent="0" algn="l" defTabSz="914400" rtl="0" eaLnBrk="1" fontAlgn="auto" latinLnBrk="0" hangingPunct="1">
+              <a:lnSpc>
+                <a:spcPct val="100000"/>
+              </a:lnSpc>
+              <a:spcBef>
+                <a:spcPts val="0"/>
+              </a:spcBef>
+              <a:spcAft>
+                <a:spcPts val="0"/>
+              </a:spcAft>
+              <a:buClrTx/>
+              <a:buSzPct val="70000"/>
+              <a:buFont typeface="Arial" panose="020B0604020202020204" pitchFamily="34" charset="0"/>
+              <a:buNone/>
+              <a:tabLst/>
+              <a:defRPr/>
+            </a:pPr>
+            <a:r>
+              <a:rPr kumimoji="0" lang="en-US" sz="1100" b="0" i="0" u="none" strike="noStrike" kern="1200" cap="none" spc="0" normalizeH="0" baseline="0" noProof="0" dirty="0">
+                <a:ln>
+                  <a:noFill/>
+                </a:ln>
+                <a:solidFill>
+                  <a:srgbClr val="FFFFFF"/>
+                </a:solidFill>
+                <a:effectLst/>
+                <a:uLnTx/>
+                <a:uFillTx/>
+                <a:latin typeface="Goudy Old Style"/>
+                <a:ea typeface="+mn-ea"/>
+                <a:cs typeface="+mn-cs"/>
+              </a:rPr>
+              <a:t>Data</a:t>
+            </a:r>
+          </a:p>
+          <a:p>
+            <a:pPr marL="228600" marR="0" lvl="0" indent="-228600" algn="l" defTabSz="914400" rtl="0" eaLnBrk="1" fontAlgn="auto" latinLnBrk="0" hangingPunct="1">
+              <a:lnSpc>
+                <a:spcPct val="100000"/>
+              </a:lnSpc>
+              <a:spcBef>
+                <a:spcPts val="1000"/>
+              </a:spcBef>
+              <a:spcAft>
+                <a:spcPts val="0"/>
+              </a:spcAft>
+              <a:buClrTx/>
+              <a:buSzPct val="70000"/>
+              <a:buFont typeface="Arial" panose="020B0604020202020204" pitchFamily="34" charset="0"/>
+              <a:buChar char="•"/>
+              <a:tabLst/>
+              <a:defRPr/>
+            </a:pPr>
+            <a:endParaRPr kumimoji="0" lang="en-US" sz="2400" b="0" i="0" u="none" strike="noStrike" kern="1200" cap="none" spc="0" normalizeH="0" baseline="0" noProof="0" dirty="0">
+              <a:ln>
+                <a:noFill/>
+              </a:ln>
+              <a:solidFill>
+                <a:srgbClr val="301B2B"/>
+              </a:solidFill>
+              <a:effectLst/>
+              <a:uLnTx/>
+              <a:uFillTx/>
+              <a:latin typeface="Goudy Old Style"/>
+              <a:ea typeface="+mn-ea"/>
+              <a:cs typeface="+mn-cs"/>
+            </a:endParaRPr>
+          </a:p>
+        </p:txBody>
+      </p:sp>
+      <p:sp>
+        <p:nvSpPr>
+          <p:cNvPr id="36" name="Content Placeholder 2">
+            <a:extLst>
+              <a:ext uri="{FF2B5EF4-FFF2-40B4-BE49-F238E27FC236}">
+                <a16:creationId xmlns:a16="http://schemas.microsoft.com/office/drawing/2014/main" id="{3CB37525-6868-4084-8860-90983B91FD66}"/>
+              </a:ext>
+            </a:extLst>
+          </p:cNvPr>
+          <p:cNvSpPr txBox="1">
+            <a:spLocks/>
+          </p:cNvSpPr>
+          <p:nvPr/>
+        </p:nvSpPr>
+        <p:spPr>
+          <a:xfrm>
+            <a:off x="9451227" y="3971710"/>
+            <a:ext cx="2412371" cy="1114393"/>
+          </a:xfrm>
+          <a:prstGeom prst="rect">
+            <a:avLst/>
+          </a:prstGeom>
+        </p:spPr>
+        <p:txBody>
+          <a:bodyPr vert="horz" lIns="91440" tIns="45720" rIns="91440" bIns="45720" rtlCol="0">
+            <a:normAutofit/>
+          </a:bodyPr>
+          <a:lstStyle>
+            <a:lvl1pPr marL="228600" indent="-228600" algn="l" defTabSz="914400" rtl="0" eaLnBrk="1" latinLnBrk="0" hangingPunct="1">
+              <a:lnSpc>
+                <a:spcPct val="100000"/>
+              </a:lnSpc>
+              <a:spcBef>
+                <a:spcPts val="1000"/>
+              </a:spcBef>
+              <a:buSzPct val="70000"/>
+              <a:buFont typeface="Arial" panose="020B0604020202020204" pitchFamily="34" charset="0"/>
+              <a:buChar char="•"/>
+              <a:defRPr sz="2400" kern="1200">
+                <a:solidFill>
+                  <a:schemeClr val="tx2"/>
+                </a:solidFill>
+                <a:latin typeface="+mj-lt"/>
+                <a:ea typeface="+mn-ea"/>
+                <a:cs typeface="+mn-cs"/>
+              </a:defRPr>
+            </a:lvl1pPr>
+            <a:lvl2pPr marL="685800" indent="-228600" algn="l" defTabSz="914400" rtl="0" eaLnBrk="1" latinLnBrk="0" hangingPunct="1">
+              <a:lnSpc>
+                <a:spcPct val="100000"/>
+              </a:lnSpc>
+              <a:spcBef>
+                <a:spcPts val="500"/>
+              </a:spcBef>
+              <a:buSzPct val="70000"/>
+              <a:buFont typeface="Arial" panose="020B0604020202020204" pitchFamily="34" charset="0"/>
+              <a:buChar char="•"/>
+              <a:defRPr sz="2000" kern="1200">
+                <a:solidFill>
+                  <a:schemeClr val="tx2"/>
+                </a:solidFill>
+                <a:latin typeface="+mj-lt"/>
+                <a:ea typeface="+mn-ea"/>
+                <a:cs typeface="+mn-cs"/>
+              </a:defRPr>
+            </a:lvl2pPr>
+            <a:lvl3pPr marL="1143000" indent="-228600" algn="l" defTabSz="914400" rtl="0" eaLnBrk="1" latinLnBrk="0" hangingPunct="1">
+              <a:lnSpc>
+                <a:spcPct val="100000"/>
+              </a:lnSpc>
+              <a:spcBef>
+                <a:spcPts val="500"/>
+              </a:spcBef>
+              <a:buSzPct val="70000"/>
+              <a:buFont typeface="Arial" panose="020B0604020202020204" pitchFamily="34" charset="0"/>
+              <a:buChar char="•"/>
+              <a:defRPr sz="1800" kern="1200">
+                <a:solidFill>
+                  <a:schemeClr val="tx2"/>
+                </a:solidFill>
+                <a:latin typeface="+mj-lt"/>
+                <a:ea typeface="+mn-ea"/>
+                <a:cs typeface="+mn-cs"/>
+              </a:defRPr>
+            </a:lvl3pPr>
+            <a:lvl4pPr marL="1600200" indent="-228600" algn="l" defTabSz="914400" rtl="0" eaLnBrk="1" latinLnBrk="0" hangingPunct="1">
+              <a:lnSpc>
+                <a:spcPct val="100000"/>
+              </a:lnSpc>
+              <a:spcBef>
+                <a:spcPts val="500"/>
+              </a:spcBef>
+              <a:buSzPct val="70000"/>
+              <a:buFont typeface="Arial" panose="020B0604020202020204" pitchFamily="34" charset="0"/>
+              <a:buChar char="•"/>
+              <a:defRPr sz="1600" kern="1200">
+                <a:solidFill>
+                  <a:schemeClr val="tx2"/>
+                </a:solidFill>
+                <a:latin typeface="+mj-lt"/>
+                <a:ea typeface="+mn-ea"/>
+                <a:cs typeface="+mn-cs"/>
+              </a:defRPr>
+            </a:lvl4pPr>
+            <a:lvl5pPr marL="2057400" indent="-228600" algn="l" defTabSz="914400" rtl="0" eaLnBrk="1" latinLnBrk="0" hangingPunct="1">
+              <a:lnSpc>
+                <a:spcPct val="100000"/>
+              </a:lnSpc>
+              <a:spcBef>
+                <a:spcPts val="500"/>
+              </a:spcBef>
+              <a:buSzPct val="70000"/>
+              <a:buFont typeface="Arial" panose="020B0604020202020204" pitchFamily="34" charset="0"/>
+              <a:buChar char="•"/>
+              <a:defRPr sz="1600" kern="1200">
+                <a:solidFill>
+                  <a:schemeClr val="tx2"/>
+                </a:solidFill>
+                <a:latin typeface="+mj-lt"/>
+                <a:ea typeface="+mn-ea"/>
+                <a:cs typeface="+mn-cs"/>
+              </a:defRPr>
+            </a:lvl5pPr>
+            <a:lvl6pPr marL="2514600" indent="-228600" algn="l" defTabSz="914400" rtl="0" eaLnBrk="1" latinLnBrk="0" hangingPunct="1">
+              <a:lnSpc>
+                <a:spcPct val="90000"/>
+              </a:lnSpc>
+              <a:spcBef>
+                <a:spcPts val="500"/>
+              </a:spcBef>
+              <a:buFont typeface="Arial" panose="020B0604020202020204" pitchFamily="34" charset="0"/>
+              <a:buChar char="•"/>
+              <a:defRPr sz="1800" kern="1200">
+                <a:solidFill>
+                  <a:schemeClr val="tx1"/>
+                </a:solidFill>
+                <a:latin typeface="+mn-lt"/>
+                <a:ea typeface="+mn-ea"/>
+                <a:cs typeface="+mn-cs"/>
+              </a:defRPr>
+            </a:lvl6pPr>
+            <a:lvl7pPr marL="2971800" indent="-228600" algn="l" defTabSz="914400" rtl="0" eaLnBrk="1" latinLnBrk="0" hangingPunct="1">
+              <a:lnSpc>
+                <a:spcPct val="90000"/>
+              </a:lnSpc>
+              <a:spcBef>
+                <a:spcPts val="500"/>
+              </a:spcBef>
+              <a:buFont typeface="Arial" panose="020B0604020202020204" pitchFamily="34" charset="0"/>
+              <a:buChar char="•"/>
+              <a:defRPr sz="1800" kern="1200">
+                <a:solidFill>
+                  <a:schemeClr val="tx1"/>
+                </a:solidFill>
+                <a:latin typeface="+mn-lt"/>
+                <a:ea typeface="+mn-ea"/>
+                <a:cs typeface="+mn-cs"/>
+              </a:defRPr>
+            </a:lvl7pPr>
+            <a:lvl8pPr marL="3429000" indent="-228600" algn="l" defTabSz="914400" rtl="0" eaLnBrk="1" latinLnBrk="0" hangingPunct="1">
+              <a:lnSpc>
+                <a:spcPct val="90000"/>
+              </a:lnSpc>
+              <a:spcBef>
+                <a:spcPts val="500"/>
+              </a:spcBef>
+              <a:buFont typeface="Arial" panose="020B0604020202020204" pitchFamily="34" charset="0"/>
+              <a:buChar char="•"/>
+              <a:defRPr sz="1800" kern="1200">
+                <a:solidFill>
+                  <a:schemeClr val="tx1"/>
+                </a:solidFill>
+                <a:latin typeface="+mn-lt"/>
+                <a:ea typeface="+mn-ea"/>
+                <a:cs typeface="+mn-cs"/>
+              </a:defRPr>
+            </a:lvl8pPr>
+            <a:lvl9pPr marL="3886200" indent="-228600" algn="l" defTabSz="914400" rtl="0" eaLnBrk="1" latinLnBrk="0" hangingPunct="1">
+              <a:lnSpc>
+                <a:spcPct val="90000"/>
+              </a:lnSpc>
+              <a:spcBef>
+                <a:spcPts val="500"/>
+              </a:spcBef>
+              <a:buFont typeface="Arial" panose="020B0604020202020204" pitchFamily="34" charset="0"/>
+              <a:buChar char="•"/>
+              <a:defRPr sz="1800" kern="1200">
+                <a:solidFill>
+                  <a:schemeClr val="tx1"/>
+                </a:solidFill>
+                <a:latin typeface="+mn-lt"/>
+                <a:ea typeface="+mn-ea"/>
+                <a:cs typeface="+mn-cs"/>
+              </a:defRPr>
+            </a:lvl9pPr>
+          </a:lstStyle>
+          <a:p>
+            <a:pPr marL="0" marR="0" lvl="0" indent="0" algn="l" defTabSz="914400" rtl="0" eaLnBrk="1" fontAlgn="auto" latinLnBrk="0" hangingPunct="1">
+              <a:lnSpc>
+                <a:spcPct val="100000"/>
+              </a:lnSpc>
+              <a:spcBef>
+                <a:spcPts val="0"/>
+              </a:spcBef>
+              <a:spcAft>
+                <a:spcPts val="0"/>
+              </a:spcAft>
+              <a:buClrTx/>
+              <a:buSzPct val="70000"/>
+              <a:buFont typeface="Arial" panose="020B0604020202020204" pitchFamily="34" charset="0"/>
+              <a:buNone/>
+              <a:tabLst/>
+              <a:defRPr/>
+            </a:pPr>
+            <a:r>
+              <a:rPr kumimoji="0" lang="en-US" sz="1100" b="0" i="0" u="none" strike="noStrike" kern="1200" cap="none" spc="0" normalizeH="0" baseline="0" noProof="0" dirty="0">
+                <a:ln>
+                  <a:noFill/>
+                </a:ln>
+                <a:solidFill>
+                  <a:srgbClr val="FFFFFF"/>
+                </a:solidFill>
+                <a:effectLst/>
+                <a:uLnTx/>
+                <a:uFillTx/>
+                <a:latin typeface="Goudy Old Style"/>
+                <a:ea typeface="+mn-ea"/>
+                <a:cs typeface="+mn-cs"/>
+              </a:rPr>
+              <a:t>Section B WhatsApp chats</a:t>
+            </a:r>
+          </a:p>
+          <a:p>
+            <a:pPr marL="228600" marR="0" lvl="0" indent="-228600" algn="l" defTabSz="914400" rtl="0" eaLnBrk="1" fontAlgn="auto" latinLnBrk="0" hangingPunct="1">
+              <a:lnSpc>
+                <a:spcPct val="100000"/>
+              </a:lnSpc>
+              <a:spcBef>
+                <a:spcPts val="0"/>
+              </a:spcBef>
+              <a:spcAft>
+                <a:spcPts val="0"/>
+              </a:spcAft>
+              <a:buClrTx/>
+              <a:buSzPct val="70000"/>
+              <a:buFont typeface="Arial" panose="020B0604020202020204" pitchFamily="34" charset="0"/>
+              <a:buChar char="•"/>
+              <a:tabLst/>
+              <a:defRPr/>
+            </a:pPr>
+            <a:r>
+              <a:rPr kumimoji="0" lang="en-US" sz="1100" b="0" i="0" u="none" strike="noStrike" kern="1200" cap="none" spc="0" normalizeH="0" baseline="0" noProof="0" dirty="0">
+                <a:ln>
+                  <a:noFill/>
+                </a:ln>
+                <a:solidFill>
+                  <a:srgbClr val="FFFFFF"/>
+                </a:solidFill>
+                <a:effectLst/>
+                <a:uLnTx/>
+                <a:uFillTx/>
+                <a:latin typeface="Goudy Old Style"/>
+                <a:ea typeface="+mn-ea"/>
+                <a:cs typeface="+mn-cs"/>
+              </a:rPr>
+              <a:t>Time: 2019-Present</a:t>
+            </a:r>
+          </a:p>
+          <a:p>
+            <a:pPr marL="228600" marR="0" lvl="0" indent="-228600" algn="l" defTabSz="914400" rtl="0" eaLnBrk="1" fontAlgn="auto" latinLnBrk="0" hangingPunct="1">
+              <a:lnSpc>
+                <a:spcPct val="100000"/>
+              </a:lnSpc>
+              <a:spcBef>
+                <a:spcPts val="0"/>
+              </a:spcBef>
+              <a:spcAft>
+                <a:spcPts val="0"/>
+              </a:spcAft>
+              <a:buClrTx/>
+              <a:buSzPct val="70000"/>
+              <a:buFont typeface="Arial" panose="020B0604020202020204" pitchFamily="34" charset="0"/>
+              <a:buChar char="•"/>
+              <a:tabLst/>
+              <a:defRPr/>
+            </a:pPr>
+            <a:r>
+              <a:rPr kumimoji="0" lang="en-US" sz="1100" b="0" i="0" u="none" strike="noStrike" kern="1200" cap="none" spc="0" normalizeH="0" baseline="0" noProof="0" dirty="0">
+                <a:ln>
+                  <a:noFill/>
+                </a:ln>
+                <a:solidFill>
+                  <a:srgbClr val="FFFFFF"/>
+                </a:solidFill>
+                <a:effectLst/>
+                <a:uLnTx/>
+                <a:uFillTx/>
+                <a:latin typeface="Goudy Old Style"/>
+                <a:ea typeface="+mn-ea"/>
+                <a:cs typeface="+mn-cs"/>
+              </a:rPr>
+              <a:t>Messages: 22k</a:t>
+            </a:r>
+          </a:p>
+          <a:p>
+            <a:pPr marL="0" marR="0" lvl="0" indent="0" algn="l" defTabSz="914400" rtl="0" eaLnBrk="1" fontAlgn="auto" latinLnBrk="0" hangingPunct="1">
+              <a:lnSpc>
+                <a:spcPct val="100000"/>
+              </a:lnSpc>
+              <a:spcBef>
+                <a:spcPts val="0"/>
+              </a:spcBef>
+              <a:spcAft>
+                <a:spcPts val="0"/>
+              </a:spcAft>
+              <a:buClrTx/>
+              <a:buSzPct val="70000"/>
+              <a:buFont typeface="Arial" panose="020B0604020202020204" pitchFamily="34" charset="0"/>
+              <a:buNone/>
+              <a:tabLst/>
+              <a:defRPr/>
+            </a:pPr>
+            <a:r>
+              <a:rPr kumimoji="0" lang="en-US" sz="1100" b="0" i="0" u="none" strike="noStrike" kern="1200" cap="none" spc="0" normalizeH="0" baseline="0" noProof="0" dirty="0">
+                <a:ln>
+                  <a:noFill/>
+                </a:ln>
+                <a:solidFill>
+                  <a:srgbClr val="FFFFFF"/>
+                </a:solidFill>
+                <a:effectLst/>
+                <a:uLnTx/>
+                <a:uFillTx/>
+                <a:latin typeface="Goudy Old Style"/>
+                <a:ea typeface="+mn-ea"/>
+                <a:cs typeface="+mn-cs"/>
+              </a:rPr>
+              <a:t>Section A WhatsApp chats</a:t>
+            </a:r>
+          </a:p>
+          <a:p>
+            <a:pPr marL="228600" marR="0" lvl="0" indent="-228600" algn="l" defTabSz="914400" rtl="0" eaLnBrk="1" fontAlgn="auto" latinLnBrk="0" hangingPunct="1">
+              <a:lnSpc>
+                <a:spcPct val="100000"/>
+              </a:lnSpc>
+              <a:spcBef>
+                <a:spcPts val="0"/>
+              </a:spcBef>
+              <a:spcAft>
+                <a:spcPts val="0"/>
+              </a:spcAft>
+              <a:buClrTx/>
+              <a:buSzPct val="70000"/>
+              <a:buFont typeface="Arial" panose="020B0604020202020204" pitchFamily="34" charset="0"/>
+              <a:buChar char="•"/>
+              <a:tabLst/>
+              <a:defRPr/>
+            </a:pPr>
+            <a:r>
+              <a:rPr kumimoji="0" lang="en-US" sz="1100" b="0" i="0" u="none" strike="noStrike" kern="1200" cap="none" spc="0" normalizeH="0" baseline="0" noProof="0" dirty="0">
+                <a:ln>
+                  <a:noFill/>
+                </a:ln>
+                <a:solidFill>
+                  <a:srgbClr val="FFFFFF"/>
+                </a:solidFill>
+                <a:effectLst/>
+                <a:uLnTx/>
+                <a:uFillTx/>
+                <a:latin typeface="Goudy Old Style"/>
+                <a:ea typeface="+mn-ea"/>
+                <a:cs typeface="+mn-cs"/>
+              </a:rPr>
+              <a:t>Time: 2019-Present</a:t>
+            </a:r>
+          </a:p>
+          <a:p>
+            <a:pPr marL="228600" marR="0" lvl="0" indent="-228600" algn="l" defTabSz="914400" rtl="0" eaLnBrk="1" fontAlgn="auto" latinLnBrk="0" hangingPunct="1">
+              <a:lnSpc>
+                <a:spcPct val="100000"/>
+              </a:lnSpc>
+              <a:spcBef>
+                <a:spcPts val="0"/>
+              </a:spcBef>
+              <a:spcAft>
+                <a:spcPts val="0"/>
+              </a:spcAft>
+              <a:buClrTx/>
+              <a:buSzPct val="70000"/>
+              <a:buFont typeface="Arial" panose="020B0604020202020204" pitchFamily="34" charset="0"/>
+              <a:buChar char="•"/>
+              <a:tabLst/>
+              <a:defRPr/>
+            </a:pPr>
+            <a:r>
+              <a:rPr kumimoji="0" lang="en-US" sz="1100" b="0" i="0" u="none" strike="noStrike" kern="1200" cap="none" spc="0" normalizeH="0" baseline="0" noProof="0" dirty="0">
+                <a:ln>
+                  <a:noFill/>
+                </a:ln>
+                <a:solidFill>
+                  <a:srgbClr val="FFFFFF"/>
+                </a:solidFill>
+                <a:effectLst/>
+                <a:uLnTx/>
+                <a:uFillTx/>
+                <a:latin typeface="Goudy Old Style"/>
+                <a:ea typeface="+mn-ea"/>
+                <a:cs typeface="+mn-cs"/>
+              </a:rPr>
+              <a:t>Message: 19k</a:t>
+            </a:r>
+          </a:p>
+        </p:txBody>
+      </p:sp>
+      <p:sp>
+        <p:nvSpPr>
+          <p:cNvPr id="39" name="Content Placeholder 2">
+            <a:extLst>
+              <a:ext uri="{FF2B5EF4-FFF2-40B4-BE49-F238E27FC236}">
+                <a16:creationId xmlns:a16="http://schemas.microsoft.com/office/drawing/2014/main" id="{664680AF-C35F-4975-A0D1-397A6FC797AE}"/>
+              </a:ext>
+            </a:extLst>
+          </p:cNvPr>
+          <p:cNvSpPr txBox="1">
+            <a:spLocks/>
+          </p:cNvSpPr>
+          <p:nvPr/>
+        </p:nvSpPr>
+        <p:spPr>
+          <a:xfrm>
+            <a:off x="9248503" y="5041745"/>
+            <a:ext cx="1539380" cy="289008"/>
+          </a:xfrm>
+          <a:prstGeom prst="rect">
+            <a:avLst/>
+          </a:prstGeom>
+        </p:spPr>
+        <p:txBody>
+          <a:bodyPr vert="horz" lIns="91440" tIns="45720" rIns="91440" bIns="45720" rtlCol="0">
+            <a:normAutofit/>
+          </a:bodyPr>
+          <a:lstStyle>
+            <a:lvl1pPr marL="228600" indent="-228600" algn="l" defTabSz="914400" rtl="0" eaLnBrk="1" latinLnBrk="0" hangingPunct="1">
+              <a:lnSpc>
+                <a:spcPct val="100000"/>
+              </a:lnSpc>
+              <a:spcBef>
+                <a:spcPts val="1000"/>
+              </a:spcBef>
+              <a:buSzPct val="70000"/>
+              <a:buFont typeface="Arial" panose="020B0604020202020204" pitchFamily="34" charset="0"/>
+              <a:buChar char="•"/>
+              <a:defRPr sz="2400" kern="1200">
+                <a:solidFill>
+                  <a:schemeClr val="tx2"/>
+                </a:solidFill>
+                <a:latin typeface="+mj-lt"/>
+                <a:ea typeface="+mn-ea"/>
+                <a:cs typeface="+mn-cs"/>
+              </a:defRPr>
+            </a:lvl1pPr>
+            <a:lvl2pPr marL="685800" indent="-228600" algn="l" defTabSz="914400" rtl="0" eaLnBrk="1" latinLnBrk="0" hangingPunct="1">
+              <a:lnSpc>
+                <a:spcPct val="100000"/>
+              </a:lnSpc>
+              <a:spcBef>
+                <a:spcPts val="500"/>
+              </a:spcBef>
+              <a:buSzPct val="70000"/>
+              <a:buFont typeface="Arial" panose="020B0604020202020204" pitchFamily="34" charset="0"/>
+              <a:buChar char="•"/>
+              <a:defRPr sz="2000" kern="1200">
+                <a:solidFill>
+                  <a:schemeClr val="tx2"/>
+                </a:solidFill>
+                <a:latin typeface="+mj-lt"/>
+                <a:ea typeface="+mn-ea"/>
+                <a:cs typeface="+mn-cs"/>
+              </a:defRPr>
+            </a:lvl2pPr>
+            <a:lvl3pPr marL="1143000" indent="-228600" algn="l" defTabSz="914400" rtl="0" eaLnBrk="1" latinLnBrk="0" hangingPunct="1">
+              <a:lnSpc>
+                <a:spcPct val="100000"/>
+              </a:lnSpc>
+              <a:spcBef>
+                <a:spcPts val="500"/>
+              </a:spcBef>
+              <a:buSzPct val="70000"/>
+              <a:buFont typeface="Arial" panose="020B0604020202020204" pitchFamily="34" charset="0"/>
+              <a:buChar char="•"/>
+              <a:defRPr sz="1800" kern="1200">
+                <a:solidFill>
+                  <a:schemeClr val="tx2"/>
+                </a:solidFill>
+                <a:latin typeface="+mj-lt"/>
+                <a:ea typeface="+mn-ea"/>
+                <a:cs typeface="+mn-cs"/>
+              </a:defRPr>
+            </a:lvl3pPr>
+            <a:lvl4pPr marL="1600200" indent="-228600" algn="l" defTabSz="914400" rtl="0" eaLnBrk="1" latinLnBrk="0" hangingPunct="1">
+              <a:lnSpc>
+                <a:spcPct val="100000"/>
+              </a:lnSpc>
+              <a:spcBef>
+                <a:spcPts val="500"/>
+              </a:spcBef>
+              <a:buSzPct val="70000"/>
+              <a:buFont typeface="Arial" panose="020B0604020202020204" pitchFamily="34" charset="0"/>
+              <a:buChar char="•"/>
+              <a:defRPr sz="1600" kern="1200">
+                <a:solidFill>
+                  <a:schemeClr val="tx2"/>
+                </a:solidFill>
+                <a:latin typeface="+mj-lt"/>
+                <a:ea typeface="+mn-ea"/>
+                <a:cs typeface="+mn-cs"/>
+              </a:defRPr>
+            </a:lvl4pPr>
+            <a:lvl5pPr marL="2057400" indent="-228600" algn="l" defTabSz="914400" rtl="0" eaLnBrk="1" latinLnBrk="0" hangingPunct="1">
+              <a:lnSpc>
+                <a:spcPct val="100000"/>
+              </a:lnSpc>
+              <a:spcBef>
+                <a:spcPts val="500"/>
+              </a:spcBef>
+              <a:buSzPct val="70000"/>
+              <a:buFont typeface="Arial" panose="020B0604020202020204" pitchFamily="34" charset="0"/>
+              <a:buChar char="•"/>
+              <a:defRPr sz="1600" kern="1200">
+                <a:solidFill>
+                  <a:schemeClr val="tx2"/>
+                </a:solidFill>
+                <a:latin typeface="+mj-lt"/>
+                <a:ea typeface="+mn-ea"/>
+                <a:cs typeface="+mn-cs"/>
+              </a:defRPr>
+            </a:lvl5pPr>
+            <a:lvl6pPr marL="2514600" indent="-228600" algn="l" defTabSz="914400" rtl="0" eaLnBrk="1" latinLnBrk="0" hangingPunct="1">
+              <a:lnSpc>
+                <a:spcPct val="90000"/>
+              </a:lnSpc>
+              <a:spcBef>
+                <a:spcPts val="500"/>
+              </a:spcBef>
+              <a:buFont typeface="Arial" panose="020B0604020202020204" pitchFamily="34" charset="0"/>
+              <a:buChar char="•"/>
+              <a:defRPr sz="1800" kern="1200">
+                <a:solidFill>
+                  <a:schemeClr val="tx1"/>
+                </a:solidFill>
+                <a:latin typeface="+mn-lt"/>
+                <a:ea typeface="+mn-ea"/>
+                <a:cs typeface="+mn-cs"/>
+              </a:defRPr>
+            </a:lvl6pPr>
+            <a:lvl7pPr marL="2971800" indent="-228600" algn="l" defTabSz="914400" rtl="0" eaLnBrk="1" latinLnBrk="0" hangingPunct="1">
+              <a:lnSpc>
+                <a:spcPct val="90000"/>
+              </a:lnSpc>
+              <a:spcBef>
+                <a:spcPts val="500"/>
+              </a:spcBef>
+              <a:buFont typeface="Arial" panose="020B0604020202020204" pitchFamily="34" charset="0"/>
+              <a:buChar char="•"/>
+              <a:defRPr sz="1800" kern="1200">
+                <a:solidFill>
+                  <a:schemeClr val="tx1"/>
+                </a:solidFill>
+                <a:latin typeface="+mn-lt"/>
+                <a:ea typeface="+mn-ea"/>
+                <a:cs typeface="+mn-cs"/>
+              </a:defRPr>
+            </a:lvl7pPr>
+            <a:lvl8pPr marL="3429000" indent="-228600" algn="l" defTabSz="914400" rtl="0" eaLnBrk="1" latinLnBrk="0" hangingPunct="1">
+              <a:lnSpc>
+                <a:spcPct val="90000"/>
+              </a:lnSpc>
+              <a:spcBef>
+                <a:spcPts val="500"/>
+              </a:spcBef>
+              <a:buFont typeface="Arial" panose="020B0604020202020204" pitchFamily="34" charset="0"/>
+              <a:buChar char="•"/>
+              <a:defRPr sz="1800" kern="1200">
+                <a:solidFill>
+                  <a:schemeClr val="tx1"/>
+                </a:solidFill>
+                <a:latin typeface="+mn-lt"/>
+                <a:ea typeface="+mn-ea"/>
+                <a:cs typeface="+mn-cs"/>
+              </a:defRPr>
+            </a:lvl8pPr>
+            <a:lvl9pPr marL="3886200" indent="-228600" algn="l" defTabSz="914400" rtl="0" eaLnBrk="1" latinLnBrk="0" hangingPunct="1">
+              <a:lnSpc>
+                <a:spcPct val="90000"/>
+              </a:lnSpc>
+              <a:spcBef>
+                <a:spcPts val="500"/>
+              </a:spcBef>
+              <a:buFont typeface="Arial" panose="020B0604020202020204" pitchFamily="34" charset="0"/>
+              <a:buChar char="•"/>
+              <a:defRPr sz="1800" kern="1200">
+                <a:solidFill>
+                  <a:schemeClr val="tx1"/>
+                </a:solidFill>
+                <a:latin typeface="+mn-lt"/>
+                <a:ea typeface="+mn-ea"/>
+                <a:cs typeface="+mn-cs"/>
+              </a:defRPr>
+            </a:lvl9pPr>
+          </a:lstStyle>
+          <a:p>
+            <a:pPr marL="0" marR="0" lvl="0" indent="0" algn="l" defTabSz="914400" rtl="0" eaLnBrk="1" fontAlgn="auto" latinLnBrk="0" hangingPunct="1">
+              <a:lnSpc>
+                <a:spcPct val="100000"/>
+              </a:lnSpc>
+              <a:spcBef>
+                <a:spcPts val="0"/>
+              </a:spcBef>
+              <a:spcAft>
+                <a:spcPts val="0"/>
+              </a:spcAft>
+              <a:buClrTx/>
+              <a:buSzPct val="70000"/>
+              <a:buFont typeface="Arial" panose="020B0604020202020204" pitchFamily="34" charset="0"/>
+              <a:buNone/>
+              <a:tabLst/>
+              <a:defRPr/>
+            </a:pPr>
+            <a:r>
+              <a:rPr kumimoji="0" lang="en-US" sz="1100" b="0" i="0" u="none" strike="noStrike" kern="1200" cap="none" spc="0" normalizeH="0" baseline="0" noProof="0" dirty="0">
+                <a:ln>
+                  <a:noFill/>
+                </a:ln>
+                <a:solidFill>
+                  <a:srgbClr val="FFFFFF"/>
+                </a:solidFill>
+                <a:effectLst/>
+                <a:uLnTx/>
+                <a:uFillTx/>
+                <a:latin typeface="Goudy Old Style"/>
+                <a:ea typeface="+mn-ea"/>
+                <a:cs typeface="+mn-cs"/>
+              </a:rPr>
+              <a:t>Infrastructure </a:t>
+            </a:r>
+          </a:p>
+          <a:p>
+            <a:pPr marL="228600" marR="0" lvl="0" indent="-228600" algn="l" defTabSz="914400" rtl="0" eaLnBrk="1" fontAlgn="auto" latinLnBrk="0" hangingPunct="1">
+              <a:lnSpc>
+                <a:spcPct val="100000"/>
+              </a:lnSpc>
+              <a:spcBef>
+                <a:spcPts val="1000"/>
+              </a:spcBef>
+              <a:spcAft>
+                <a:spcPts val="0"/>
+              </a:spcAft>
+              <a:buClrTx/>
+              <a:buSzPct val="70000"/>
+              <a:buFont typeface="Arial" panose="020B0604020202020204" pitchFamily="34" charset="0"/>
+              <a:buChar char="•"/>
+              <a:tabLst/>
+              <a:defRPr/>
+            </a:pPr>
+            <a:endParaRPr kumimoji="0" lang="en-US" sz="2400" b="0" i="0" u="none" strike="noStrike" kern="1200" cap="none" spc="0" normalizeH="0" baseline="0" noProof="0" dirty="0">
+              <a:ln>
+                <a:noFill/>
+              </a:ln>
+              <a:solidFill>
+                <a:srgbClr val="301B2B"/>
+              </a:solidFill>
+              <a:effectLst/>
+              <a:uLnTx/>
+              <a:uFillTx/>
+              <a:latin typeface="Goudy Old Style"/>
+              <a:ea typeface="+mn-ea"/>
+              <a:cs typeface="+mn-cs"/>
+            </a:endParaRPr>
+          </a:p>
+        </p:txBody>
+      </p:sp>
+      <p:sp>
+        <p:nvSpPr>
+          <p:cNvPr id="40" name="Content Placeholder 2">
+            <a:extLst>
+              <a:ext uri="{FF2B5EF4-FFF2-40B4-BE49-F238E27FC236}">
+                <a16:creationId xmlns:a16="http://schemas.microsoft.com/office/drawing/2014/main" id="{3D7E6A98-F3F1-4F21-934B-486930470C84}"/>
+              </a:ext>
+            </a:extLst>
+          </p:cNvPr>
+          <p:cNvSpPr txBox="1">
+            <a:spLocks/>
+          </p:cNvSpPr>
+          <p:nvPr/>
+        </p:nvSpPr>
+        <p:spPr>
+          <a:xfrm>
+            <a:off x="9447129" y="5196897"/>
+            <a:ext cx="2412371" cy="653577"/>
+          </a:xfrm>
+          <a:prstGeom prst="rect">
+            <a:avLst/>
+          </a:prstGeom>
+        </p:spPr>
+        <p:txBody>
+          <a:bodyPr vert="horz" lIns="91440" tIns="45720" rIns="91440" bIns="45720" rtlCol="0">
+            <a:normAutofit/>
+          </a:bodyPr>
+          <a:lstStyle>
+            <a:lvl1pPr marL="228600" indent="-228600" algn="l" defTabSz="914400" rtl="0" eaLnBrk="1" latinLnBrk="0" hangingPunct="1">
+              <a:lnSpc>
+                <a:spcPct val="100000"/>
+              </a:lnSpc>
+              <a:spcBef>
+                <a:spcPts val="1000"/>
+              </a:spcBef>
+              <a:buSzPct val="70000"/>
+              <a:buFont typeface="Arial" panose="020B0604020202020204" pitchFamily="34" charset="0"/>
+              <a:buChar char="•"/>
+              <a:defRPr sz="2400" kern="1200">
+                <a:solidFill>
+                  <a:schemeClr val="tx2"/>
+                </a:solidFill>
+                <a:latin typeface="+mj-lt"/>
+                <a:ea typeface="+mn-ea"/>
+                <a:cs typeface="+mn-cs"/>
+              </a:defRPr>
+            </a:lvl1pPr>
+            <a:lvl2pPr marL="685800" indent="-228600" algn="l" defTabSz="914400" rtl="0" eaLnBrk="1" latinLnBrk="0" hangingPunct="1">
+              <a:lnSpc>
+                <a:spcPct val="100000"/>
+              </a:lnSpc>
+              <a:spcBef>
+                <a:spcPts val="500"/>
+              </a:spcBef>
+              <a:buSzPct val="70000"/>
+              <a:buFont typeface="Arial" panose="020B0604020202020204" pitchFamily="34" charset="0"/>
+              <a:buChar char="•"/>
+              <a:defRPr sz="2000" kern="1200">
+                <a:solidFill>
+                  <a:schemeClr val="tx2"/>
+                </a:solidFill>
+                <a:latin typeface="+mj-lt"/>
+                <a:ea typeface="+mn-ea"/>
+                <a:cs typeface="+mn-cs"/>
+              </a:defRPr>
+            </a:lvl2pPr>
+            <a:lvl3pPr marL="1143000" indent="-228600" algn="l" defTabSz="914400" rtl="0" eaLnBrk="1" latinLnBrk="0" hangingPunct="1">
+              <a:lnSpc>
+                <a:spcPct val="100000"/>
+              </a:lnSpc>
+              <a:spcBef>
+                <a:spcPts val="500"/>
+              </a:spcBef>
+              <a:buSzPct val="70000"/>
+              <a:buFont typeface="Arial" panose="020B0604020202020204" pitchFamily="34" charset="0"/>
+              <a:buChar char="•"/>
+              <a:defRPr sz="1800" kern="1200">
+                <a:solidFill>
+                  <a:schemeClr val="tx2"/>
+                </a:solidFill>
+                <a:latin typeface="+mj-lt"/>
+                <a:ea typeface="+mn-ea"/>
+                <a:cs typeface="+mn-cs"/>
+              </a:defRPr>
+            </a:lvl3pPr>
+            <a:lvl4pPr marL="1600200" indent="-228600" algn="l" defTabSz="914400" rtl="0" eaLnBrk="1" latinLnBrk="0" hangingPunct="1">
+              <a:lnSpc>
+                <a:spcPct val="100000"/>
+              </a:lnSpc>
+              <a:spcBef>
+                <a:spcPts val="500"/>
+              </a:spcBef>
+              <a:buSzPct val="70000"/>
+              <a:buFont typeface="Arial" panose="020B0604020202020204" pitchFamily="34" charset="0"/>
+              <a:buChar char="•"/>
+              <a:defRPr sz="1600" kern="1200">
+                <a:solidFill>
+                  <a:schemeClr val="tx2"/>
+                </a:solidFill>
+                <a:latin typeface="+mj-lt"/>
+                <a:ea typeface="+mn-ea"/>
+                <a:cs typeface="+mn-cs"/>
+              </a:defRPr>
+            </a:lvl4pPr>
+            <a:lvl5pPr marL="2057400" indent="-228600" algn="l" defTabSz="914400" rtl="0" eaLnBrk="1" latinLnBrk="0" hangingPunct="1">
+              <a:lnSpc>
+                <a:spcPct val="100000"/>
+              </a:lnSpc>
+              <a:spcBef>
+                <a:spcPts val="500"/>
+              </a:spcBef>
+              <a:buSzPct val="70000"/>
+              <a:buFont typeface="Arial" panose="020B0604020202020204" pitchFamily="34" charset="0"/>
+              <a:buChar char="•"/>
+              <a:defRPr sz="1600" kern="1200">
+                <a:solidFill>
+                  <a:schemeClr val="tx2"/>
+                </a:solidFill>
+                <a:latin typeface="+mj-lt"/>
+                <a:ea typeface="+mn-ea"/>
+                <a:cs typeface="+mn-cs"/>
+              </a:defRPr>
+            </a:lvl5pPr>
+            <a:lvl6pPr marL="2514600" indent="-228600" algn="l" defTabSz="914400" rtl="0" eaLnBrk="1" latinLnBrk="0" hangingPunct="1">
+              <a:lnSpc>
+                <a:spcPct val="90000"/>
+              </a:lnSpc>
+              <a:spcBef>
+                <a:spcPts val="500"/>
+              </a:spcBef>
+              <a:buFont typeface="Arial" panose="020B0604020202020204" pitchFamily="34" charset="0"/>
+              <a:buChar char="•"/>
+              <a:defRPr sz="1800" kern="1200">
+                <a:solidFill>
+                  <a:schemeClr val="tx1"/>
+                </a:solidFill>
+                <a:latin typeface="+mn-lt"/>
+                <a:ea typeface="+mn-ea"/>
+                <a:cs typeface="+mn-cs"/>
+              </a:defRPr>
+            </a:lvl6pPr>
+            <a:lvl7pPr marL="2971800" indent="-228600" algn="l" defTabSz="914400" rtl="0" eaLnBrk="1" latinLnBrk="0" hangingPunct="1">
+              <a:lnSpc>
+                <a:spcPct val="90000"/>
+              </a:lnSpc>
+              <a:spcBef>
+                <a:spcPts val="500"/>
+              </a:spcBef>
+              <a:buFont typeface="Arial" panose="020B0604020202020204" pitchFamily="34" charset="0"/>
+              <a:buChar char="•"/>
+              <a:defRPr sz="1800" kern="1200">
+                <a:solidFill>
+                  <a:schemeClr val="tx1"/>
+                </a:solidFill>
+                <a:latin typeface="+mn-lt"/>
+                <a:ea typeface="+mn-ea"/>
+                <a:cs typeface="+mn-cs"/>
+              </a:defRPr>
+            </a:lvl7pPr>
+            <a:lvl8pPr marL="3429000" indent="-228600" algn="l" defTabSz="914400" rtl="0" eaLnBrk="1" latinLnBrk="0" hangingPunct="1">
+              <a:lnSpc>
+                <a:spcPct val="90000"/>
+              </a:lnSpc>
+              <a:spcBef>
+                <a:spcPts val="500"/>
+              </a:spcBef>
+              <a:buFont typeface="Arial" panose="020B0604020202020204" pitchFamily="34" charset="0"/>
+              <a:buChar char="•"/>
+              <a:defRPr sz="1800" kern="1200">
+                <a:solidFill>
+                  <a:schemeClr val="tx1"/>
+                </a:solidFill>
+                <a:latin typeface="+mn-lt"/>
+                <a:ea typeface="+mn-ea"/>
+                <a:cs typeface="+mn-cs"/>
+              </a:defRPr>
+            </a:lvl8pPr>
+            <a:lvl9pPr marL="3886200" indent="-228600" algn="l" defTabSz="914400" rtl="0" eaLnBrk="1" latinLnBrk="0" hangingPunct="1">
+              <a:lnSpc>
+                <a:spcPct val="90000"/>
+              </a:lnSpc>
+              <a:spcBef>
+                <a:spcPts val="500"/>
+              </a:spcBef>
+              <a:buFont typeface="Arial" panose="020B0604020202020204" pitchFamily="34" charset="0"/>
+              <a:buChar char="•"/>
+              <a:defRPr sz="1800" kern="1200">
+                <a:solidFill>
+                  <a:schemeClr val="tx1"/>
+                </a:solidFill>
+                <a:latin typeface="+mn-lt"/>
+                <a:ea typeface="+mn-ea"/>
+                <a:cs typeface="+mn-cs"/>
+              </a:defRPr>
+            </a:lvl9pPr>
+          </a:lstStyle>
+          <a:p>
+            <a:pPr marL="0" marR="0" lvl="0" indent="0" algn="l" defTabSz="914400" rtl="0" eaLnBrk="1" fontAlgn="auto" latinLnBrk="0" hangingPunct="1">
+              <a:lnSpc>
+                <a:spcPct val="100000"/>
+              </a:lnSpc>
+              <a:spcBef>
+                <a:spcPts val="0"/>
+              </a:spcBef>
+              <a:spcAft>
+                <a:spcPts val="0"/>
+              </a:spcAft>
+              <a:buClrTx/>
+              <a:buSzPct val="70000"/>
+              <a:buFont typeface="Arial" panose="020B0604020202020204" pitchFamily="34" charset="0"/>
+              <a:buNone/>
+              <a:tabLst/>
+              <a:defRPr/>
+            </a:pPr>
+            <a:r>
+              <a:rPr kumimoji="0" lang="en-US" sz="1100" b="0" i="0" u="none" strike="noStrike" kern="1200" cap="none" spc="0" normalizeH="0" baseline="0" noProof="0" dirty="0">
+                <a:ln>
+                  <a:noFill/>
+                </a:ln>
+                <a:solidFill>
+                  <a:srgbClr val="FFFFFF"/>
+                </a:solidFill>
+                <a:effectLst/>
+                <a:uLnTx/>
+                <a:uFillTx/>
+                <a:latin typeface="Goudy Old Style"/>
+                <a:ea typeface="+mn-ea"/>
+                <a:cs typeface="+mn-cs"/>
+              </a:rPr>
+              <a:t>Google </a:t>
+            </a:r>
+            <a:r>
+              <a:rPr kumimoji="0" lang="en-US" sz="1100" b="0" i="0" u="none" strike="noStrike" kern="1200" cap="none" spc="0" normalizeH="0" baseline="0" noProof="0" dirty="0" err="1">
+                <a:ln>
+                  <a:noFill/>
+                </a:ln>
+                <a:solidFill>
+                  <a:srgbClr val="FFFFFF"/>
+                </a:solidFill>
+                <a:effectLst/>
+                <a:uLnTx/>
+                <a:uFillTx/>
+                <a:latin typeface="Goudy Old Style"/>
+                <a:ea typeface="+mn-ea"/>
+                <a:cs typeface="+mn-cs"/>
+              </a:rPr>
+              <a:t>Colab</a:t>
+            </a:r>
+            <a:endParaRPr kumimoji="0" lang="en-US" sz="1100" b="0" i="0" u="none" strike="noStrike" kern="1200" cap="none" spc="0" normalizeH="0" baseline="0" noProof="0" dirty="0">
+              <a:ln>
+                <a:noFill/>
+              </a:ln>
+              <a:solidFill>
+                <a:srgbClr val="FFFFFF"/>
+              </a:solidFill>
+              <a:effectLst/>
+              <a:uLnTx/>
+              <a:uFillTx/>
+              <a:latin typeface="Goudy Old Style"/>
+              <a:ea typeface="+mn-ea"/>
+              <a:cs typeface="+mn-cs"/>
+            </a:endParaRPr>
+          </a:p>
+          <a:p>
+            <a:pPr marL="0" marR="0" lvl="0" indent="0" algn="l" defTabSz="914400" rtl="0" eaLnBrk="1" fontAlgn="auto" latinLnBrk="0" hangingPunct="1">
+              <a:lnSpc>
+                <a:spcPct val="100000"/>
+              </a:lnSpc>
+              <a:spcBef>
+                <a:spcPts val="0"/>
+              </a:spcBef>
+              <a:spcAft>
+                <a:spcPts val="0"/>
+              </a:spcAft>
+              <a:buClrTx/>
+              <a:buSzPct val="70000"/>
+              <a:buFont typeface="Arial" panose="020B0604020202020204" pitchFamily="34" charset="0"/>
+              <a:buNone/>
+              <a:tabLst/>
+              <a:defRPr/>
+            </a:pPr>
+            <a:r>
+              <a:rPr kumimoji="0" lang="en-US" sz="1100" b="0" i="0" u="none" strike="noStrike" kern="1200" cap="none" spc="0" normalizeH="0" baseline="0" noProof="0" dirty="0" err="1">
+                <a:ln>
+                  <a:noFill/>
+                </a:ln>
+                <a:solidFill>
+                  <a:srgbClr val="FFFFFF"/>
+                </a:solidFill>
+                <a:effectLst/>
+                <a:uLnTx/>
+                <a:uFillTx/>
+                <a:latin typeface="Goudy Old Style"/>
+                <a:ea typeface="+mn-ea"/>
+                <a:cs typeface="+mn-cs"/>
+              </a:rPr>
+              <a:t>Github</a:t>
+            </a:r>
+            <a:endParaRPr kumimoji="0" lang="en-US" sz="1100" b="0" i="0" u="none" strike="noStrike" kern="1200" cap="none" spc="0" normalizeH="0" baseline="0" noProof="0" dirty="0">
+              <a:ln>
+                <a:noFill/>
+              </a:ln>
+              <a:solidFill>
+                <a:srgbClr val="FFFFFF"/>
+              </a:solidFill>
+              <a:effectLst/>
+              <a:uLnTx/>
+              <a:uFillTx/>
+              <a:latin typeface="Goudy Old Style"/>
+              <a:ea typeface="+mn-ea"/>
+              <a:cs typeface="+mn-cs"/>
+            </a:endParaRPr>
+          </a:p>
+          <a:p>
+            <a:pPr marL="0" marR="0" lvl="0" indent="0" algn="l" defTabSz="914400" rtl="0" eaLnBrk="1" fontAlgn="auto" latinLnBrk="0" hangingPunct="1">
+              <a:lnSpc>
+                <a:spcPct val="100000"/>
+              </a:lnSpc>
+              <a:spcBef>
+                <a:spcPts val="0"/>
+              </a:spcBef>
+              <a:spcAft>
+                <a:spcPts val="0"/>
+              </a:spcAft>
+              <a:buClrTx/>
+              <a:buSzPct val="70000"/>
+              <a:buFont typeface="Arial" panose="020B0604020202020204" pitchFamily="34" charset="0"/>
+              <a:buNone/>
+              <a:tabLst/>
+              <a:defRPr/>
+            </a:pPr>
+            <a:r>
+              <a:rPr kumimoji="0" lang="en-US" sz="1100" b="0" i="0" u="none" strike="noStrike" kern="1200" cap="none" spc="0" normalizeH="0" baseline="0" noProof="0" dirty="0">
+                <a:ln>
+                  <a:noFill/>
+                </a:ln>
+                <a:solidFill>
+                  <a:srgbClr val="FFFFFF"/>
+                </a:solidFill>
+                <a:effectLst/>
+                <a:uLnTx/>
+                <a:uFillTx/>
+                <a:latin typeface="Goudy Old Style"/>
+                <a:ea typeface="+mn-ea"/>
+                <a:cs typeface="+mn-cs"/>
+              </a:rPr>
+              <a:t>Trello</a:t>
+            </a:r>
+          </a:p>
+        </p:txBody>
+      </p:sp>
+      <p:sp>
+        <p:nvSpPr>
+          <p:cNvPr id="41" name="Rectangle 40">
+            <a:extLst>
+              <a:ext uri="{FF2B5EF4-FFF2-40B4-BE49-F238E27FC236}">
+                <a16:creationId xmlns:a16="http://schemas.microsoft.com/office/drawing/2014/main" id="{DD5862EB-3FC6-4425-BF26-08C76437A95E}"/>
+              </a:ext>
+            </a:extLst>
+          </p:cNvPr>
+          <p:cNvSpPr/>
+          <p:nvPr/>
+        </p:nvSpPr>
+        <p:spPr>
+          <a:xfrm>
+            <a:off x="10043165" y="5779582"/>
+            <a:ext cx="1060264" cy="289008"/>
+          </a:xfrm>
+          <a:prstGeom prst="rect">
+            <a:avLst/>
+          </a:prstGeom>
+        </p:spPr>
+        <p:style>
+          <a:lnRef idx="2">
+            <a:schemeClr val="accent1">
+              <a:shade val="50000"/>
+            </a:schemeClr>
+          </a:lnRef>
+          <a:fillRef idx="1">
+            <a:schemeClr val="accent1"/>
+          </a:fillRef>
+          <a:effectRef idx="0">
+            <a:schemeClr val="accent1"/>
+          </a:effectRef>
+          <a:fontRef idx="minor">
+            <a:schemeClr val="lt1"/>
+          </a:fontRef>
+        </p:style>
+        <p:txBody>
+          <a:bodyPr rtlCol="0" anchor="ctr"/>
+          <a:lstStyle/>
+          <a:p>
+            <a:pPr marL="0" marR="0" lvl="0" indent="0" algn="ctr" defTabSz="914400" rtl="0" eaLnBrk="1" fontAlgn="auto" latinLnBrk="0" hangingPunct="1">
+              <a:lnSpc>
+                <a:spcPct val="100000"/>
+              </a:lnSpc>
+              <a:spcBef>
+                <a:spcPts val="0"/>
+              </a:spcBef>
+              <a:spcAft>
+                <a:spcPts val="0"/>
+              </a:spcAft>
+              <a:buClrTx/>
+              <a:buSzTx/>
+              <a:buFontTx/>
+              <a:buNone/>
+              <a:tabLst/>
+              <a:defRPr/>
+            </a:pPr>
+            <a:r>
+              <a:rPr kumimoji="0" lang="en-US" sz="1200" b="0" i="0" u="none" strike="noStrike" kern="1200" cap="none" spc="0" normalizeH="0" baseline="0" noProof="0" dirty="0">
+                <a:ln>
+                  <a:noFill/>
+                </a:ln>
+                <a:solidFill>
+                  <a:srgbClr val="FFFFFF"/>
+                </a:solidFill>
+                <a:effectLst/>
+                <a:uLnTx/>
+                <a:uFillTx/>
+                <a:latin typeface="Gill Sans MT"/>
+                <a:ea typeface="+mn-ea"/>
+                <a:cs typeface="+mn-cs"/>
+              </a:rPr>
+              <a:t>Network</a:t>
+            </a:r>
+          </a:p>
+        </p:txBody>
+      </p:sp>
+      <p:sp>
+        <p:nvSpPr>
+          <p:cNvPr id="42" name="Content Placeholder 2">
+            <a:extLst>
+              <a:ext uri="{FF2B5EF4-FFF2-40B4-BE49-F238E27FC236}">
+                <a16:creationId xmlns:a16="http://schemas.microsoft.com/office/drawing/2014/main" id="{B7C0E205-0B1A-4D7D-86B4-F74DB6310BE8}"/>
+              </a:ext>
+            </a:extLst>
+          </p:cNvPr>
+          <p:cNvSpPr txBox="1">
+            <a:spLocks/>
+          </p:cNvSpPr>
+          <p:nvPr/>
+        </p:nvSpPr>
+        <p:spPr>
+          <a:xfrm>
+            <a:off x="9248502" y="6068590"/>
+            <a:ext cx="2768301" cy="242701"/>
+          </a:xfrm>
+          <a:prstGeom prst="rect">
+            <a:avLst/>
+          </a:prstGeom>
+        </p:spPr>
+        <p:txBody>
+          <a:bodyPr vert="horz" lIns="91440" tIns="45720" rIns="91440" bIns="45720" rtlCol="0">
+            <a:normAutofit lnSpcReduction="10000"/>
+          </a:bodyPr>
+          <a:lstStyle>
+            <a:lvl1pPr marL="228600" indent="-228600" algn="l" defTabSz="914400" rtl="0" eaLnBrk="1" latinLnBrk="0" hangingPunct="1">
+              <a:lnSpc>
+                <a:spcPct val="100000"/>
+              </a:lnSpc>
+              <a:spcBef>
+                <a:spcPts val="1000"/>
+              </a:spcBef>
+              <a:buSzPct val="70000"/>
+              <a:buFont typeface="Arial" panose="020B0604020202020204" pitchFamily="34" charset="0"/>
+              <a:buChar char="•"/>
+              <a:defRPr sz="2400" kern="1200">
+                <a:solidFill>
+                  <a:schemeClr val="tx2"/>
+                </a:solidFill>
+                <a:latin typeface="+mj-lt"/>
+                <a:ea typeface="+mn-ea"/>
+                <a:cs typeface="+mn-cs"/>
+              </a:defRPr>
+            </a:lvl1pPr>
+            <a:lvl2pPr marL="685800" indent="-228600" algn="l" defTabSz="914400" rtl="0" eaLnBrk="1" latinLnBrk="0" hangingPunct="1">
+              <a:lnSpc>
+                <a:spcPct val="100000"/>
+              </a:lnSpc>
+              <a:spcBef>
+                <a:spcPts val="500"/>
+              </a:spcBef>
+              <a:buSzPct val="70000"/>
+              <a:buFont typeface="Arial" panose="020B0604020202020204" pitchFamily="34" charset="0"/>
+              <a:buChar char="•"/>
+              <a:defRPr sz="2000" kern="1200">
+                <a:solidFill>
+                  <a:schemeClr val="tx2"/>
+                </a:solidFill>
+                <a:latin typeface="+mj-lt"/>
+                <a:ea typeface="+mn-ea"/>
+                <a:cs typeface="+mn-cs"/>
+              </a:defRPr>
+            </a:lvl2pPr>
+            <a:lvl3pPr marL="1143000" indent="-228600" algn="l" defTabSz="914400" rtl="0" eaLnBrk="1" latinLnBrk="0" hangingPunct="1">
+              <a:lnSpc>
+                <a:spcPct val="100000"/>
+              </a:lnSpc>
+              <a:spcBef>
+                <a:spcPts val="500"/>
+              </a:spcBef>
+              <a:buSzPct val="70000"/>
+              <a:buFont typeface="Arial" panose="020B0604020202020204" pitchFamily="34" charset="0"/>
+              <a:buChar char="•"/>
+              <a:defRPr sz="1800" kern="1200">
+                <a:solidFill>
+                  <a:schemeClr val="tx2"/>
+                </a:solidFill>
+                <a:latin typeface="+mj-lt"/>
+                <a:ea typeface="+mn-ea"/>
+                <a:cs typeface="+mn-cs"/>
+              </a:defRPr>
+            </a:lvl3pPr>
+            <a:lvl4pPr marL="1600200" indent="-228600" algn="l" defTabSz="914400" rtl="0" eaLnBrk="1" latinLnBrk="0" hangingPunct="1">
+              <a:lnSpc>
+                <a:spcPct val="100000"/>
+              </a:lnSpc>
+              <a:spcBef>
+                <a:spcPts val="500"/>
+              </a:spcBef>
+              <a:buSzPct val="70000"/>
+              <a:buFont typeface="Arial" panose="020B0604020202020204" pitchFamily="34" charset="0"/>
+              <a:buChar char="•"/>
+              <a:defRPr sz="1600" kern="1200">
+                <a:solidFill>
+                  <a:schemeClr val="tx2"/>
+                </a:solidFill>
+                <a:latin typeface="+mj-lt"/>
+                <a:ea typeface="+mn-ea"/>
+                <a:cs typeface="+mn-cs"/>
+              </a:defRPr>
+            </a:lvl4pPr>
+            <a:lvl5pPr marL="2057400" indent="-228600" algn="l" defTabSz="914400" rtl="0" eaLnBrk="1" latinLnBrk="0" hangingPunct="1">
+              <a:lnSpc>
+                <a:spcPct val="100000"/>
+              </a:lnSpc>
+              <a:spcBef>
+                <a:spcPts val="500"/>
+              </a:spcBef>
+              <a:buSzPct val="70000"/>
+              <a:buFont typeface="Arial" panose="020B0604020202020204" pitchFamily="34" charset="0"/>
+              <a:buChar char="•"/>
+              <a:defRPr sz="1600" kern="1200">
+                <a:solidFill>
+                  <a:schemeClr val="tx2"/>
+                </a:solidFill>
+                <a:latin typeface="+mj-lt"/>
+                <a:ea typeface="+mn-ea"/>
+                <a:cs typeface="+mn-cs"/>
+              </a:defRPr>
+            </a:lvl5pPr>
+            <a:lvl6pPr marL="2514600" indent="-228600" algn="l" defTabSz="914400" rtl="0" eaLnBrk="1" latinLnBrk="0" hangingPunct="1">
+              <a:lnSpc>
+                <a:spcPct val="90000"/>
+              </a:lnSpc>
+              <a:spcBef>
+                <a:spcPts val="500"/>
+              </a:spcBef>
+              <a:buFont typeface="Arial" panose="020B0604020202020204" pitchFamily="34" charset="0"/>
+              <a:buChar char="•"/>
+              <a:defRPr sz="1800" kern="1200">
+                <a:solidFill>
+                  <a:schemeClr val="tx1"/>
+                </a:solidFill>
+                <a:latin typeface="+mn-lt"/>
+                <a:ea typeface="+mn-ea"/>
+                <a:cs typeface="+mn-cs"/>
+              </a:defRPr>
+            </a:lvl6pPr>
+            <a:lvl7pPr marL="2971800" indent="-228600" algn="l" defTabSz="914400" rtl="0" eaLnBrk="1" latinLnBrk="0" hangingPunct="1">
+              <a:lnSpc>
+                <a:spcPct val="90000"/>
+              </a:lnSpc>
+              <a:spcBef>
+                <a:spcPts val="500"/>
+              </a:spcBef>
+              <a:buFont typeface="Arial" panose="020B0604020202020204" pitchFamily="34" charset="0"/>
+              <a:buChar char="•"/>
+              <a:defRPr sz="1800" kern="1200">
+                <a:solidFill>
+                  <a:schemeClr val="tx1"/>
+                </a:solidFill>
+                <a:latin typeface="+mn-lt"/>
+                <a:ea typeface="+mn-ea"/>
+                <a:cs typeface="+mn-cs"/>
+              </a:defRPr>
+            </a:lvl7pPr>
+            <a:lvl8pPr marL="3429000" indent="-228600" algn="l" defTabSz="914400" rtl="0" eaLnBrk="1" latinLnBrk="0" hangingPunct="1">
+              <a:lnSpc>
+                <a:spcPct val="90000"/>
+              </a:lnSpc>
+              <a:spcBef>
+                <a:spcPts val="500"/>
+              </a:spcBef>
+              <a:buFont typeface="Arial" panose="020B0604020202020204" pitchFamily="34" charset="0"/>
+              <a:buChar char="•"/>
+              <a:defRPr sz="1800" kern="1200">
+                <a:solidFill>
+                  <a:schemeClr val="tx1"/>
+                </a:solidFill>
+                <a:latin typeface="+mn-lt"/>
+                <a:ea typeface="+mn-ea"/>
+                <a:cs typeface="+mn-cs"/>
+              </a:defRPr>
+            </a:lvl8pPr>
+            <a:lvl9pPr marL="3886200" indent="-228600" algn="l" defTabSz="914400" rtl="0" eaLnBrk="1" latinLnBrk="0" hangingPunct="1">
+              <a:lnSpc>
+                <a:spcPct val="90000"/>
+              </a:lnSpc>
+              <a:spcBef>
+                <a:spcPts val="500"/>
+              </a:spcBef>
+              <a:buFont typeface="Arial" panose="020B0604020202020204" pitchFamily="34" charset="0"/>
+              <a:buChar char="•"/>
+              <a:defRPr sz="1800" kern="1200">
+                <a:solidFill>
+                  <a:schemeClr val="tx1"/>
+                </a:solidFill>
+                <a:latin typeface="+mn-lt"/>
+                <a:ea typeface="+mn-ea"/>
+                <a:cs typeface="+mn-cs"/>
+              </a:defRPr>
+            </a:lvl9pPr>
+          </a:lstStyle>
+          <a:p>
+            <a:pPr marL="0" marR="0" lvl="0" indent="0" algn="l" defTabSz="914400" rtl="0" eaLnBrk="1" fontAlgn="auto" latinLnBrk="0" hangingPunct="1">
+              <a:lnSpc>
+                <a:spcPct val="100000"/>
+              </a:lnSpc>
+              <a:spcBef>
+                <a:spcPts val="0"/>
+              </a:spcBef>
+              <a:spcAft>
+                <a:spcPts val="0"/>
+              </a:spcAft>
+              <a:buClrTx/>
+              <a:buSzPct val="70000"/>
+              <a:buFont typeface="Arial" panose="020B0604020202020204" pitchFamily="34" charset="0"/>
+              <a:buNone/>
+              <a:tabLst/>
+              <a:defRPr/>
+            </a:pPr>
+            <a:r>
+              <a:rPr kumimoji="0" lang="en-US" sz="1100" b="0" i="0" u="none" strike="noStrike" kern="1200" cap="none" spc="0" normalizeH="0" baseline="0" noProof="0" dirty="0">
+                <a:ln>
+                  <a:noFill/>
+                </a:ln>
+                <a:solidFill>
+                  <a:srgbClr val="FFFFFF"/>
+                </a:solidFill>
+                <a:effectLst/>
+                <a:uLnTx/>
+                <a:uFillTx/>
+                <a:latin typeface="Goudy Old Style"/>
+                <a:ea typeface="+mn-ea"/>
+                <a:cs typeface="+mn-cs"/>
+              </a:rPr>
+              <a:t>Management Leadership for Tomorrow (MLT)</a:t>
+            </a:r>
+          </a:p>
+        </p:txBody>
+      </p:sp>
+      <p:sp>
+        <p:nvSpPr>
+          <p:cNvPr id="43" name="Content Placeholder 2">
+            <a:extLst>
+              <a:ext uri="{FF2B5EF4-FFF2-40B4-BE49-F238E27FC236}">
+                <a16:creationId xmlns:a16="http://schemas.microsoft.com/office/drawing/2014/main" id="{3190D539-6740-459B-B9DC-09F4349A27DA}"/>
+              </a:ext>
+            </a:extLst>
+          </p:cNvPr>
+          <p:cNvSpPr txBox="1">
+            <a:spLocks/>
+          </p:cNvSpPr>
+          <p:nvPr/>
+        </p:nvSpPr>
+        <p:spPr>
+          <a:xfrm>
+            <a:off x="9447129" y="6261522"/>
+            <a:ext cx="2648052" cy="460645"/>
+          </a:xfrm>
+          <a:prstGeom prst="rect">
+            <a:avLst/>
+          </a:prstGeom>
+        </p:spPr>
+        <p:txBody>
+          <a:bodyPr vert="horz" lIns="91440" tIns="45720" rIns="91440" bIns="45720" rtlCol="0">
+            <a:normAutofit/>
+          </a:bodyPr>
+          <a:lstStyle>
+            <a:lvl1pPr marL="228600" indent="-228600" algn="l" defTabSz="914400" rtl="0" eaLnBrk="1" latinLnBrk="0" hangingPunct="1">
+              <a:lnSpc>
+                <a:spcPct val="100000"/>
+              </a:lnSpc>
+              <a:spcBef>
+                <a:spcPts val="1000"/>
+              </a:spcBef>
+              <a:buSzPct val="70000"/>
+              <a:buFont typeface="Arial" panose="020B0604020202020204" pitchFamily="34" charset="0"/>
+              <a:buChar char="•"/>
+              <a:defRPr sz="2400" kern="1200">
+                <a:solidFill>
+                  <a:schemeClr val="tx2"/>
+                </a:solidFill>
+                <a:latin typeface="+mj-lt"/>
+                <a:ea typeface="+mn-ea"/>
+                <a:cs typeface="+mn-cs"/>
+              </a:defRPr>
+            </a:lvl1pPr>
+            <a:lvl2pPr marL="685800" indent="-228600" algn="l" defTabSz="914400" rtl="0" eaLnBrk="1" latinLnBrk="0" hangingPunct="1">
+              <a:lnSpc>
+                <a:spcPct val="100000"/>
+              </a:lnSpc>
+              <a:spcBef>
+                <a:spcPts val="500"/>
+              </a:spcBef>
+              <a:buSzPct val="70000"/>
+              <a:buFont typeface="Arial" panose="020B0604020202020204" pitchFamily="34" charset="0"/>
+              <a:buChar char="•"/>
+              <a:defRPr sz="2000" kern="1200">
+                <a:solidFill>
+                  <a:schemeClr val="tx2"/>
+                </a:solidFill>
+                <a:latin typeface="+mj-lt"/>
+                <a:ea typeface="+mn-ea"/>
+                <a:cs typeface="+mn-cs"/>
+              </a:defRPr>
+            </a:lvl2pPr>
+            <a:lvl3pPr marL="1143000" indent="-228600" algn="l" defTabSz="914400" rtl="0" eaLnBrk="1" latinLnBrk="0" hangingPunct="1">
+              <a:lnSpc>
+                <a:spcPct val="100000"/>
+              </a:lnSpc>
+              <a:spcBef>
+                <a:spcPts val="500"/>
+              </a:spcBef>
+              <a:buSzPct val="70000"/>
+              <a:buFont typeface="Arial" panose="020B0604020202020204" pitchFamily="34" charset="0"/>
+              <a:buChar char="•"/>
+              <a:defRPr sz="1800" kern="1200">
+                <a:solidFill>
+                  <a:schemeClr val="tx2"/>
+                </a:solidFill>
+                <a:latin typeface="+mj-lt"/>
+                <a:ea typeface="+mn-ea"/>
+                <a:cs typeface="+mn-cs"/>
+              </a:defRPr>
+            </a:lvl3pPr>
+            <a:lvl4pPr marL="1600200" indent="-228600" algn="l" defTabSz="914400" rtl="0" eaLnBrk="1" latinLnBrk="0" hangingPunct="1">
+              <a:lnSpc>
+                <a:spcPct val="100000"/>
+              </a:lnSpc>
+              <a:spcBef>
+                <a:spcPts val="500"/>
+              </a:spcBef>
+              <a:buSzPct val="70000"/>
+              <a:buFont typeface="Arial" panose="020B0604020202020204" pitchFamily="34" charset="0"/>
+              <a:buChar char="•"/>
+              <a:defRPr sz="1600" kern="1200">
+                <a:solidFill>
+                  <a:schemeClr val="tx2"/>
+                </a:solidFill>
+                <a:latin typeface="+mj-lt"/>
+                <a:ea typeface="+mn-ea"/>
+                <a:cs typeface="+mn-cs"/>
+              </a:defRPr>
+            </a:lvl4pPr>
+            <a:lvl5pPr marL="2057400" indent="-228600" algn="l" defTabSz="914400" rtl="0" eaLnBrk="1" latinLnBrk="0" hangingPunct="1">
+              <a:lnSpc>
+                <a:spcPct val="100000"/>
+              </a:lnSpc>
+              <a:spcBef>
+                <a:spcPts val="500"/>
+              </a:spcBef>
+              <a:buSzPct val="70000"/>
+              <a:buFont typeface="Arial" panose="020B0604020202020204" pitchFamily="34" charset="0"/>
+              <a:buChar char="•"/>
+              <a:defRPr sz="1600" kern="1200">
+                <a:solidFill>
+                  <a:schemeClr val="tx2"/>
+                </a:solidFill>
+                <a:latin typeface="+mj-lt"/>
+                <a:ea typeface="+mn-ea"/>
+                <a:cs typeface="+mn-cs"/>
+              </a:defRPr>
+            </a:lvl5pPr>
+            <a:lvl6pPr marL="2514600" indent="-228600" algn="l" defTabSz="914400" rtl="0" eaLnBrk="1" latinLnBrk="0" hangingPunct="1">
+              <a:lnSpc>
+                <a:spcPct val="90000"/>
+              </a:lnSpc>
+              <a:spcBef>
+                <a:spcPts val="500"/>
+              </a:spcBef>
+              <a:buFont typeface="Arial" panose="020B0604020202020204" pitchFamily="34" charset="0"/>
+              <a:buChar char="•"/>
+              <a:defRPr sz="1800" kern="1200">
+                <a:solidFill>
+                  <a:schemeClr val="tx1"/>
+                </a:solidFill>
+                <a:latin typeface="+mn-lt"/>
+                <a:ea typeface="+mn-ea"/>
+                <a:cs typeface="+mn-cs"/>
+              </a:defRPr>
+            </a:lvl6pPr>
+            <a:lvl7pPr marL="2971800" indent="-228600" algn="l" defTabSz="914400" rtl="0" eaLnBrk="1" latinLnBrk="0" hangingPunct="1">
+              <a:lnSpc>
+                <a:spcPct val="90000"/>
+              </a:lnSpc>
+              <a:spcBef>
+                <a:spcPts val="500"/>
+              </a:spcBef>
+              <a:buFont typeface="Arial" panose="020B0604020202020204" pitchFamily="34" charset="0"/>
+              <a:buChar char="•"/>
+              <a:defRPr sz="1800" kern="1200">
+                <a:solidFill>
+                  <a:schemeClr val="tx1"/>
+                </a:solidFill>
+                <a:latin typeface="+mn-lt"/>
+                <a:ea typeface="+mn-ea"/>
+                <a:cs typeface="+mn-cs"/>
+              </a:defRPr>
+            </a:lvl7pPr>
+            <a:lvl8pPr marL="3429000" indent="-228600" algn="l" defTabSz="914400" rtl="0" eaLnBrk="1" latinLnBrk="0" hangingPunct="1">
+              <a:lnSpc>
+                <a:spcPct val="90000"/>
+              </a:lnSpc>
+              <a:spcBef>
+                <a:spcPts val="500"/>
+              </a:spcBef>
+              <a:buFont typeface="Arial" panose="020B0604020202020204" pitchFamily="34" charset="0"/>
+              <a:buChar char="•"/>
+              <a:defRPr sz="1800" kern="1200">
+                <a:solidFill>
+                  <a:schemeClr val="tx1"/>
+                </a:solidFill>
+                <a:latin typeface="+mn-lt"/>
+                <a:ea typeface="+mn-ea"/>
+                <a:cs typeface="+mn-cs"/>
+              </a:defRPr>
+            </a:lvl8pPr>
+            <a:lvl9pPr marL="3886200" indent="-228600" algn="l" defTabSz="914400" rtl="0" eaLnBrk="1" latinLnBrk="0" hangingPunct="1">
+              <a:lnSpc>
+                <a:spcPct val="90000"/>
+              </a:lnSpc>
+              <a:spcBef>
+                <a:spcPts val="500"/>
+              </a:spcBef>
+              <a:buFont typeface="Arial" panose="020B0604020202020204" pitchFamily="34" charset="0"/>
+              <a:buChar char="•"/>
+              <a:defRPr sz="1800" kern="1200">
+                <a:solidFill>
+                  <a:schemeClr val="tx1"/>
+                </a:solidFill>
+                <a:latin typeface="+mn-lt"/>
+                <a:ea typeface="+mn-ea"/>
+                <a:cs typeface="+mn-cs"/>
+              </a:defRPr>
+            </a:lvl9pPr>
+          </a:lstStyle>
+          <a:p>
+            <a:pPr marL="0" marR="0" lvl="0" indent="0" algn="l" defTabSz="914400" rtl="0" eaLnBrk="1" fontAlgn="auto" latinLnBrk="0" hangingPunct="1">
+              <a:lnSpc>
+                <a:spcPct val="100000"/>
+              </a:lnSpc>
+              <a:spcBef>
+                <a:spcPts val="0"/>
+              </a:spcBef>
+              <a:spcAft>
+                <a:spcPts val="0"/>
+              </a:spcAft>
+              <a:buClrTx/>
+              <a:buSzPct val="70000"/>
+              <a:buFont typeface="Arial" panose="020B0604020202020204" pitchFamily="34" charset="0"/>
+              <a:buNone/>
+              <a:tabLst/>
+              <a:defRPr/>
+            </a:pPr>
+            <a:r>
+              <a:rPr kumimoji="0" lang="en-US" sz="1100" b="0" i="0" u="none" strike="noStrike" kern="1200" cap="none" spc="0" normalizeH="0" baseline="0" noProof="0" dirty="0">
+                <a:ln>
+                  <a:noFill/>
+                </a:ln>
+                <a:solidFill>
+                  <a:srgbClr val="FFFFFF"/>
+                </a:solidFill>
+                <a:effectLst/>
+                <a:uLnTx/>
+                <a:uFillTx/>
+                <a:latin typeface="Goudy Old Style"/>
+                <a:ea typeface="+mn-ea"/>
+                <a:cs typeface="+mn-cs"/>
+              </a:rPr>
+              <a:t>Global network of 400+ recently graduated MBA students</a:t>
+            </a:r>
+          </a:p>
+        </p:txBody>
+      </p:sp>
+      <p:sp>
+        <p:nvSpPr>
+          <p:cNvPr id="44" name="Rectangle 43">
+            <a:extLst>
+              <a:ext uri="{FF2B5EF4-FFF2-40B4-BE49-F238E27FC236}">
+                <a16:creationId xmlns:a16="http://schemas.microsoft.com/office/drawing/2014/main" id="{86ABDA9B-1253-4CB0-A1FD-BBCB6A97B412}"/>
+              </a:ext>
+            </a:extLst>
+          </p:cNvPr>
+          <p:cNvSpPr/>
+          <p:nvPr/>
+        </p:nvSpPr>
+        <p:spPr>
+          <a:xfrm>
+            <a:off x="5298324" y="3948193"/>
+            <a:ext cx="1742902" cy="289008"/>
+          </a:xfrm>
+          <a:prstGeom prst="rect">
+            <a:avLst/>
+          </a:prstGeom>
+        </p:spPr>
+        <p:style>
+          <a:lnRef idx="2">
+            <a:schemeClr val="accent1">
+              <a:shade val="50000"/>
+            </a:schemeClr>
+          </a:lnRef>
+          <a:fillRef idx="1">
+            <a:schemeClr val="accent1"/>
+          </a:fillRef>
+          <a:effectRef idx="0">
+            <a:schemeClr val="accent1"/>
+          </a:effectRef>
+          <a:fontRef idx="minor">
+            <a:schemeClr val="lt1"/>
+          </a:fontRef>
+        </p:style>
+        <p:txBody>
+          <a:bodyPr rtlCol="0" anchor="ctr"/>
+          <a:lstStyle/>
+          <a:p>
+            <a:pPr marL="0" marR="0" lvl="0" indent="0" algn="ctr" defTabSz="914400" rtl="0" eaLnBrk="1" fontAlgn="auto" latinLnBrk="0" hangingPunct="1">
+              <a:lnSpc>
+                <a:spcPct val="100000"/>
+              </a:lnSpc>
+              <a:spcBef>
+                <a:spcPts val="0"/>
+              </a:spcBef>
+              <a:spcAft>
+                <a:spcPts val="0"/>
+              </a:spcAft>
+              <a:buClrTx/>
+              <a:buSzTx/>
+              <a:buFontTx/>
+              <a:buNone/>
+              <a:tabLst/>
+              <a:defRPr/>
+            </a:pPr>
+            <a:r>
+              <a:rPr kumimoji="0" lang="en-US" sz="1200" b="0" i="0" u="none" strike="noStrike" kern="1200" cap="none" spc="0" normalizeH="0" baseline="0" noProof="0" dirty="0">
+                <a:ln>
+                  <a:noFill/>
+                </a:ln>
+                <a:solidFill>
+                  <a:srgbClr val="FFFFFF"/>
+                </a:solidFill>
+                <a:effectLst/>
+                <a:uLnTx/>
+                <a:uFillTx/>
+                <a:latin typeface="Gill Sans MT"/>
+                <a:ea typeface="+mn-ea"/>
+                <a:cs typeface="+mn-cs"/>
+              </a:rPr>
+              <a:t>Early Adopters</a:t>
+            </a:r>
+          </a:p>
+        </p:txBody>
+      </p:sp>
+      <p:sp>
+        <p:nvSpPr>
+          <p:cNvPr id="45" name="Rectangle 44">
+            <a:extLst>
+              <a:ext uri="{FF2B5EF4-FFF2-40B4-BE49-F238E27FC236}">
+                <a16:creationId xmlns:a16="http://schemas.microsoft.com/office/drawing/2014/main" id="{10C833A0-29C9-4594-8ED3-2B556AE69CC5}"/>
+              </a:ext>
+            </a:extLst>
+          </p:cNvPr>
+          <p:cNvSpPr/>
+          <p:nvPr/>
+        </p:nvSpPr>
+        <p:spPr>
+          <a:xfrm>
+            <a:off x="223645" y="3948193"/>
+            <a:ext cx="1742902" cy="289008"/>
+          </a:xfrm>
+          <a:prstGeom prst="rect">
+            <a:avLst/>
+          </a:prstGeom>
+        </p:spPr>
+        <p:style>
+          <a:lnRef idx="2">
+            <a:schemeClr val="accent1">
+              <a:shade val="50000"/>
+            </a:schemeClr>
+          </a:lnRef>
+          <a:fillRef idx="1">
+            <a:schemeClr val="accent1"/>
+          </a:fillRef>
+          <a:effectRef idx="0">
+            <a:schemeClr val="accent1"/>
+          </a:effectRef>
+          <a:fontRef idx="minor">
+            <a:schemeClr val="lt1"/>
+          </a:fontRef>
+        </p:style>
+        <p:txBody>
+          <a:bodyPr rtlCol="0" anchor="ctr"/>
+          <a:lstStyle/>
+          <a:p>
+            <a:pPr marL="0" marR="0" lvl="0" indent="0" algn="ctr" defTabSz="914400" rtl="0" eaLnBrk="1" fontAlgn="auto" latinLnBrk="0" hangingPunct="1">
+              <a:lnSpc>
+                <a:spcPct val="100000"/>
+              </a:lnSpc>
+              <a:spcBef>
+                <a:spcPts val="0"/>
+              </a:spcBef>
+              <a:spcAft>
+                <a:spcPts val="0"/>
+              </a:spcAft>
+              <a:buClrTx/>
+              <a:buSzTx/>
+              <a:buFontTx/>
+              <a:buNone/>
+              <a:tabLst/>
+              <a:defRPr/>
+            </a:pPr>
+            <a:r>
+              <a:rPr kumimoji="0" lang="en-US" sz="1200" b="0" i="0" u="none" strike="noStrike" kern="1200" cap="none" spc="0" normalizeH="0" baseline="0" noProof="0" dirty="0">
+                <a:ln>
+                  <a:noFill/>
+                </a:ln>
+                <a:solidFill>
+                  <a:srgbClr val="FFFFFF"/>
+                </a:solidFill>
+                <a:effectLst/>
+                <a:uLnTx/>
+                <a:uFillTx/>
+                <a:latin typeface="Gill Sans MT"/>
+                <a:ea typeface="+mn-ea"/>
+                <a:cs typeface="+mn-cs"/>
+              </a:rPr>
+              <a:t>Growth Deliverables</a:t>
+            </a:r>
+          </a:p>
+        </p:txBody>
+      </p:sp>
+      <p:sp>
+        <p:nvSpPr>
+          <p:cNvPr id="46" name="Content Placeholder 2">
+            <a:extLst>
+              <a:ext uri="{FF2B5EF4-FFF2-40B4-BE49-F238E27FC236}">
+                <a16:creationId xmlns:a16="http://schemas.microsoft.com/office/drawing/2014/main" id="{E7063940-4B83-4869-A8AD-4FDAFFB15FF0}"/>
+              </a:ext>
+            </a:extLst>
+          </p:cNvPr>
+          <p:cNvSpPr txBox="1">
+            <a:spLocks/>
+          </p:cNvSpPr>
+          <p:nvPr/>
+        </p:nvSpPr>
+        <p:spPr>
+          <a:xfrm>
+            <a:off x="5316090" y="4343756"/>
+            <a:ext cx="3654344" cy="1097943"/>
+          </a:xfrm>
+          <a:prstGeom prst="rect">
+            <a:avLst/>
+          </a:prstGeom>
+        </p:spPr>
+        <p:txBody>
+          <a:bodyPr vert="horz" lIns="91440" tIns="45720" rIns="91440" bIns="45720" rtlCol="0">
+            <a:normAutofit/>
+          </a:bodyPr>
+          <a:lstStyle>
+            <a:lvl1pPr marL="228600" indent="-228600" algn="l" defTabSz="914400" rtl="0" eaLnBrk="1" latinLnBrk="0" hangingPunct="1">
+              <a:lnSpc>
+                <a:spcPct val="100000"/>
+              </a:lnSpc>
+              <a:spcBef>
+                <a:spcPts val="1000"/>
+              </a:spcBef>
+              <a:buSzPct val="70000"/>
+              <a:buFont typeface="Arial" panose="020B0604020202020204" pitchFamily="34" charset="0"/>
+              <a:buChar char="•"/>
+              <a:defRPr sz="2400" kern="1200">
+                <a:solidFill>
+                  <a:schemeClr val="tx2"/>
+                </a:solidFill>
+                <a:latin typeface="+mj-lt"/>
+                <a:ea typeface="+mn-ea"/>
+                <a:cs typeface="+mn-cs"/>
+              </a:defRPr>
+            </a:lvl1pPr>
+            <a:lvl2pPr marL="685800" indent="-228600" algn="l" defTabSz="914400" rtl="0" eaLnBrk="1" latinLnBrk="0" hangingPunct="1">
+              <a:lnSpc>
+                <a:spcPct val="100000"/>
+              </a:lnSpc>
+              <a:spcBef>
+                <a:spcPts val="500"/>
+              </a:spcBef>
+              <a:buSzPct val="70000"/>
+              <a:buFont typeface="Arial" panose="020B0604020202020204" pitchFamily="34" charset="0"/>
+              <a:buChar char="•"/>
+              <a:defRPr sz="2000" kern="1200">
+                <a:solidFill>
+                  <a:schemeClr val="tx2"/>
+                </a:solidFill>
+                <a:latin typeface="+mj-lt"/>
+                <a:ea typeface="+mn-ea"/>
+                <a:cs typeface="+mn-cs"/>
+              </a:defRPr>
+            </a:lvl2pPr>
+            <a:lvl3pPr marL="1143000" indent="-228600" algn="l" defTabSz="914400" rtl="0" eaLnBrk="1" latinLnBrk="0" hangingPunct="1">
+              <a:lnSpc>
+                <a:spcPct val="100000"/>
+              </a:lnSpc>
+              <a:spcBef>
+                <a:spcPts val="500"/>
+              </a:spcBef>
+              <a:buSzPct val="70000"/>
+              <a:buFont typeface="Arial" panose="020B0604020202020204" pitchFamily="34" charset="0"/>
+              <a:buChar char="•"/>
+              <a:defRPr sz="1800" kern="1200">
+                <a:solidFill>
+                  <a:schemeClr val="tx2"/>
+                </a:solidFill>
+                <a:latin typeface="+mj-lt"/>
+                <a:ea typeface="+mn-ea"/>
+                <a:cs typeface="+mn-cs"/>
+              </a:defRPr>
+            </a:lvl3pPr>
+            <a:lvl4pPr marL="1600200" indent="-228600" algn="l" defTabSz="914400" rtl="0" eaLnBrk="1" latinLnBrk="0" hangingPunct="1">
+              <a:lnSpc>
+                <a:spcPct val="100000"/>
+              </a:lnSpc>
+              <a:spcBef>
+                <a:spcPts val="500"/>
+              </a:spcBef>
+              <a:buSzPct val="70000"/>
+              <a:buFont typeface="Arial" panose="020B0604020202020204" pitchFamily="34" charset="0"/>
+              <a:buChar char="•"/>
+              <a:defRPr sz="1600" kern="1200">
+                <a:solidFill>
+                  <a:schemeClr val="tx2"/>
+                </a:solidFill>
+                <a:latin typeface="+mj-lt"/>
+                <a:ea typeface="+mn-ea"/>
+                <a:cs typeface="+mn-cs"/>
+              </a:defRPr>
+            </a:lvl4pPr>
+            <a:lvl5pPr marL="2057400" indent="-228600" algn="l" defTabSz="914400" rtl="0" eaLnBrk="1" latinLnBrk="0" hangingPunct="1">
+              <a:lnSpc>
+                <a:spcPct val="100000"/>
+              </a:lnSpc>
+              <a:spcBef>
+                <a:spcPts val="500"/>
+              </a:spcBef>
+              <a:buSzPct val="70000"/>
+              <a:buFont typeface="Arial" panose="020B0604020202020204" pitchFamily="34" charset="0"/>
+              <a:buChar char="•"/>
+              <a:defRPr sz="1600" kern="1200">
+                <a:solidFill>
+                  <a:schemeClr val="tx2"/>
+                </a:solidFill>
+                <a:latin typeface="+mj-lt"/>
+                <a:ea typeface="+mn-ea"/>
+                <a:cs typeface="+mn-cs"/>
+              </a:defRPr>
+            </a:lvl5pPr>
+            <a:lvl6pPr marL="2514600" indent="-228600" algn="l" defTabSz="914400" rtl="0" eaLnBrk="1" latinLnBrk="0" hangingPunct="1">
+              <a:lnSpc>
+                <a:spcPct val="90000"/>
+              </a:lnSpc>
+              <a:spcBef>
+                <a:spcPts val="500"/>
+              </a:spcBef>
+              <a:buFont typeface="Arial" panose="020B0604020202020204" pitchFamily="34" charset="0"/>
+              <a:buChar char="•"/>
+              <a:defRPr sz="1800" kern="1200">
+                <a:solidFill>
+                  <a:schemeClr val="tx1"/>
+                </a:solidFill>
+                <a:latin typeface="+mn-lt"/>
+                <a:ea typeface="+mn-ea"/>
+                <a:cs typeface="+mn-cs"/>
+              </a:defRPr>
+            </a:lvl6pPr>
+            <a:lvl7pPr marL="2971800" indent="-228600" algn="l" defTabSz="914400" rtl="0" eaLnBrk="1" latinLnBrk="0" hangingPunct="1">
+              <a:lnSpc>
+                <a:spcPct val="90000"/>
+              </a:lnSpc>
+              <a:spcBef>
+                <a:spcPts val="500"/>
+              </a:spcBef>
+              <a:buFont typeface="Arial" panose="020B0604020202020204" pitchFamily="34" charset="0"/>
+              <a:buChar char="•"/>
+              <a:defRPr sz="1800" kern="1200">
+                <a:solidFill>
+                  <a:schemeClr val="tx1"/>
+                </a:solidFill>
+                <a:latin typeface="+mn-lt"/>
+                <a:ea typeface="+mn-ea"/>
+                <a:cs typeface="+mn-cs"/>
+              </a:defRPr>
+            </a:lvl7pPr>
+            <a:lvl8pPr marL="3429000" indent="-228600" algn="l" defTabSz="914400" rtl="0" eaLnBrk="1" latinLnBrk="0" hangingPunct="1">
+              <a:lnSpc>
+                <a:spcPct val="90000"/>
+              </a:lnSpc>
+              <a:spcBef>
+                <a:spcPts val="500"/>
+              </a:spcBef>
+              <a:buFont typeface="Arial" panose="020B0604020202020204" pitchFamily="34" charset="0"/>
+              <a:buChar char="•"/>
+              <a:defRPr sz="1800" kern="1200">
+                <a:solidFill>
+                  <a:schemeClr val="tx1"/>
+                </a:solidFill>
+                <a:latin typeface="+mn-lt"/>
+                <a:ea typeface="+mn-ea"/>
+                <a:cs typeface="+mn-cs"/>
+              </a:defRPr>
+            </a:lvl8pPr>
+            <a:lvl9pPr marL="3886200" indent="-228600" algn="l" defTabSz="914400" rtl="0" eaLnBrk="1" latinLnBrk="0" hangingPunct="1">
+              <a:lnSpc>
+                <a:spcPct val="90000"/>
+              </a:lnSpc>
+              <a:spcBef>
+                <a:spcPts val="500"/>
+              </a:spcBef>
+              <a:buFont typeface="Arial" panose="020B0604020202020204" pitchFamily="34" charset="0"/>
+              <a:buChar char="•"/>
+              <a:defRPr sz="1800" kern="1200">
+                <a:solidFill>
+                  <a:schemeClr val="tx1"/>
+                </a:solidFill>
+                <a:latin typeface="+mn-lt"/>
+                <a:ea typeface="+mn-ea"/>
+                <a:cs typeface="+mn-cs"/>
+              </a:defRPr>
+            </a:lvl9pPr>
+          </a:lstStyle>
+          <a:p>
+            <a:pPr marL="0" marR="0" lvl="0" indent="0" algn="l" defTabSz="914400" rtl="0" eaLnBrk="1" fontAlgn="auto" latinLnBrk="0" hangingPunct="1">
+              <a:lnSpc>
+                <a:spcPct val="100000"/>
+              </a:lnSpc>
+              <a:spcBef>
+                <a:spcPts val="0"/>
+              </a:spcBef>
+              <a:spcAft>
+                <a:spcPts val="0"/>
+              </a:spcAft>
+              <a:buClrTx/>
+              <a:buSzPct val="70000"/>
+              <a:buFont typeface="Arial" panose="020B0604020202020204" pitchFamily="34" charset="0"/>
+              <a:buNone/>
+              <a:tabLst/>
+              <a:defRPr/>
+            </a:pPr>
+            <a:r>
+              <a:rPr kumimoji="0" lang="en-US" sz="1100" b="0" i="0" u="none" strike="noStrike" kern="1200" cap="none" spc="0" normalizeH="0" baseline="0" noProof="0" dirty="0">
+                <a:ln>
+                  <a:noFill/>
+                </a:ln>
+                <a:solidFill>
+                  <a:srgbClr val="FFFFFF"/>
+                </a:solidFill>
+                <a:effectLst/>
+                <a:uLnTx/>
+                <a:uFillTx/>
+                <a:latin typeface="Goudy Old Style"/>
+                <a:ea typeface="+mn-ea"/>
+                <a:cs typeface="+mn-cs"/>
+              </a:rPr>
+              <a:t>USERS</a:t>
+            </a:r>
+          </a:p>
+          <a:p>
+            <a:pPr marL="228600" marR="0" lvl="0" indent="-228600" algn="l" defTabSz="914400" rtl="0" eaLnBrk="1" fontAlgn="auto" latinLnBrk="0" hangingPunct="1">
+              <a:lnSpc>
+                <a:spcPct val="100000"/>
+              </a:lnSpc>
+              <a:spcBef>
+                <a:spcPts val="0"/>
+              </a:spcBef>
+              <a:spcAft>
+                <a:spcPts val="0"/>
+              </a:spcAft>
+              <a:buClrTx/>
+              <a:buSzPct val="70000"/>
+              <a:buFont typeface="Arial" panose="020B0604020202020204" pitchFamily="34" charset="0"/>
+              <a:buChar char="•"/>
+              <a:tabLst/>
+              <a:defRPr/>
+            </a:pPr>
+            <a:r>
+              <a:rPr kumimoji="0" lang="en-US" sz="1100" b="0" i="0" u="none" strike="noStrike" kern="1200" cap="none" spc="0" normalizeH="0" baseline="0" noProof="0" dirty="0">
+                <a:ln>
+                  <a:noFill/>
+                </a:ln>
+                <a:solidFill>
+                  <a:srgbClr val="FFFFFF"/>
+                </a:solidFill>
+                <a:effectLst/>
+                <a:uLnTx/>
+                <a:uFillTx/>
+                <a:latin typeface="Goudy Old Style"/>
+                <a:ea typeface="+mn-ea"/>
+                <a:cs typeface="+mn-cs"/>
+              </a:rPr>
+              <a:t>Students in Sections C, D, and E already showing interest in seeing similar analytics</a:t>
+            </a:r>
+          </a:p>
+          <a:p>
+            <a:pPr marL="228600" marR="0" lvl="0" indent="-228600" algn="l" defTabSz="914400" rtl="0" eaLnBrk="1" fontAlgn="auto" latinLnBrk="0" hangingPunct="1">
+              <a:lnSpc>
+                <a:spcPct val="100000"/>
+              </a:lnSpc>
+              <a:spcBef>
+                <a:spcPts val="0"/>
+              </a:spcBef>
+              <a:spcAft>
+                <a:spcPts val="0"/>
+              </a:spcAft>
+              <a:buClrTx/>
+              <a:buSzPct val="70000"/>
+              <a:buFont typeface="Arial" panose="020B0604020202020204" pitchFamily="34" charset="0"/>
+              <a:buChar char="•"/>
+              <a:tabLst/>
+              <a:defRPr/>
+            </a:pPr>
+            <a:r>
+              <a:rPr kumimoji="0" lang="en-US" sz="1100" b="0" i="0" u="none" strike="noStrike" kern="1200" cap="none" spc="0" normalizeH="0" baseline="0" noProof="0" dirty="0">
+                <a:ln>
+                  <a:noFill/>
+                </a:ln>
+                <a:solidFill>
+                  <a:srgbClr val="FFFFFF"/>
+                </a:solidFill>
+                <a:effectLst/>
+                <a:uLnTx/>
+                <a:uFillTx/>
+                <a:latin typeface="Goudy Old Style"/>
+                <a:ea typeface="+mn-ea"/>
+                <a:cs typeface="+mn-cs"/>
+              </a:rPr>
+              <a:t>Analytically minded students entering the MBA</a:t>
+            </a:r>
+          </a:p>
+          <a:p>
+            <a:pPr marL="228600" marR="0" lvl="0" indent="-228600" algn="l" defTabSz="914400" rtl="0" eaLnBrk="1" fontAlgn="auto" latinLnBrk="0" hangingPunct="1">
+              <a:lnSpc>
+                <a:spcPct val="100000"/>
+              </a:lnSpc>
+              <a:spcBef>
+                <a:spcPts val="0"/>
+              </a:spcBef>
+              <a:spcAft>
+                <a:spcPts val="0"/>
+              </a:spcAft>
+              <a:buClrTx/>
+              <a:buSzPct val="70000"/>
+              <a:buFont typeface="Arial" panose="020B0604020202020204" pitchFamily="34" charset="0"/>
+              <a:buChar char="•"/>
+              <a:tabLst/>
+              <a:defRPr/>
+            </a:pPr>
+            <a:r>
+              <a:rPr kumimoji="0" lang="en-US" sz="1100" b="0" i="0" u="none" strike="noStrike" kern="1200" cap="none" spc="0" normalizeH="0" baseline="0" noProof="0" dirty="0">
+                <a:ln>
+                  <a:noFill/>
+                </a:ln>
+                <a:solidFill>
+                  <a:srgbClr val="FFFFFF"/>
+                </a:solidFill>
+                <a:effectLst/>
+                <a:uLnTx/>
+                <a:uFillTx/>
+                <a:latin typeface="Goudy Old Style"/>
+                <a:ea typeface="+mn-ea"/>
+                <a:cs typeface="+mn-cs"/>
+              </a:rPr>
+              <a:t>POWER class and professor analyzing student interactions</a:t>
+            </a:r>
+          </a:p>
+        </p:txBody>
+      </p:sp>
+      <p:sp>
+        <p:nvSpPr>
+          <p:cNvPr id="47" name="Content Placeholder 2">
+            <a:extLst>
+              <a:ext uri="{FF2B5EF4-FFF2-40B4-BE49-F238E27FC236}">
+                <a16:creationId xmlns:a16="http://schemas.microsoft.com/office/drawing/2014/main" id="{283F79BD-8B23-426F-9054-F5D3C1C3D3C6}"/>
+              </a:ext>
+            </a:extLst>
+          </p:cNvPr>
+          <p:cNvSpPr txBox="1">
+            <a:spLocks/>
+          </p:cNvSpPr>
+          <p:nvPr/>
+        </p:nvSpPr>
+        <p:spPr>
+          <a:xfrm>
+            <a:off x="5305533" y="5441699"/>
+            <a:ext cx="3654344" cy="1097943"/>
+          </a:xfrm>
+          <a:prstGeom prst="rect">
+            <a:avLst/>
+          </a:prstGeom>
+        </p:spPr>
+        <p:txBody>
+          <a:bodyPr vert="horz" lIns="91440" tIns="45720" rIns="91440" bIns="45720" rtlCol="0">
+            <a:normAutofit/>
+          </a:bodyPr>
+          <a:lstStyle>
+            <a:lvl1pPr marL="228600" indent="-228600" algn="l" defTabSz="914400" rtl="0" eaLnBrk="1" latinLnBrk="0" hangingPunct="1">
+              <a:lnSpc>
+                <a:spcPct val="100000"/>
+              </a:lnSpc>
+              <a:spcBef>
+                <a:spcPts val="1000"/>
+              </a:spcBef>
+              <a:buSzPct val="70000"/>
+              <a:buFont typeface="Arial" panose="020B0604020202020204" pitchFamily="34" charset="0"/>
+              <a:buChar char="•"/>
+              <a:defRPr sz="2400" kern="1200">
+                <a:solidFill>
+                  <a:schemeClr val="tx2"/>
+                </a:solidFill>
+                <a:latin typeface="+mj-lt"/>
+                <a:ea typeface="+mn-ea"/>
+                <a:cs typeface="+mn-cs"/>
+              </a:defRPr>
+            </a:lvl1pPr>
+            <a:lvl2pPr marL="685800" indent="-228600" algn="l" defTabSz="914400" rtl="0" eaLnBrk="1" latinLnBrk="0" hangingPunct="1">
+              <a:lnSpc>
+                <a:spcPct val="100000"/>
+              </a:lnSpc>
+              <a:spcBef>
+                <a:spcPts val="500"/>
+              </a:spcBef>
+              <a:buSzPct val="70000"/>
+              <a:buFont typeface="Arial" panose="020B0604020202020204" pitchFamily="34" charset="0"/>
+              <a:buChar char="•"/>
+              <a:defRPr sz="2000" kern="1200">
+                <a:solidFill>
+                  <a:schemeClr val="tx2"/>
+                </a:solidFill>
+                <a:latin typeface="+mj-lt"/>
+                <a:ea typeface="+mn-ea"/>
+                <a:cs typeface="+mn-cs"/>
+              </a:defRPr>
+            </a:lvl2pPr>
+            <a:lvl3pPr marL="1143000" indent="-228600" algn="l" defTabSz="914400" rtl="0" eaLnBrk="1" latinLnBrk="0" hangingPunct="1">
+              <a:lnSpc>
+                <a:spcPct val="100000"/>
+              </a:lnSpc>
+              <a:spcBef>
+                <a:spcPts val="500"/>
+              </a:spcBef>
+              <a:buSzPct val="70000"/>
+              <a:buFont typeface="Arial" panose="020B0604020202020204" pitchFamily="34" charset="0"/>
+              <a:buChar char="•"/>
+              <a:defRPr sz="1800" kern="1200">
+                <a:solidFill>
+                  <a:schemeClr val="tx2"/>
+                </a:solidFill>
+                <a:latin typeface="+mj-lt"/>
+                <a:ea typeface="+mn-ea"/>
+                <a:cs typeface="+mn-cs"/>
+              </a:defRPr>
+            </a:lvl3pPr>
+            <a:lvl4pPr marL="1600200" indent="-228600" algn="l" defTabSz="914400" rtl="0" eaLnBrk="1" latinLnBrk="0" hangingPunct="1">
+              <a:lnSpc>
+                <a:spcPct val="100000"/>
+              </a:lnSpc>
+              <a:spcBef>
+                <a:spcPts val="500"/>
+              </a:spcBef>
+              <a:buSzPct val="70000"/>
+              <a:buFont typeface="Arial" panose="020B0604020202020204" pitchFamily="34" charset="0"/>
+              <a:buChar char="•"/>
+              <a:defRPr sz="1600" kern="1200">
+                <a:solidFill>
+                  <a:schemeClr val="tx2"/>
+                </a:solidFill>
+                <a:latin typeface="+mj-lt"/>
+                <a:ea typeface="+mn-ea"/>
+                <a:cs typeface="+mn-cs"/>
+              </a:defRPr>
+            </a:lvl4pPr>
+            <a:lvl5pPr marL="2057400" indent="-228600" algn="l" defTabSz="914400" rtl="0" eaLnBrk="1" latinLnBrk="0" hangingPunct="1">
+              <a:lnSpc>
+                <a:spcPct val="100000"/>
+              </a:lnSpc>
+              <a:spcBef>
+                <a:spcPts val="500"/>
+              </a:spcBef>
+              <a:buSzPct val="70000"/>
+              <a:buFont typeface="Arial" panose="020B0604020202020204" pitchFamily="34" charset="0"/>
+              <a:buChar char="•"/>
+              <a:defRPr sz="1600" kern="1200">
+                <a:solidFill>
+                  <a:schemeClr val="tx2"/>
+                </a:solidFill>
+                <a:latin typeface="+mj-lt"/>
+                <a:ea typeface="+mn-ea"/>
+                <a:cs typeface="+mn-cs"/>
+              </a:defRPr>
+            </a:lvl5pPr>
+            <a:lvl6pPr marL="2514600" indent="-228600" algn="l" defTabSz="914400" rtl="0" eaLnBrk="1" latinLnBrk="0" hangingPunct="1">
+              <a:lnSpc>
+                <a:spcPct val="90000"/>
+              </a:lnSpc>
+              <a:spcBef>
+                <a:spcPts val="500"/>
+              </a:spcBef>
+              <a:buFont typeface="Arial" panose="020B0604020202020204" pitchFamily="34" charset="0"/>
+              <a:buChar char="•"/>
+              <a:defRPr sz="1800" kern="1200">
+                <a:solidFill>
+                  <a:schemeClr val="tx1"/>
+                </a:solidFill>
+                <a:latin typeface="+mn-lt"/>
+                <a:ea typeface="+mn-ea"/>
+                <a:cs typeface="+mn-cs"/>
+              </a:defRPr>
+            </a:lvl6pPr>
+            <a:lvl7pPr marL="2971800" indent="-228600" algn="l" defTabSz="914400" rtl="0" eaLnBrk="1" latinLnBrk="0" hangingPunct="1">
+              <a:lnSpc>
+                <a:spcPct val="90000"/>
+              </a:lnSpc>
+              <a:spcBef>
+                <a:spcPts val="500"/>
+              </a:spcBef>
+              <a:buFont typeface="Arial" panose="020B0604020202020204" pitchFamily="34" charset="0"/>
+              <a:buChar char="•"/>
+              <a:defRPr sz="1800" kern="1200">
+                <a:solidFill>
+                  <a:schemeClr val="tx1"/>
+                </a:solidFill>
+                <a:latin typeface="+mn-lt"/>
+                <a:ea typeface="+mn-ea"/>
+                <a:cs typeface="+mn-cs"/>
+              </a:defRPr>
+            </a:lvl7pPr>
+            <a:lvl8pPr marL="3429000" indent="-228600" algn="l" defTabSz="914400" rtl="0" eaLnBrk="1" latinLnBrk="0" hangingPunct="1">
+              <a:lnSpc>
+                <a:spcPct val="90000"/>
+              </a:lnSpc>
+              <a:spcBef>
+                <a:spcPts val="500"/>
+              </a:spcBef>
+              <a:buFont typeface="Arial" panose="020B0604020202020204" pitchFamily="34" charset="0"/>
+              <a:buChar char="•"/>
+              <a:defRPr sz="1800" kern="1200">
+                <a:solidFill>
+                  <a:schemeClr val="tx1"/>
+                </a:solidFill>
+                <a:latin typeface="+mn-lt"/>
+                <a:ea typeface="+mn-ea"/>
+                <a:cs typeface="+mn-cs"/>
+              </a:defRPr>
+            </a:lvl8pPr>
+            <a:lvl9pPr marL="3886200" indent="-228600" algn="l" defTabSz="914400" rtl="0" eaLnBrk="1" latinLnBrk="0" hangingPunct="1">
+              <a:lnSpc>
+                <a:spcPct val="90000"/>
+              </a:lnSpc>
+              <a:spcBef>
+                <a:spcPts val="500"/>
+              </a:spcBef>
+              <a:buFont typeface="Arial" panose="020B0604020202020204" pitchFamily="34" charset="0"/>
+              <a:buChar char="•"/>
+              <a:defRPr sz="1800" kern="1200">
+                <a:solidFill>
+                  <a:schemeClr val="tx1"/>
+                </a:solidFill>
+                <a:latin typeface="+mn-lt"/>
+                <a:ea typeface="+mn-ea"/>
+                <a:cs typeface="+mn-cs"/>
+              </a:defRPr>
+            </a:lvl9pPr>
+          </a:lstStyle>
+          <a:p>
+            <a:pPr marL="0" marR="0" lvl="0" indent="0" algn="l" defTabSz="914400" rtl="0" eaLnBrk="1" fontAlgn="auto" latinLnBrk="0" hangingPunct="1">
+              <a:lnSpc>
+                <a:spcPct val="100000"/>
+              </a:lnSpc>
+              <a:spcBef>
+                <a:spcPts val="0"/>
+              </a:spcBef>
+              <a:spcAft>
+                <a:spcPts val="0"/>
+              </a:spcAft>
+              <a:buClrTx/>
+              <a:buSzPct val="70000"/>
+              <a:buFont typeface="Arial" panose="020B0604020202020204" pitchFamily="34" charset="0"/>
+              <a:buNone/>
+              <a:tabLst/>
+              <a:defRPr/>
+            </a:pPr>
+            <a:r>
+              <a:rPr kumimoji="0" lang="en-US" sz="1100" b="0" i="0" u="none" strike="noStrike" kern="1200" cap="none" spc="0" normalizeH="0" baseline="0" noProof="0" dirty="0">
+                <a:ln>
+                  <a:noFill/>
+                </a:ln>
+                <a:solidFill>
+                  <a:srgbClr val="FFFFFF"/>
+                </a:solidFill>
+                <a:effectLst/>
+                <a:uLnTx/>
+                <a:uFillTx/>
+                <a:latin typeface="Goudy Old Style"/>
+                <a:ea typeface="+mn-ea"/>
+                <a:cs typeface="+mn-cs"/>
+              </a:rPr>
+              <a:t>CUSTOMERS</a:t>
+            </a:r>
+          </a:p>
+          <a:p>
+            <a:pPr marL="228600" marR="0" lvl="0" indent="-228600" algn="l" defTabSz="914400" rtl="0" eaLnBrk="1" fontAlgn="auto" latinLnBrk="0" hangingPunct="1">
+              <a:lnSpc>
+                <a:spcPct val="100000"/>
+              </a:lnSpc>
+              <a:spcBef>
+                <a:spcPts val="0"/>
+              </a:spcBef>
+              <a:spcAft>
+                <a:spcPts val="0"/>
+              </a:spcAft>
+              <a:buClrTx/>
+              <a:buSzPct val="70000"/>
+              <a:buFont typeface="Arial" panose="020B0604020202020204" pitchFamily="34" charset="0"/>
+              <a:buChar char="•"/>
+              <a:tabLst/>
+              <a:defRPr/>
+            </a:pPr>
+            <a:r>
+              <a:rPr kumimoji="0" lang="en-US" sz="1100" b="0" i="0" u="none" strike="noStrike" kern="1200" cap="none" spc="0" normalizeH="0" baseline="0" noProof="0" dirty="0">
+                <a:ln>
+                  <a:noFill/>
+                </a:ln>
+                <a:solidFill>
+                  <a:srgbClr val="FFFFFF"/>
+                </a:solidFill>
+                <a:effectLst/>
+                <a:uLnTx/>
+                <a:uFillTx/>
+                <a:latin typeface="Goudy Old Style"/>
+                <a:ea typeface="+mn-ea"/>
+                <a:cs typeface="+mn-cs"/>
+              </a:rPr>
+              <a:t>POWER class and professor analyzing student interactions</a:t>
+            </a:r>
+          </a:p>
+          <a:p>
+            <a:pPr marL="228600" marR="0" lvl="0" indent="-228600" algn="l" defTabSz="914400" rtl="0" eaLnBrk="1" fontAlgn="auto" latinLnBrk="0" hangingPunct="1">
+              <a:lnSpc>
+                <a:spcPct val="100000"/>
+              </a:lnSpc>
+              <a:spcBef>
+                <a:spcPts val="0"/>
+              </a:spcBef>
+              <a:spcAft>
+                <a:spcPts val="0"/>
+              </a:spcAft>
+              <a:buClrTx/>
+              <a:buSzPct val="70000"/>
+              <a:buFont typeface="Arial" panose="020B0604020202020204" pitchFamily="34" charset="0"/>
+              <a:buChar char="•"/>
+              <a:tabLst/>
+              <a:defRPr/>
+            </a:pPr>
+            <a:r>
+              <a:rPr kumimoji="0" lang="en-US" sz="1100" b="0" i="0" u="none" strike="noStrike" kern="1200" cap="none" spc="0" normalizeH="0" baseline="0" noProof="0" dirty="0">
+                <a:ln>
+                  <a:noFill/>
+                </a:ln>
+                <a:solidFill>
+                  <a:srgbClr val="FFFFFF"/>
+                </a:solidFill>
+                <a:effectLst/>
+                <a:uLnTx/>
+                <a:uFillTx/>
+                <a:latin typeface="Goudy Old Style"/>
+                <a:ea typeface="+mn-ea"/>
+                <a:cs typeface="+mn-cs"/>
+              </a:rPr>
+              <a:t>Administrators looking to assess professors based on interactions</a:t>
+            </a:r>
           </a:p>
         </p:txBody>
       </p:sp>
@@ -4927,12 +9845,6 @@
 </file>
 
 <file path=ppt/tags/tag1.xml><?xml version="1.0" encoding="utf-8"?>
-<p:tagLst xmlns:a="http://schemas.openxmlformats.org/drawingml/2006/main" xmlns:r="http://schemas.openxmlformats.org/officeDocument/2006/relationships" xmlns:p="http://schemas.openxmlformats.org/presentationml/2006/main">
-  <p:tag name="THINKCELLUNDODONOTDELETE" val="0"/>
-</p:tagLst>
-</file>
-
-<file path=ppt/tags/tag2.xml><?xml version="1.0" encoding="utf-8"?>
 <p:tagLst xmlns:a="http://schemas.openxmlformats.org/drawingml/2006/main" xmlns:r="http://schemas.openxmlformats.org/officeDocument/2006/relationships" xmlns:p="http://schemas.openxmlformats.org/presentationml/2006/main">
   <p:tag name="THINKCELLSHAPEDONOTDELETE" val="thinkcellActiveDocDoNotDelete"/>
 </p:tagLst>
